--- a/하계특훈 발표/200724_하계특훈_2014180011_김영범.pptx
+++ b/하계특훈 발표/200724_하계특훈_2014180011_김영범.pptx
@@ -5,7 +5,7 @@
     <p:sldMasterId id="2147483660" r:id="rId1"/>
   </p:sldMasterIdLst>
   <p:notesMasterIdLst>
-    <p:notesMasterId r:id="rId32"/>
+    <p:notesMasterId r:id="rId36"/>
   </p:notesMasterIdLst>
   <p:sldIdLst>
     <p:sldId id="259" r:id="rId2"/>
@@ -38,6 +38,10 @@
     <p:sldId id="344" r:id="rId29"/>
     <p:sldId id="334" r:id="rId30"/>
     <p:sldId id="345" r:id="rId31"/>
+    <p:sldId id="346" r:id="rId32"/>
+    <p:sldId id="349" r:id="rId33"/>
+    <p:sldId id="348" r:id="rId34"/>
+    <p:sldId id="347" r:id="rId35"/>
   </p:sldIdLst>
   <p:sldSz cx="12192000" cy="6858000"/>
   <p:notesSz cx="6858000" cy="9144000"/>
@@ -288,9 +292,7 @@
               <c:idx val="0"/>
               <c:delete val="1"/>
               <c:extLst>
-                <c:ext xmlns:c15="http://schemas.microsoft.com/office/drawing/2012/chart" uri="{CE6537A1-D6FC-4f65-9D91-7224C49458BB}">
-                  <c15:layout/>
-                </c:ext>
+                <c:ext xmlns:c15="http://schemas.microsoft.com/office/drawing/2012/chart" uri="{CE6537A1-D6FC-4f65-9D91-7224C49458BB}"/>
                 <c:ext xmlns:c16="http://schemas.microsoft.com/office/drawing/2014/chart" uri="{C3380CC4-5D6E-409C-BE32-E72D297353CC}">
                   <c16:uniqueId val="{00000001-4531-452D-B1FD-CF1F21AD5F53}"/>
                 </c:ext>
@@ -579,7 +581,6 @@
                     <a:noFill/>
                   </a:ln>
                 </c15:spPr>
-                <c15:layout/>
               </c:ext>
             </c:extLst>
           </c:dLbls>
@@ -794,9 +795,7 @@
               <c:idx val="0"/>
               <c:delete val="1"/>
               <c:extLst>
-                <c:ext xmlns:c15="http://schemas.microsoft.com/office/drawing/2012/chart" uri="{CE6537A1-D6FC-4f65-9D91-7224C49458BB}">
-                  <c15:layout/>
-                </c:ext>
+                <c:ext xmlns:c15="http://schemas.microsoft.com/office/drawing/2012/chart" uri="{CE6537A1-D6FC-4f65-9D91-7224C49458BB}"/>
                 <c:ext xmlns:c16="http://schemas.microsoft.com/office/drawing/2014/chart" uri="{C3380CC4-5D6E-409C-BE32-E72D297353CC}">
                   <c16:uniqueId val="{00000001-6B1F-44B1-A765-9B881837AE05}"/>
                 </c:ext>
@@ -806,9 +805,7 @@
               <c:idx val="1"/>
               <c:delete val="1"/>
               <c:extLst>
-                <c:ext xmlns:c15="http://schemas.microsoft.com/office/drawing/2012/chart" uri="{CE6537A1-D6FC-4f65-9D91-7224C49458BB}">
-                  <c15:layout/>
-                </c:ext>
+                <c:ext xmlns:c15="http://schemas.microsoft.com/office/drawing/2012/chart" uri="{CE6537A1-D6FC-4f65-9D91-7224C49458BB}"/>
                 <c:ext xmlns:c16="http://schemas.microsoft.com/office/drawing/2014/chart" uri="{C3380CC4-5D6E-409C-BE32-E72D297353CC}">
                   <c16:uniqueId val="{00000003-6B1F-44B1-A765-9B881837AE05}"/>
                 </c:ext>
@@ -1021,7 +1018,6 @@
                     <a:noFill/>
                   </a:ln>
                 </c15:spPr>
-                <c15:layout/>
               </c:ext>
             </c:extLst>
           </c:dLbls>
@@ -1236,9 +1232,7 @@
               <c:idx val="0"/>
               <c:delete val="1"/>
               <c:extLst>
-                <c:ext xmlns:c15="http://schemas.microsoft.com/office/drawing/2012/chart" uri="{CE6537A1-D6FC-4f65-9D91-7224C49458BB}">
-                  <c15:layout/>
-                </c:ext>
+                <c:ext xmlns:c15="http://schemas.microsoft.com/office/drawing/2012/chart" uri="{CE6537A1-D6FC-4f65-9D91-7224C49458BB}"/>
                 <c:ext xmlns:c16="http://schemas.microsoft.com/office/drawing/2014/chart" uri="{C3380CC4-5D6E-409C-BE32-E72D297353CC}">
                   <c16:uniqueId val="{00000001-C742-4414-9FBF-FF6FB0324AAA}"/>
                 </c:ext>
@@ -1527,7 +1521,6 @@
                     <a:noFill/>
                   </a:ln>
                 </c15:spPr>
-                <c15:layout/>
               </c:ext>
             </c:extLst>
           </c:dLbls>
@@ -1742,9 +1735,7 @@
               <c:idx val="0"/>
               <c:delete val="1"/>
               <c:extLst>
-                <c:ext xmlns:c15="http://schemas.microsoft.com/office/drawing/2012/chart" uri="{CE6537A1-D6FC-4f65-9D91-7224C49458BB}">
-                  <c15:layout/>
-                </c:ext>
+                <c:ext xmlns:c15="http://schemas.microsoft.com/office/drawing/2012/chart" uri="{CE6537A1-D6FC-4f65-9D91-7224C49458BB}"/>
                 <c:ext xmlns:c16="http://schemas.microsoft.com/office/drawing/2014/chart" uri="{C3380CC4-5D6E-409C-BE32-E72D297353CC}">
                   <c16:uniqueId val="{00000001-6B1F-44B1-A765-9B881837AE05}"/>
                 </c:ext>
@@ -2033,7 +2024,6 @@
                     <a:noFill/>
                   </a:ln>
                 </c15:spPr>
-                <c15:layout/>
               </c:ext>
             </c:extLst>
           </c:dLbls>
@@ -2476,9 +2466,7 @@
               <c:idx val="3"/>
               <c:delete val="1"/>
               <c:extLst>
-                <c:ext xmlns:c15="http://schemas.microsoft.com/office/drawing/2012/chart" uri="{CE6537A1-D6FC-4f65-9D91-7224C49458BB}">
-                  <c15:layout/>
-                </c:ext>
+                <c:ext xmlns:c15="http://schemas.microsoft.com/office/drawing/2012/chart" uri="{CE6537A1-D6FC-4f65-9D91-7224C49458BB}"/>
                 <c:ext xmlns:c16="http://schemas.microsoft.com/office/drawing/2014/chart" uri="{C3380CC4-5D6E-409C-BE32-E72D297353CC}">
                   <c16:uniqueId val="{00000007-C742-4414-9FBF-FF6FB0324AAA}"/>
                 </c:ext>
@@ -2539,7 +2527,6 @@
                     <a:noFill/>
                   </a:ln>
                 </c15:spPr>
-                <c15:layout/>
               </c:ext>
             </c:extLst>
           </c:dLbls>
@@ -2982,9 +2969,7 @@
               <c:idx val="3"/>
               <c:delete val="1"/>
               <c:extLst>
-                <c:ext xmlns:c15="http://schemas.microsoft.com/office/drawing/2012/chart" uri="{CE6537A1-D6FC-4f65-9D91-7224C49458BB}">
-                  <c15:layout/>
-                </c:ext>
+                <c:ext xmlns:c15="http://schemas.microsoft.com/office/drawing/2012/chart" uri="{CE6537A1-D6FC-4f65-9D91-7224C49458BB}"/>
                 <c:ext xmlns:c16="http://schemas.microsoft.com/office/drawing/2014/chart" uri="{C3380CC4-5D6E-409C-BE32-E72D297353CC}">
                   <c16:uniqueId val="{00000007-6B1F-44B1-A765-9B881837AE05}"/>
                 </c:ext>
@@ -3045,7 +3030,6 @@
                     <a:noFill/>
                   </a:ln>
                 </c15:spPr>
-                <c15:layout/>
               </c:ext>
             </c:extLst>
           </c:dLbls>
@@ -3260,9 +3244,7 @@
               <c:idx val="0"/>
               <c:delete val="1"/>
               <c:extLst>
-                <c:ext xmlns:c15="http://schemas.microsoft.com/office/drawing/2012/chart" uri="{CE6537A1-D6FC-4f65-9D91-7224C49458BB}">
-                  <c15:layout/>
-                </c:ext>
+                <c:ext xmlns:c15="http://schemas.microsoft.com/office/drawing/2012/chart" uri="{CE6537A1-D6FC-4f65-9D91-7224C49458BB}"/>
                 <c:ext xmlns:c16="http://schemas.microsoft.com/office/drawing/2014/chart" uri="{C3380CC4-5D6E-409C-BE32-E72D297353CC}">
                   <c16:uniqueId val="{00000001-C742-4414-9FBF-FF6FB0324AAA}"/>
                 </c:ext>
@@ -3551,7 +3533,6 @@
                     <a:noFill/>
                   </a:ln>
                 </c15:spPr>
-                <c15:layout/>
               </c:ext>
             </c:extLst>
           </c:dLbls>
@@ -3766,9 +3747,7 @@
               <c:idx val="0"/>
               <c:delete val="1"/>
               <c:extLst>
-                <c:ext xmlns:c15="http://schemas.microsoft.com/office/drawing/2012/chart" uri="{CE6537A1-D6FC-4f65-9D91-7224C49458BB}">
-                  <c15:layout/>
-                </c:ext>
+                <c:ext xmlns:c15="http://schemas.microsoft.com/office/drawing/2012/chart" uri="{CE6537A1-D6FC-4f65-9D91-7224C49458BB}"/>
                 <c:ext xmlns:c16="http://schemas.microsoft.com/office/drawing/2014/chart" uri="{C3380CC4-5D6E-409C-BE32-E72D297353CC}">
                   <c16:uniqueId val="{00000001-6B1F-44B1-A765-9B881837AE05}"/>
                 </c:ext>
@@ -4057,7 +4036,6 @@
                     <a:noFill/>
                   </a:ln>
                 </c15:spPr>
-                <c15:layout/>
               </c:ext>
             </c:extLst>
           </c:dLbls>
@@ -4272,9 +4250,7 @@
               <c:idx val="0"/>
               <c:delete val="1"/>
               <c:extLst>
-                <c:ext xmlns:c15="http://schemas.microsoft.com/office/drawing/2012/chart" uri="{CE6537A1-D6FC-4f65-9D91-7224C49458BB}">
-                  <c15:layout/>
-                </c:ext>
+                <c:ext xmlns:c15="http://schemas.microsoft.com/office/drawing/2012/chart" uri="{CE6537A1-D6FC-4f65-9D91-7224C49458BB}"/>
                 <c:ext xmlns:c16="http://schemas.microsoft.com/office/drawing/2014/chart" uri="{C3380CC4-5D6E-409C-BE32-E72D297353CC}">
                   <c16:uniqueId val="{00000001-C742-4414-9FBF-FF6FB0324AAA}"/>
                 </c:ext>
@@ -4563,7 +4539,6 @@
                     <a:noFill/>
                   </a:ln>
                 </c15:spPr>
-                <c15:layout/>
               </c:ext>
             </c:extLst>
           </c:dLbls>
@@ -4778,9 +4753,7 @@
               <c:idx val="0"/>
               <c:delete val="1"/>
               <c:extLst>
-                <c:ext xmlns:c15="http://schemas.microsoft.com/office/drawing/2012/chart" uri="{CE6537A1-D6FC-4f65-9D91-7224C49458BB}">
-                  <c15:layout/>
-                </c:ext>
+                <c:ext xmlns:c15="http://schemas.microsoft.com/office/drawing/2012/chart" uri="{CE6537A1-D6FC-4f65-9D91-7224C49458BB}"/>
                 <c:ext xmlns:c16="http://schemas.microsoft.com/office/drawing/2014/chart" uri="{C3380CC4-5D6E-409C-BE32-E72D297353CC}">
                   <c16:uniqueId val="{00000001-6B1F-44B1-A765-9B881837AE05}"/>
                 </c:ext>
@@ -5069,7 +5042,6 @@
                     <a:noFill/>
                   </a:ln>
                 </c15:spPr>
-                <c15:layout/>
               </c:ext>
             </c:extLst>
           </c:dLbls>
@@ -5284,9 +5256,7 @@
               <c:idx val="0"/>
               <c:delete val="1"/>
               <c:extLst>
-                <c:ext xmlns:c15="http://schemas.microsoft.com/office/drawing/2012/chart" uri="{CE6537A1-D6FC-4f65-9D91-7224C49458BB}">
-                  <c15:layout/>
-                </c:ext>
+                <c:ext xmlns:c15="http://schemas.microsoft.com/office/drawing/2012/chart" uri="{CE6537A1-D6FC-4f65-9D91-7224C49458BB}"/>
                 <c:ext xmlns:c16="http://schemas.microsoft.com/office/drawing/2014/chart" uri="{C3380CC4-5D6E-409C-BE32-E72D297353CC}">
                   <c16:uniqueId val="{00000001-C742-4414-9FBF-FF6FB0324AAA}"/>
                 </c:ext>
@@ -5575,7 +5545,6 @@
                     <a:noFill/>
                   </a:ln>
                 </c15:spPr>
-                <c15:layout/>
               </c:ext>
             </c:extLst>
           </c:dLbls>
@@ -5790,9 +5759,7 @@
               <c:idx val="0"/>
               <c:delete val="1"/>
               <c:extLst>
-                <c:ext xmlns:c15="http://schemas.microsoft.com/office/drawing/2012/chart" uri="{CE6537A1-D6FC-4f65-9D91-7224C49458BB}">
-                  <c15:layout/>
-                </c:ext>
+                <c:ext xmlns:c15="http://schemas.microsoft.com/office/drawing/2012/chart" uri="{CE6537A1-D6FC-4f65-9D91-7224C49458BB}"/>
                 <c:ext xmlns:c16="http://schemas.microsoft.com/office/drawing/2014/chart" uri="{C3380CC4-5D6E-409C-BE32-E72D297353CC}">
                   <c16:uniqueId val="{00000001-9190-4958-B1FF-8494FACA5513}"/>
                 </c:ext>
@@ -6081,7 +6048,6 @@
                     <a:noFill/>
                   </a:ln>
                 </c15:spPr>
-                <c15:layout/>
               </c:ext>
             </c:extLst>
           </c:dLbls>
@@ -6296,9 +6262,7 @@
               <c:idx val="0"/>
               <c:delete val="1"/>
               <c:extLst>
-                <c:ext xmlns:c15="http://schemas.microsoft.com/office/drawing/2012/chart" uri="{CE6537A1-D6FC-4f65-9D91-7224C49458BB}">
-                  <c15:layout/>
-                </c:ext>
+                <c:ext xmlns:c15="http://schemas.microsoft.com/office/drawing/2012/chart" uri="{CE6537A1-D6FC-4f65-9D91-7224C49458BB}"/>
                 <c:ext xmlns:c16="http://schemas.microsoft.com/office/drawing/2014/chart" uri="{C3380CC4-5D6E-409C-BE32-E72D297353CC}">
                   <c16:uniqueId val="{00000001-6B1F-44B1-A765-9B881837AE05}"/>
                 </c:ext>
@@ -6587,7 +6551,6 @@
                     <a:noFill/>
                   </a:ln>
                 </c15:spPr>
-                <c15:layout/>
               </c:ext>
             </c:extLst>
           </c:dLbls>
@@ -6635,6 +6598,830 @@
           <c:extLst>
             <c:ext xmlns:c16="http://schemas.microsoft.com/office/drawing/2014/chart" uri="{C3380CC4-5D6E-409C-BE32-E72D297353CC}">
               <c16:uniqueId val="{00000008-6B1F-44B1-A765-9B881837AE05}"/>
+            </c:ext>
+          </c:extLst>
+        </c:ser>
+        <c:dLbls>
+          <c:showLegendKey val="0"/>
+          <c:showVal val="0"/>
+          <c:showCatName val="0"/>
+          <c:showSerName val="0"/>
+          <c:showPercent val="0"/>
+          <c:showBubbleSize val="0"/>
+          <c:showLeaderLines val="0"/>
+        </c:dLbls>
+        <c:firstSliceAng val="0"/>
+      </c:pieChart>
+      <c:spPr>
+        <a:noFill/>
+        <a:ln>
+          <a:noFill/>
+        </a:ln>
+        <a:effectLst/>
+      </c:spPr>
+    </c:plotArea>
+    <c:plotVisOnly val="1"/>
+    <c:dispBlanksAs val="gap"/>
+    <c:showDLblsOverMax val="0"/>
+  </c:chart>
+  <c:spPr>
+    <a:noFill/>
+    <a:ln>
+      <a:noFill/>
+    </a:ln>
+    <a:effectLst/>
+  </c:spPr>
+  <c:txPr>
+    <a:bodyPr/>
+    <a:lstStyle/>
+    <a:p>
+      <a:pPr>
+        <a:defRPr b="1"/>
+      </a:pPr>
+      <a:endParaRPr lang="ko-KR"/>
+    </a:p>
+  </c:txPr>
+  <c:externalData r:id="rId3">
+    <c:autoUpdate val="0"/>
+  </c:externalData>
+</c:chartSpace>
+</file>
+
+<file path=ppt/charts/chart21.xml><?xml version="1.0" encoding="utf-8"?>
+<c:chartSpace xmlns:c="http://schemas.openxmlformats.org/drawingml/2006/chart" xmlns:a="http://schemas.openxmlformats.org/drawingml/2006/main" xmlns:r="http://schemas.openxmlformats.org/officeDocument/2006/relationships" xmlns:c16r2="http://schemas.microsoft.com/office/drawing/2015/06/chart">
+  <c:date1904 val="0"/>
+  <c:lang val="ko-KR"/>
+  <c:roundedCorners val="0"/>
+  <mc:AlternateContent xmlns:mc="http://schemas.openxmlformats.org/markup-compatibility/2006">
+    <mc:Choice xmlns:c14="http://schemas.microsoft.com/office/drawing/2007/8/2/chart" Requires="c14">
+      <c14:style val="102"/>
+    </mc:Choice>
+    <mc:Fallback>
+      <c:style val="2"/>
+    </mc:Fallback>
+  </mc:AlternateContent>
+  <c:chart>
+    <c:autoTitleDeleted val="1"/>
+    <c:plotArea>
+      <c:layout/>
+      <c:pieChart>
+        <c:varyColors val="1"/>
+        <c:ser>
+          <c:idx val="0"/>
+          <c:order val="0"/>
+          <c:tx>
+            <c:strRef>
+              <c:f>Sheet1!$B$1</c:f>
+              <c:strCache>
+                <c:ptCount val="1"/>
+                <c:pt idx="0">
+                  <c:v>영상 개수</c:v>
+                </c:pt>
+              </c:strCache>
+            </c:strRef>
+          </c:tx>
+          <c:dPt>
+            <c:idx val="0"/>
+            <c:bubble3D val="0"/>
+            <c:spPr>
+              <a:solidFill>
+                <a:schemeClr val="accent1"/>
+              </a:solidFill>
+              <a:ln w="19050">
+                <a:solidFill>
+                  <a:schemeClr val="lt1"/>
+                </a:solidFill>
+              </a:ln>
+              <a:effectLst/>
+            </c:spPr>
+            <c:extLst>
+              <c:ext xmlns:c16="http://schemas.microsoft.com/office/drawing/2014/chart" uri="{C3380CC4-5D6E-409C-BE32-E72D297353CC}">
+                <c16:uniqueId val="{00000001-D885-4D73-83E5-4F2FC8B99003}"/>
+              </c:ext>
+            </c:extLst>
+          </c:dPt>
+          <c:dPt>
+            <c:idx val="1"/>
+            <c:bubble3D val="0"/>
+            <c:spPr>
+              <a:solidFill>
+                <a:srgbClr val="C00000"/>
+              </a:solidFill>
+              <a:ln w="19050">
+                <a:solidFill>
+                  <a:schemeClr val="lt1"/>
+                </a:solidFill>
+              </a:ln>
+              <a:effectLst/>
+            </c:spPr>
+            <c:extLst>
+              <c:ext xmlns:c16="http://schemas.microsoft.com/office/drawing/2014/chart" uri="{C3380CC4-5D6E-409C-BE32-E72D297353CC}">
+                <c16:uniqueId val="{00000003-D885-4D73-83E5-4F2FC8B99003}"/>
+              </c:ext>
+            </c:extLst>
+          </c:dPt>
+          <c:dPt>
+            <c:idx val="2"/>
+            <c:bubble3D val="0"/>
+            <c:spPr>
+              <a:solidFill>
+                <a:srgbClr val="FFC000"/>
+              </a:solidFill>
+              <a:ln w="19050">
+                <a:solidFill>
+                  <a:schemeClr val="lt1"/>
+                </a:solidFill>
+              </a:ln>
+              <a:effectLst/>
+            </c:spPr>
+            <c:extLst>
+              <c:ext xmlns:c16="http://schemas.microsoft.com/office/drawing/2014/chart" uri="{C3380CC4-5D6E-409C-BE32-E72D297353CC}">
+                <c16:uniqueId val="{00000005-D885-4D73-83E5-4F2FC8B99003}"/>
+              </c:ext>
+            </c:extLst>
+          </c:dPt>
+          <c:dPt>
+            <c:idx val="3"/>
+            <c:bubble3D val="0"/>
+            <c:spPr>
+              <a:solidFill>
+                <a:srgbClr val="00B050"/>
+              </a:solidFill>
+              <a:ln w="19050">
+                <a:solidFill>
+                  <a:schemeClr val="lt1"/>
+                </a:solidFill>
+              </a:ln>
+              <a:effectLst/>
+            </c:spPr>
+            <c:extLst>
+              <c:ext xmlns:c16="http://schemas.microsoft.com/office/drawing/2014/chart" uri="{C3380CC4-5D6E-409C-BE32-E72D297353CC}">
+                <c16:uniqueId val="{00000007-D885-4D73-83E5-4F2FC8B99003}"/>
+              </c:ext>
+            </c:extLst>
+          </c:dPt>
+          <c:cat>
+            <c:strRef>
+              <c:f>Sheet1!$A$2:$A$5</c:f>
+              <c:strCache>
+                <c:ptCount val="4"/>
+                <c:pt idx="0">
+                  <c:v>Novice</c:v>
+                </c:pt>
+                <c:pt idx="1">
+                  <c:v>Slapstick</c:v>
+                </c:pt>
+                <c:pt idx="2">
+                  <c:v>Circus</c:v>
+                </c:pt>
+                <c:pt idx="3">
+                  <c:v>Expert</c:v>
+                </c:pt>
+              </c:strCache>
+            </c:strRef>
+          </c:cat>
+          <c:val>
+            <c:numRef>
+              <c:f>Sheet1!$B$2:$B$5</c:f>
+              <c:numCache>
+                <c:formatCode>General</c:formatCode>
+                <c:ptCount val="4"/>
+                <c:pt idx="0">
+                  <c:v>3</c:v>
+                </c:pt>
+                <c:pt idx="1">
+                  <c:v>21</c:v>
+                </c:pt>
+                <c:pt idx="2">
+                  <c:v>40</c:v>
+                </c:pt>
+                <c:pt idx="3">
+                  <c:v>33</c:v>
+                </c:pt>
+              </c:numCache>
+            </c:numRef>
+          </c:val>
+          <c:extLst>
+            <c:ext xmlns:c16="http://schemas.microsoft.com/office/drawing/2014/chart" uri="{C3380CC4-5D6E-409C-BE32-E72D297353CC}">
+              <c16:uniqueId val="{00000008-D885-4D73-83E5-4F2FC8B99003}"/>
+            </c:ext>
+          </c:extLst>
+        </c:ser>
+        <c:dLbls>
+          <c:showLegendKey val="0"/>
+          <c:showVal val="0"/>
+          <c:showCatName val="0"/>
+          <c:showSerName val="0"/>
+          <c:showPercent val="0"/>
+          <c:showBubbleSize val="0"/>
+          <c:showLeaderLines val="0"/>
+        </c:dLbls>
+        <c:firstSliceAng val="0"/>
+      </c:pieChart>
+      <c:spPr>
+        <a:noFill/>
+        <a:ln>
+          <a:noFill/>
+        </a:ln>
+        <a:effectLst/>
+      </c:spPr>
+    </c:plotArea>
+    <c:plotVisOnly val="1"/>
+    <c:dispBlanksAs val="gap"/>
+    <c:showDLblsOverMax val="0"/>
+  </c:chart>
+  <c:spPr>
+    <a:noFill/>
+    <a:ln>
+      <a:noFill/>
+    </a:ln>
+    <a:effectLst/>
+  </c:spPr>
+  <c:txPr>
+    <a:bodyPr/>
+    <a:lstStyle/>
+    <a:p>
+      <a:pPr>
+        <a:defRPr b="1"/>
+      </a:pPr>
+      <a:endParaRPr lang="ko-KR"/>
+    </a:p>
+  </c:txPr>
+  <c:externalData r:id="rId3">
+    <c:autoUpdate val="0"/>
+  </c:externalData>
+</c:chartSpace>
+</file>
+
+<file path=ppt/charts/chart22.xml><?xml version="1.0" encoding="utf-8"?>
+<c:chartSpace xmlns:c="http://schemas.openxmlformats.org/drawingml/2006/chart" xmlns:a="http://schemas.openxmlformats.org/drawingml/2006/main" xmlns:r="http://schemas.openxmlformats.org/officeDocument/2006/relationships" xmlns:c16r2="http://schemas.microsoft.com/office/drawing/2015/06/chart">
+  <c:date1904 val="0"/>
+  <c:lang val="ko-KR"/>
+  <c:roundedCorners val="0"/>
+  <mc:AlternateContent xmlns:mc="http://schemas.openxmlformats.org/markup-compatibility/2006">
+    <mc:Choice xmlns:c14="http://schemas.microsoft.com/office/drawing/2007/8/2/chart" Requires="c14">
+      <c14:style val="102"/>
+    </mc:Choice>
+    <mc:Fallback>
+      <c:style val="2"/>
+    </mc:Fallback>
+  </mc:AlternateContent>
+  <c:chart>
+    <c:autoTitleDeleted val="1"/>
+    <c:plotArea>
+      <c:layout/>
+      <c:pieChart>
+        <c:varyColors val="1"/>
+        <c:ser>
+          <c:idx val="0"/>
+          <c:order val="0"/>
+          <c:tx>
+            <c:strRef>
+              <c:f>Sheet1!$B$1</c:f>
+              <c:strCache>
+                <c:ptCount val="1"/>
+                <c:pt idx="0">
+                  <c:v>영상 개수</c:v>
+                </c:pt>
+              </c:strCache>
+            </c:strRef>
+          </c:tx>
+          <c:dPt>
+            <c:idx val="0"/>
+            <c:bubble3D val="0"/>
+            <c:spPr>
+              <a:solidFill>
+                <a:schemeClr val="accent1"/>
+              </a:solidFill>
+              <a:ln w="19050">
+                <a:solidFill>
+                  <a:schemeClr val="lt1"/>
+                </a:solidFill>
+              </a:ln>
+              <a:effectLst/>
+            </c:spPr>
+            <c:extLst>
+              <c:ext xmlns:c16="http://schemas.microsoft.com/office/drawing/2014/chart" uri="{C3380CC4-5D6E-409C-BE32-E72D297353CC}">
+                <c16:uniqueId val="{00000001-1792-4C58-A23F-84C9612BC9D3}"/>
+              </c:ext>
+            </c:extLst>
+          </c:dPt>
+          <c:dPt>
+            <c:idx val="1"/>
+            <c:bubble3D val="0"/>
+            <c:spPr>
+              <a:solidFill>
+                <a:srgbClr val="C00000"/>
+              </a:solidFill>
+              <a:ln w="19050">
+                <a:solidFill>
+                  <a:schemeClr val="lt1"/>
+                </a:solidFill>
+              </a:ln>
+              <a:effectLst/>
+            </c:spPr>
+            <c:extLst>
+              <c:ext xmlns:c16="http://schemas.microsoft.com/office/drawing/2014/chart" uri="{C3380CC4-5D6E-409C-BE32-E72D297353CC}">
+                <c16:uniqueId val="{00000003-1792-4C58-A23F-84C9612BC9D3}"/>
+              </c:ext>
+            </c:extLst>
+          </c:dPt>
+          <c:dPt>
+            <c:idx val="2"/>
+            <c:bubble3D val="0"/>
+            <c:spPr>
+              <a:solidFill>
+                <a:srgbClr val="FFC000"/>
+              </a:solidFill>
+              <a:ln w="19050">
+                <a:solidFill>
+                  <a:schemeClr val="lt1"/>
+                </a:solidFill>
+              </a:ln>
+              <a:effectLst/>
+            </c:spPr>
+            <c:extLst>
+              <c:ext xmlns:c16="http://schemas.microsoft.com/office/drawing/2014/chart" uri="{C3380CC4-5D6E-409C-BE32-E72D297353CC}">
+                <c16:uniqueId val="{00000005-1792-4C58-A23F-84C9612BC9D3}"/>
+              </c:ext>
+            </c:extLst>
+          </c:dPt>
+          <c:dPt>
+            <c:idx val="3"/>
+            <c:bubble3D val="0"/>
+            <c:spPr>
+              <a:solidFill>
+                <a:srgbClr val="00B050"/>
+              </a:solidFill>
+              <a:ln w="19050">
+                <a:solidFill>
+                  <a:schemeClr val="lt1"/>
+                </a:solidFill>
+              </a:ln>
+              <a:effectLst/>
+            </c:spPr>
+            <c:extLst>
+              <c:ext xmlns:c16="http://schemas.microsoft.com/office/drawing/2014/chart" uri="{C3380CC4-5D6E-409C-BE32-E72D297353CC}">
+                <c16:uniqueId val="{00000007-1792-4C58-A23F-84C9612BC9D3}"/>
+              </c:ext>
+            </c:extLst>
+          </c:dPt>
+          <c:cat>
+            <c:strRef>
+              <c:f>Sheet1!$A$2:$A$5</c:f>
+              <c:strCache>
+                <c:ptCount val="4"/>
+                <c:pt idx="0">
+                  <c:v>Novice</c:v>
+                </c:pt>
+                <c:pt idx="1">
+                  <c:v>Slapstick</c:v>
+                </c:pt>
+                <c:pt idx="2">
+                  <c:v>Circus</c:v>
+                </c:pt>
+                <c:pt idx="3">
+                  <c:v>Expert</c:v>
+                </c:pt>
+              </c:strCache>
+            </c:strRef>
+          </c:cat>
+          <c:val>
+            <c:numRef>
+              <c:f>Sheet1!$B$2:$B$5</c:f>
+              <c:numCache>
+                <c:formatCode>General</c:formatCode>
+                <c:ptCount val="4"/>
+                <c:pt idx="0">
+                  <c:v>29</c:v>
+                </c:pt>
+                <c:pt idx="1">
+                  <c:v>36</c:v>
+                </c:pt>
+                <c:pt idx="2">
+                  <c:v>42</c:v>
+                </c:pt>
+                <c:pt idx="3">
+                  <c:v>31</c:v>
+                </c:pt>
+              </c:numCache>
+            </c:numRef>
+          </c:val>
+          <c:extLst>
+            <c:ext xmlns:c16="http://schemas.microsoft.com/office/drawing/2014/chart" uri="{C3380CC4-5D6E-409C-BE32-E72D297353CC}">
+              <c16:uniqueId val="{00000008-1792-4C58-A23F-84C9612BC9D3}"/>
+            </c:ext>
+          </c:extLst>
+        </c:ser>
+        <c:dLbls>
+          <c:showLegendKey val="0"/>
+          <c:showVal val="0"/>
+          <c:showCatName val="0"/>
+          <c:showSerName val="0"/>
+          <c:showPercent val="0"/>
+          <c:showBubbleSize val="0"/>
+          <c:showLeaderLines val="0"/>
+        </c:dLbls>
+        <c:firstSliceAng val="0"/>
+      </c:pieChart>
+      <c:spPr>
+        <a:noFill/>
+        <a:ln>
+          <a:noFill/>
+        </a:ln>
+        <a:effectLst/>
+      </c:spPr>
+    </c:plotArea>
+    <c:plotVisOnly val="1"/>
+    <c:dispBlanksAs val="gap"/>
+    <c:showDLblsOverMax val="0"/>
+  </c:chart>
+  <c:spPr>
+    <a:noFill/>
+    <a:ln>
+      <a:noFill/>
+    </a:ln>
+    <a:effectLst/>
+  </c:spPr>
+  <c:txPr>
+    <a:bodyPr/>
+    <a:lstStyle/>
+    <a:p>
+      <a:pPr>
+        <a:defRPr b="1"/>
+      </a:pPr>
+      <a:endParaRPr lang="ko-KR"/>
+    </a:p>
+  </c:txPr>
+  <c:externalData r:id="rId3">
+    <c:autoUpdate val="0"/>
+  </c:externalData>
+</c:chartSpace>
+</file>
+
+<file path=ppt/charts/chart23.xml><?xml version="1.0" encoding="utf-8"?>
+<c:chartSpace xmlns:c="http://schemas.openxmlformats.org/drawingml/2006/chart" xmlns:a="http://schemas.openxmlformats.org/drawingml/2006/main" xmlns:r="http://schemas.openxmlformats.org/officeDocument/2006/relationships" xmlns:c16r2="http://schemas.microsoft.com/office/drawing/2015/06/chart">
+  <c:date1904 val="0"/>
+  <c:lang val="ko-KR"/>
+  <c:roundedCorners val="0"/>
+  <mc:AlternateContent xmlns:mc="http://schemas.openxmlformats.org/markup-compatibility/2006">
+    <mc:Choice xmlns:c14="http://schemas.microsoft.com/office/drawing/2007/8/2/chart" Requires="c14">
+      <c14:style val="102"/>
+    </mc:Choice>
+    <mc:Fallback>
+      <c:style val="2"/>
+    </mc:Fallback>
+  </mc:AlternateContent>
+  <c:chart>
+    <c:autoTitleDeleted val="1"/>
+    <c:plotArea>
+      <c:layout/>
+      <c:pieChart>
+        <c:varyColors val="1"/>
+        <c:ser>
+          <c:idx val="0"/>
+          <c:order val="0"/>
+          <c:tx>
+            <c:strRef>
+              <c:f>Sheet1!$B$1</c:f>
+              <c:strCache>
+                <c:ptCount val="1"/>
+                <c:pt idx="0">
+                  <c:v>영상 개수</c:v>
+                </c:pt>
+              </c:strCache>
+            </c:strRef>
+          </c:tx>
+          <c:dPt>
+            <c:idx val="0"/>
+            <c:bubble3D val="0"/>
+            <c:spPr>
+              <a:solidFill>
+                <a:schemeClr val="accent1"/>
+              </a:solidFill>
+              <a:ln w="19050">
+                <a:solidFill>
+                  <a:schemeClr val="lt1"/>
+                </a:solidFill>
+              </a:ln>
+              <a:effectLst/>
+            </c:spPr>
+            <c:extLst>
+              <c:ext xmlns:c16="http://schemas.microsoft.com/office/drawing/2014/chart" uri="{C3380CC4-5D6E-409C-BE32-E72D297353CC}">
+                <c16:uniqueId val="{00000001-C742-4414-9FBF-FF6FB0324AAA}"/>
+              </c:ext>
+            </c:extLst>
+          </c:dPt>
+          <c:dPt>
+            <c:idx val="1"/>
+            <c:bubble3D val="0"/>
+            <c:spPr>
+              <a:solidFill>
+                <a:srgbClr val="C00000"/>
+              </a:solidFill>
+              <a:ln w="19050">
+                <a:solidFill>
+                  <a:schemeClr val="lt1"/>
+                </a:solidFill>
+              </a:ln>
+              <a:effectLst/>
+            </c:spPr>
+            <c:extLst>
+              <c:ext xmlns:c16="http://schemas.microsoft.com/office/drawing/2014/chart" uri="{C3380CC4-5D6E-409C-BE32-E72D297353CC}">
+                <c16:uniqueId val="{00000000-8B2A-41A8-B9C3-41C5906FC940}"/>
+              </c:ext>
+            </c:extLst>
+          </c:dPt>
+          <c:dPt>
+            <c:idx val="2"/>
+            <c:bubble3D val="0"/>
+            <c:spPr>
+              <a:solidFill>
+                <a:srgbClr val="FFC000"/>
+              </a:solidFill>
+              <a:ln w="19050">
+                <a:solidFill>
+                  <a:schemeClr val="lt1"/>
+                </a:solidFill>
+              </a:ln>
+              <a:effectLst/>
+            </c:spPr>
+            <c:extLst>
+              <c:ext xmlns:c16="http://schemas.microsoft.com/office/drawing/2014/chart" uri="{C3380CC4-5D6E-409C-BE32-E72D297353CC}">
+                <c16:uniqueId val="{00000000-3E92-4B80-8669-4477F4AC9CF7}"/>
+              </c:ext>
+            </c:extLst>
+          </c:dPt>
+          <c:dPt>
+            <c:idx val="3"/>
+            <c:bubble3D val="0"/>
+            <c:spPr>
+              <a:solidFill>
+                <a:srgbClr val="00B050"/>
+              </a:solidFill>
+              <a:ln w="19050">
+                <a:solidFill>
+                  <a:schemeClr val="lt1"/>
+                </a:solidFill>
+              </a:ln>
+              <a:effectLst/>
+            </c:spPr>
+            <c:extLst>
+              <c:ext xmlns:c16="http://schemas.microsoft.com/office/drawing/2014/chart" uri="{C3380CC4-5D6E-409C-BE32-E72D297353CC}">
+                <c16:uniqueId val="{00000007-C742-4414-9FBF-FF6FB0324AAA}"/>
+              </c:ext>
+            </c:extLst>
+          </c:dPt>
+          <c:cat>
+            <c:strRef>
+              <c:f>Sheet1!$A$2:$A$5</c:f>
+              <c:strCache>
+                <c:ptCount val="4"/>
+                <c:pt idx="0">
+                  <c:v>Novice</c:v>
+                </c:pt>
+                <c:pt idx="1">
+                  <c:v>Slapstick</c:v>
+                </c:pt>
+                <c:pt idx="2">
+                  <c:v>Circus</c:v>
+                </c:pt>
+                <c:pt idx="3">
+                  <c:v>Expert</c:v>
+                </c:pt>
+              </c:strCache>
+            </c:strRef>
+          </c:cat>
+          <c:val>
+            <c:numRef>
+              <c:f>Sheet1!$B$2:$B$5</c:f>
+              <c:numCache>
+                <c:formatCode>General</c:formatCode>
+                <c:ptCount val="4"/>
+                <c:pt idx="0">
+                  <c:v>3</c:v>
+                </c:pt>
+                <c:pt idx="1">
+                  <c:v>21</c:v>
+                </c:pt>
+                <c:pt idx="2">
+                  <c:v>40</c:v>
+                </c:pt>
+                <c:pt idx="3">
+                  <c:v>33</c:v>
+                </c:pt>
+              </c:numCache>
+            </c:numRef>
+          </c:val>
+          <c:extLst>
+            <c:ext xmlns:c16="http://schemas.microsoft.com/office/drawing/2014/chart" uri="{C3380CC4-5D6E-409C-BE32-E72D297353CC}">
+              <c16:uniqueId val="{00000000-3A15-4291-A251-CD3857ACFEB1}"/>
+            </c:ext>
+          </c:extLst>
+        </c:ser>
+        <c:dLbls>
+          <c:showLegendKey val="0"/>
+          <c:showVal val="0"/>
+          <c:showCatName val="0"/>
+          <c:showSerName val="0"/>
+          <c:showPercent val="0"/>
+          <c:showBubbleSize val="0"/>
+          <c:showLeaderLines val="0"/>
+        </c:dLbls>
+        <c:firstSliceAng val="0"/>
+      </c:pieChart>
+      <c:spPr>
+        <a:noFill/>
+        <a:ln>
+          <a:noFill/>
+        </a:ln>
+        <a:effectLst/>
+      </c:spPr>
+    </c:plotArea>
+    <c:plotVisOnly val="1"/>
+    <c:dispBlanksAs val="gap"/>
+    <c:showDLblsOverMax val="0"/>
+  </c:chart>
+  <c:spPr>
+    <a:noFill/>
+    <a:ln>
+      <a:noFill/>
+    </a:ln>
+    <a:effectLst/>
+  </c:spPr>
+  <c:txPr>
+    <a:bodyPr/>
+    <a:lstStyle/>
+    <a:p>
+      <a:pPr>
+        <a:defRPr b="1"/>
+      </a:pPr>
+      <a:endParaRPr lang="ko-KR"/>
+    </a:p>
+  </c:txPr>
+  <c:externalData r:id="rId3">
+    <c:autoUpdate val="0"/>
+  </c:externalData>
+</c:chartSpace>
+</file>
+
+<file path=ppt/charts/chart24.xml><?xml version="1.0" encoding="utf-8"?>
+<c:chartSpace xmlns:c="http://schemas.openxmlformats.org/drawingml/2006/chart" xmlns:a="http://schemas.openxmlformats.org/drawingml/2006/main" xmlns:r="http://schemas.openxmlformats.org/officeDocument/2006/relationships" xmlns:c16r2="http://schemas.microsoft.com/office/drawing/2015/06/chart">
+  <c:date1904 val="0"/>
+  <c:lang val="ko-KR"/>
+  <c:roundedCorners val="0"/>
+  <mc:AlternateContent xmlns:mc="http://schemas.openxmlformats.org/markup-compatibility/2006">
+    <mc:Choice xmlns:c14="http://schemas.microsoft.com/office/drawing/2007/8/2/chart" Requires="c14">
+      <c14:style val="102"/>
+    </mc:Choice>
+    <mc:Fallback>
+      <c:style val="2"/>
+    </mc:Fallback>
+  </mc:AlternateContent>
+  <c:chart>
+    <c:autoTitleDeleted val="1"/>
+    <c:plotArea>
+      <c:layout/>
+      <c:pieChart>
+        <c:varyColors val="1"/>
+        <c:ser>
+          <c:idx val="0"/>
+          <c:order val="0"/>
+          <c:tx>
+            <c:strRef>
+              <c:f>Sheet1!$B$1</c:f>
+              <c:strCache>
+                <c:ptCount val="1"/>
+                <c:pt idx="0">
+                  <c:v>영상 개수</c:v>
+                </c:pt>
+              </c:strCache>
+            </c:strRef>
+          </c:tx>
+          <c:dPt>
+            <c:idx val="0"/>
+            <c:bubble3D val="0"/>
+            <c:spPr>
+              <a:solidFill>
+                <a:schemeClr val="accent1"/>
+              </a:solidFill>
+              <a:ln w="19050">
+                <a:solidFill>
+                  <a:schemeClr val="lt1"/>
+                </a:solidFill>
+              </a:ln>
+              <a:effectLst/>
+            </c:spPr>
+            <c:extLst>
+              <c:ext xmlns:c16="http://schemas.microsoft.com/office/drawing/2014/chart" uri="{C3380CC4-5D6E-409C-BE32-E72D297353CC}">
+                <c16:uniqueId val="{00000001-D6DD-4701-B773-87F069CBB9FE}"/>
+              </c:ext>
+            </c:extLst>
+          </c:dPt>
+          <c:dPt>
+            <c:idx val="1"/>
+            <c:bubble3D val="0"/>
+            <c:spPr>
+              <a:solidFill>
+                <a:srgbClr val="C00000"/>
+              </a:solidFill>
+              <a:ln w="19050">
+                <a:solidFill>
+                  <a:schemeClr val="lt1"/>
+                </a:solidFill>
+              </a:ln>
+              <a:effectLst/>
+            </c:spPr>
+            <c:extLst>
+              <c:ext xmlns:c16="http://schemas.microsoft.com/office/drawing/2014/chart" uri="{C3380CC4-5D6E-409C-BE32-E72D297353CC}">
+                <c16:uniqueId val="{00000003-D6DD-4701-B773-87F069CBB9FE}"/>
+              </c:ext>
+            </c:extLst>
+          </c:dPt>
+          <c:dPt>
+            <c:idx val="2"/>
+            <c:bubble3D val="0"/>
+            <c:spPr>
+              <a:solidFill>
+                <a:srgbClr val="FFC000"/>
+              </a:solidFill>
+              <a:ln w="19050">
+                <a:solidFill>
+                  <a:schemeClr val="lt1"/>
+                </a:solidFill>
+              </a:ln>
+              <a:effectLst/>
+            </c:spPr>
+            <c:extLst>
+              <c:ext xmlns:c16="http://schemas.microsoft.com/office/drawing/2014/chart" uri="{C3380CC4-5D6E-409C-BE32-E72D297353CC}">
+                <c16:uniqueId val="{00000005-D6DD-4701-B773-87F069CBB9FE}"/>
+              </c:ext>
+            </c:extLst>
+          </c:dPt>
+          <c:dPt>
+            <c:idx val="3"/>
+            <c:bubble3D val="0"/>
+            <c:spPr>
+              <a:solidFill>
+                <a:srgbClr val="00B050"/>
+              </a:solidFill>
+              <a:ln w="19050">
+                <a:solidFill>
+                  <a:schemeClr val="lt1"/>
+                </a:solidFill>
+              </a:ln>
+              <a:effectLst/>
+            </c:spPr>
+            <c:extLst>
+              <c:ext xmlns:c16="http://schemas.microsoft.com/office/drawing/2014/chart" uri="{C3380CC4-5D6E-409C-BE32-E72D297353CC}">
+                <c16:uniqueId val="{00000007-D6DD-4701-B773-87F069CBB9FE}"/>
+              </c:ext>
+            </c:extLst>
+          </c:dPt>
+          <c:cat>
+            <c:strRef>
+              <c:f>Sheet1!$A$2:$A$5</c:f>
+              <c:strCache>
+                <c:ptCount val="4"/>
+                <c:pt idx="0">
+                  <c:v>Novice</c:v>
+                </c:pt>
+                <c:pt idx="1">
+                  <c:v>Slapstick</c:v>
+                </c:pt>
+                <c:pt idx="2">
+                  <c:v>Circus</c:v>
+                </c:pt>
+                <c:pt idx="3">
+                  <c:v>Expert</c:v>
+                </c:pt>
+              </c:strCache>
+            </c:strRef>
+          </c:cat>
+          <c:val>
+            <c:numRef>
+              <c:f>Sheet1!$B$2:$B$5</c:f>
+              <c:numCache>
+                <c:formatCode>General</c:formatCode>
+                <c:ptCount val="4"/>
+                <c:pt idx="0">
+                  <c:v>29</c:v>
+                </c:pt>
+                <c:pt idx="1">
+                  <c:v>36</c:v>
+                </c:pt>
+                <c:pt idx="2">
+                  <c:v>42</c:v>
+                </c:pt>
+                <c:pt idx="3">
+                  <c:v>31</c:v>
+                </c:pt>
+              </c:numCache>
+            </c:numRef>
+          </c:val>
+          <c:extLst>
+            <c:ext xmlns:c16="http://schemas.microsoft.com/office/drawing/2014/chart" uri="{C3380CC4-5D6E-409C-BE32-E72D297353CC}">
+              <c16:uniqueId val="{00000008-D6DD-4701-B773-87F069CBB9FE}"/>
             </c:ext>
           </c:extLst>
         </c:ser>
@@ -6954,9 +7741,7 @@
               <c:idx val="2"/>
               <c:delete val="1"/>
               <c:extLst>
-                <c:ext xmlns:c15="http://schemas.microsoft.com/office/drawing/2012/chart" uri="{CE6537A1-D6FC-4f65-9D91-7224C49458BB}">
-                  <c15:layout/>
-                </c:ext>
+                <c:ext xmlns:c15="http://schemas.microsoft.com/office/drawing/2012/chart" uri="{CE6537A1-D6FC-4f65-9D91-7224C49458BB}"/>
                 <c:ext xmlns:c16="http://schemas.microsoft.com/office/drawing/2014/chart" uri="{C3380CC4-5D6E-409C-BE32-E72D297353CC}">
                   <c16:uniqueId val="{00000005-8166-40B9-8346-465C8B48CE38}"/>
                 </c:ext>
@@ -6966,9 +7751,7 @@
               <c:idx val="3"/>
               <c:delete val="1"/>
               <c:extLst>
-                <c:ext xmlns:c15="http://schemas.microsoft.com/office/drawing/2012/chart" uri="{CE6537A1-D6FC-4f65-9D91-7224C49458BB}">
-                  <c15:layout/>
-                </c:ext>
+                <c:ext xmlns:c15="http://schemas.microsoft.com/office/drawing/2012/chart" uri="{CE6537A1-D6FC-4f65-9D91-7224C49458BB}"/>
                 <c:ext xmlns:c16="http://schemas.microsoft.com/office/drawing/2014/chart" uri="{C3380CC4-5D6E-409C-BE32-E72D297353CC}">
                   <c16:uniqueId val="{00000007-8166-40B9-8346-465C8B48CE38}"/>
                 </c:ext>
@@ -7029,7 +7812,6 @@
                     <a:noFill/>
                   </a:ln>
                 </c15:spPr>
-                <c15:layout/>
               </c:ext>
             </c:extLst>
           </c:dLbls>
@@ -7396,9 +8178,7 @@
               <c:idx val="2"/>
               <c:delete val="1"/>
               <c:extLst>
-                <c:ext xmlns:c15="http://schemas.microsoft.com/office/drawing/2012/chart" uri="{CE6537A1-D6FC-4f65-9D91-7224C49458BB}">
-                  <c15:layout/>
-                </c:ext>
+                <c:ext xmlns:c15="http://schemas.microsoft.com/office/drawing/2012/chart" uri="{CE6537A1-D6FC-4f65-9D91-7224C49458BB}"/>
                 <c:ext xmlns:c16="http://schemas.microsoft.com/office/drawing/2014/chart" uri="{C3380CC4-5D6E-409C-BE32-E72D297353CC}">
                   <c16:uniqueId val="{00000005-B222-42C2-B93A-5568C2A18E4D}"/>
                 </c:ext>
@@ -7408,9 +8188,7 @@
               <c:idx val="3"/>
               <c:delete val="1"/>
               <c:extLst>
-                <c:ext xmlns:c15="http://schemas.microsoft.com/office/drawing/2012/chart" uri="{CE6537A1-D6FC-4f65-9D91-7224C49458BB}">
-                  <c15:layout/>
-                </c:ext>
+                <c:ext xmlns:c15="http://schemas.microsoft.com/office/drawing/2012/chart" uri="{CE6537A1-D6FC-4f65-9D91-7224C49458BB}"/>
                 <c:ext xmlns:c16="http://schemas.microsoft.com/office/drawing/2014/chart" uri="{C3380CC4-5D6E-409C-BE32-E72D297353CC}">
                   <c16:uniqueId val="{00000007-B222-42C2-B93A-5568C2A18E4D}"/>
                 </c:ext>
@@ -7471,7 +8249,6 @@
                     <a:noFill/>
                   </a:ln>
                 </c15:spPr>
-                <c15:layout/>
               </c:ext>
             </c:extLst>
           </c:dLbls>
@@ -8041,7 +8818,6 @@
                     <a:noFill/>
                   </a:ln>
                 </c15:spPr>
-                <c15:layout/>
               </c:ext>
             </c:extLst>
           </c:dLbls>
@@ -8611,7 +9387,6 @@
                     <a:noFill/>
                   </a:ln>
                 </c15:spPr>
-                <c15:layout/>
               </c:ext>
             </c:extLst>
           </c:dLbls>
@@ -8826,9 +9601,7 @@
               <c:idx val="0"/>
               <c:delete val="1"/>
               <c:extLst>
-                <c:ext xmlns:c15="http://schemas.microsoft.com/office/drawing/2012/chart" uri="{CE6537A1-D6FC-4f65-9D91-7224C49458BB}">
-                  <c15:layout/>
-                </c:ext>
+                <c:ext xmlns:c15="http://schemas.microsoft.com/office/drawing/2012/chart" uri="{CE6537A1-D6FC-4f65-9D91-7224C49458BB}"/>
                 <c:ext xmlns:c16="http://schemas.microsoft.com/office/drawing/2014/chart" uri="{C3380CC4-5D6E-409C-BE32-E72D297353CC}">
                   <c16:uniqueId val="{00000001-B6F0-4B12-B44E-68D74CF8FBB2}"/>
                 </c:ext>
@@ -9117,7 +9890,6 @@
                     <a:noFill/>
                   </a:ln>
                 </c15:spPr>
-                <c15:layout/>
               </c:ext>
             </c:extLst>
           </c:dLbls>
@@ -9332,9 +10104,7 @@
               <c:idx val="0"/>
               <c:delete val="1"/>
               <c:extLst>
-                <c:ext xmlns:c15="http://schemas.microsoft.com/office/drawing/2012/chart" uri="{CE6537A1-D6FC-4f65-9D91-7224C49458BB}">
-                  <c15:layout/>
-                </c:ext>
+                <c:ext xmlns:c15="http://schemas.microsoft.com/office/drawing/2012/chart" uri="{CE6537A1-D6FC-4f65-9D91-7224C49458BB}"/>
                 <c:ext xmlns:c16="http://schemas.microsoft.com/office/drawing/2014/chart" uri="{C3380CC4-5D6E-409C-BE32-E72D297353CC}">
                   <c16:uniqueId val="{00000001-6B1F-44B1-A765-9B881837AE05}"/>
                 </c:ext>
@@ -9673,7 +10443,6 @@
                     <a:noFill/>
                   </a:ln>
                 </c15:spPr>
-                <c15:layout/>
               </c:ext>
             </c:extLst>
           </c:dLbls>
@@ -9888,9 +10657,7 @@
               <c:idx val="0"/>
               <c:delete val="1"/>
               <c:extLst>
-                <c:ext xmlns:c15="http://schemas.microsoft.com/office/drawing/2012/chart" uri="{CE6537A1-D6FC-4f65-9D91-7224C49458BB}">
-                  <c15:layout/>
-                </c:ext>
+                <c:ext xmlns:c15="http://schemas.microsoft.com/office/drawing/2012/chart" uri="{CE6537A1-D6FC-4f65-9D91-7224C49458BB}"/>
                 <c:ext xmlns:c16="http://schemas.microsoft.com/office/drawing/2014/chart" uri="{C3380CC4-5D6E-409C-BE32-E72D297353CC}">
                   <c16:uniqueId val="{00000001-3DCC-4FF1-9D8E-CD115F799CEA}"/>
                 </c:ext>
@@ -9900,9 +10667,7 @@
               <c:idx val="1"/>
               <c:delete val="1"/>
               <c:extLst>
-                <c:ext xmlns:c15="http://schemas.microsoft.com/office/drawing/2012/chart" uri="{CE6537A1-D6FC-4f65-9D91-7224C49458BB}">
-                  <c15:layout/>
-                </c:ext>
+                <c:ext xmlns:c15="http://schemas.microsoft.com/office/drawing/2012/chart" uri="{CE6537A1-D6FC-4f65-9D91-7224C49458BB}"/>
                 <c:ext xmlns:c16="http://schemas.microsoft.com/office/drawing/2014/chart" uri="{C3380CC4-5D6E-409C-BE32-E72D297353CC}">
                   <c16:uniqueId val="{00000000-8B2A-41A8-B9C3-41C5906FC940}"/>
                 </c:ext>
@@ -10115,7 +10880,6 @@
                     <a:noFill/>
                   </a:ln>
                 </c15:spPr>
-                <c15:layout/>
               </c:ext>
             </c:extLst>
           </c:dLbls>
@@ -10732,6 +11496,166 @@
 </cs:colorStyle>
 </file>
 
+<file path=ppt/charts/colors21.xml><?xml version="1.0" encoding="utf-8"?>
+<cs:colorStyle xmlns:cs="http://schemas.microsoft.com/office/drawing/2012/chartStyle" xmlns:a="http://schemas.openxmlformats.org/drawingml/2006/main" meth="cycle" id="10">
+  <a:schemeClr val="accent1"/>
+  <a:schemeClr val="accent2"/>
+  <a:schemeClr val="accent3"/>
+  <a:schemeClr val="accent4"/>
+  <a:schemeClr val="accent5"/>
+  <a:schemeClr val="accent6"/>
+  <cs:variation/>
+  <cs:variation>
+    <a:lumMod val="60000"/>
+  </cs:variation>
+  <cs:variation>
+    <a:lumMod val="80000"/>
+    <a:lumOff val="20000"/>
+  </cs:variation>
+  <cs:variation>
+    <a:lumMod val="80000"/>
+  </cs:variation>
+  <cs:variation>
+    <a:lumMod val="60000"/>
+    <a:lumOff val="40000"/>
+  </cs:variation>
+  <cs:variation>
+    <a:lumMod val="50000"/>
+  </cs:variation>
+  <cs:variation>
+    <a:lumMod val="70000"/>
+    <a:lumOff val="30000"/>
+  </cs:variation>
+  <cs:variation>
+    <a:lumMod val="70000"/>
+  </cs:variation>
+  <cs:variation>
+    <a:lumMod val="50000"/>
+    <a:lumOff val="50000"/>
+  </cs:variation>
+</cs:colorStyle>
+</file>
+
+<file path=ppt/charts/colors22.xml><?xml version="1.0" encoding="utf-8"?>
+<cs:colorStyle xmlns:cs="http://schemas.microsoft.com/office/drawing/2012/chartStyle" xmlns:a="http://schemas.openxmlformats.org/drawingml/2006/main" meth="cycle" id="10">
+  <a:schemeClr val="accent1"/>
+  <a:schemeClr val="accent2"/>
+  <a:schemeClr val="accent3"/>
+  <a:schemeClr val="accent4"/>
+  <a:schemeClr val="accent5"/>
+  <a:schemeClr val="accent6"/>
+  <cs:variation/>
+  <cs:variation>
+    <a:lumMod val="60000"/>
+  </cs:variation>
+  <cs:variation>
+    <a:lumMod val="80000"/>
+    <a:lumOff val="20000"/>
+  </cs:variation>
+  <cs:variation>
+    <a:lumMod val="80000"/>
+  </cs:variation>
+  <cs:variation>
+    <a:lumMod val="60000"/>
+    <a:lumOff val="40000"/>
+  </cs:variation>
+  <cs:variation>
+    <a:lumMod val="50000"/>
+  </cs:variation>
+  <cs:variation>
+    <a:lumMod val="70000"/>
+    <a:lumOff val="30000"/>
+  </cs:variation>
+  <cs:variation>
+    <a:lumMod val="70000"/>
+  </cs:variation>
+  <cs:variation>
+    <a:lumMod val="50000"/>
+    <a:lumOff val="50000"/>
+  </cs:variation>
+</cs:colorStyle>
+</file>
+
+<file path=ppt/charts/colors23.xml><?xml version="1.0" encoding="utf-8"?>
+<cs:colorStyle xmlns:cs="http://schemas.microsoft.com/office/drawing/2012/chartStyle" xmlns:a="http://schemas.openxmlformats.org/drawingml/2006/main" meth="cycle" id="10">
+  <a:schemeClr val="accent1"/>
+  <a:schemeClr val="accent2"/>
+  <a:schemeClr val="accent3"/>
+  <a:schemeClr val="accent4"/>
+  <a:schemeClr val="accent5"/>
+  <a:schemeClr val="accent6"/>
+  <cs:variation/>
+  <cs:variation>
+    <a:lumMod val="60000"/>
+  </cs:variation>
+  <cs:variation>
+    <a:lumMod val="80000"/>
+    <a:lumOff val="20000"/>
+  </cs:variation>
+  <cs:variation>
+    <a:lumMod val="80000"/>
+  </cs:variation>
+  <cs:variation>
+    <a:lumMod val="60000"/>
+    <a:lumOff val="40000"/>
+  </cs:variation>
+  <cs:variation>
+    <a:lumMod val="50000"/>
+  </cs:variation>
+  <cs:variation>
+    <a:lumMod val="70000"/>
+    <a:lumOff val="30000"/>
+  </cs:variation>
+  <cs:variation>
+    <a:lumMod val="70000"/>
+  </cs:variation>
+  <cs:variation>
+    <a:lumMod val="50000"/>
+    <a:lumOff val="50000"/>
+  </cs:variation>
+</cs:colorStyle>
+</file>
+
+<file path=ppt/charts/colors24.xml><?xml version="1.0" encoding="utf-8"?>
+<cs:colorStyle xmlns:cs="http://schemas.microsoft.com/office/drawing/2012/chartStyle" xmlns:a="http://schemas.openxmlformats.org/drawingml/2006/main" meth="cycle" id="10">
+  <a:schemeClr val="accent1"/>
+  <a:schemeClr val="accent2"/>
+  <a:schemeClr val="accent3"/>
+  <a:schemeClr val="accent4"/>
+  <a:schemeClr val="accent5"/>
+  <a:schemeClr val="accent6"/>
+  <cs:variation/>
+  <cs:variation>
+    <a:lumMod val="60000"/>
+  </cs:variation>
+  <cs:variation>
+    <a:lumMod val="80000"/>
+    <a:lumOff val="20000"/>
+  </cs:variation>
+  <cs:variation>
+    <a:lumMod val="80000"/>
+  </cs:variation>
+  <cs:variation>
+    <a:lumMod val="60000"/>
+    <a:lumOff val="40000"/>
+  </cs:variation>
+  <cs:variation>
+    <a:lumMod val="50000"/>
+  </cs:variation>
+  <cs:variation>
+    <a:lumMod val="70000"/>
+    <a:lumOff val="30000"/>
+  </cs:variation>
+  <cs:variation>
+    <a:lumMod val="70000"/>
+  </cs:variation>
+  <cs:variation>
+    <a:lumMod val="50000"/>
+    <a:lumOff val="50000"/>
+  </cs:variation>
+</cs:colorStyle>
+</file>
+
 <file path=ppt/charts/colors3.xml><?xml version="1.0" encoding="utf-8"?>
 <cs:colorStyle xmlns:cs="http://schemas.microsoft.com/office/drawing/2012/chartStyle" xmlns:a="http://schemas.openxmlformats.org/drawingml/2006/main" meth="cycle" id="10">
   <a:schemeClr val="accent1"/>
@@ -17759,6 +18683,2082 @@
 </cs:chartStyle>
 </file>
 
+<file path=ppt/charts/style21.xml><?xml version="1.0" encoding="utf-8"?>
+<cs:chartStyle xmlns:cs="http://schemas.microsoft.com/office/drawing/2012/chartStyle" xmlns:a="http://schemas.openxmlformats.org/drawingml/2006/main" id="251">
+  <cs:axisTitle>
+    <cs:lnRef idx="0"/>
+    <cs:fillRef idx="0"/>
+    <cs:effectRef idx="0"/>
+    <cs:fontRef idx="minor">
+      <a:schemeClr val="tx1">
+        <a:lumMod val="65000"/>
+        <a:lumOff val="35000"/>
+      </a:schemeClr>
+    </cs:fontRef>
+    <cs:defRPr sz="1330" kern="1200"/>
+  </cs:axisTitle>
+  <cs:categoryAxis>
+    <cs:lnRef idx="0"/>
+    <cs:fillRef idx="0"/>
+    <cs:effectRef idx="0"/>
+    <cs:fontRef idx="minor">
+      <a:schemeClr val="tx1">
+        <a:lumMod val="65000"/>
+        <a:lumOff val="35000"/>
+      </a:schemeClr>
+    </cs:fontRef>
+    <cs:spPr>
+      <a:ln w="9525" cap="flat" cmpd="sng" algn="ctr">
+        <a:solidFill>
+          <a:schemeClr val="tx1">
+            <a:lumMod val="15000"/>
+            <a:lumOff val="85000"/>
+          </a:schemeClr>
+        </a:solidFill>
+        <a:round/>
+      </a:ln>
+    </cs:spPr>
+    <cs:defRPr sz="1197" kern="1200"/>
+  </cs:categoryAxis>
+  <cs:chartArea mods="allowNoFillOverride allowNoLineOverride">
+    <cs:lnRef idx="0"/>
+    <cs:fillRef idx="0"/>
+    <cs:effectRef idx="0"/>
+    <cs:fontRef idx="minor">
+      <a:schemeClr val="tx1"/>
+    </cs:fontRef>
+    <cs:spPr>
+      <a:solidFill>
+        <a:schemeClr val="bg1"/>
+      </a:solidFill>
+      <a:ln w="9525" cap="flat" cmpd="sng" algn="ctr">
+        <a:solidFill>
+          <a:schemeClr val="tx1">
+            <a:lumMod val="15000"/>
+            <a:lumOff val="85000"/>
+          </a:schemeClr>
+        </a:solidFill>
+        <a:round/>
+      </a:ln>
+    </cs:spPr>
+    <cs:defRPr sz="1197" kern="1200"/>
+  </cs:chartArea>
+  <cs:dataLabel>
+    <cs:lnRef idx="0"/>
+    <cs:fillRef idx="0"/>
+    <cs:effectRef idx="0"/>
+    <cs:fontRef idx="minor">
+      <a:schemeClr val="tx1">
+        <a:lumMod val="75000"/>
+        <a:lumOff val="25000"/>
+      </a:schemeClr>
+    </cs:fontRef>
+    <cs:defRPr sz="1197" kern="1200"/>
+  </cs:dataLabel>
+  <cs:dataLabelCallout>
+    <cs:lnRef idx="0"/>
+    <cs:fillRef idx="0"/>
+    <cs:effectRef idx="0"/>
+    <cs:fontRef idx="minor">
+      <a:schemeClr val="dk1">
+        <a:lumMod val="65000"/>
+        <a:lumOff val="35000"/>
+      </a:schemeClr>
+    </cs:fontRef>
+    <cs:spPr>
+      <a:solidFill>
+        <a:schemeClr val="lt1"/>
+      </a:solidFill>
+      <a:ln>
+        <a:solidFill>
+          <a:schemeClr val="dk1">
+            <a:lumMod val="25000"/>
+            <a:lumOff val="75000"/>
+          </a:schemeClr>
+        </a:solidFill>
+      </a:ln>
+    </cs:spPr>
+    <cs:defRPr sz="1197" kern="1200"/>
+    <cs:bodyPr rot="0" spcFirstLastPara="1" vertOverflow="clip" horzOverflow="clip" vert="horz" wrap="square" lIns="36576" tIns="18288" rIns="36576" bIns="18288" anchor="ctr" anchorCtr="1">
+      <a:spAutoFit/>
+    </cs:bodyPr>
+  </cs:dataLabelCallout>
+  <cs:dataPoint>
+    <cs:lnRef idx="0"/>
+    <cs:fillRef idx="1">
+      <cs:styleClr val="auto"/>
+    </cs:fillRef>
+    <cs:effectRef idx="0"/>
+    <cs:fontRef idx="minor">
+      <a:schemeClr val="tx1"/>
+    </cs:fontRef>
+    <cs:spPr>
+      <a:ln w="19050">
+        <a:solidFill>
+          <a:schemeClr val="lt1"/>
+        </a:solidFill>
+      </a:ln>
+    </cs:spPr>
+  </cs:dataPoint>
+  <cs:dataPoint3D>
+    <cs:lnRef idx="0"/>
+    <cs:fillRef idx="1">
+      <cs:styleClr val="auto"/>
+    </cs:fillRef>
+    <cs:effectRef idx="0"/>
+    <cs:fontRef idx="minor">
+      <a:schemeClr val="tx1"/>
+    </cs:fontRef>
+    <cs:spPr>
+      <a:ln w="25400">
+        <a:solidFill>
+          <a:schemeClr val="lt1"/>
+        </a:solidFill>
+      </a:ln>
+    </cs:spPr>
+  </cs:dataPoint3D>
+  <cs:dataPointLine>
+    <cs:lnRef idx="0">
+      <cs:styleClr val="auto"/>
+    </cs:lnRef>
+    <cs:fillRef idx="0"/>
+    <cs:effectRef idx="0"/>
+    <cs:fontRef idx="minor">
+      <a:schemeClr val="tx1"/>
+    </cs:fontRef>
+    <cs:spPr>
+      <a:ln w="28575" cap="rnd">
+        <a:solidFill>
+          <a:schemeClr val="phClr"/>
+        </a:solidFill>
+        <a:round/>
+      </a:ln>
+    </cs:spPr>
+  </cs:dataPointLine>
+  <cs:dataPointMarker>
+    <cs:lnRef idx="0">
+      <cs:styleClr val="auto"/>
+    </cs:lnRef>
+    <cs:fillRef idx="1">
+      <cs:styleClr val="auto"/>
+    </cs:fillRef>
+    <cs:effectRef idx="0"/>
+    <cs:fontRef idx="minor">
+      <a:schemeClr val="tx1"/>
+    </cs:fontRef>
+    <cs:spPr>
+      <a:ln w="9525">
+        <a:solidFill>
+          <a:schemeClr val="phClr"/>
+        </a:solidFill>
+      </a:ln>
+    </cs:spPr>
+  </cs:dataPointMarker>
+  <cs:dataPointMarkerLayout symbol="circle" size="5"/>
+  <cs:dataPointWireframe>
+    <cs:lnRef idx="0">
+      <cs:styleClr val="auto"/>
+    </cs:lnRef>
+    <cs:fillRef idx="0"/>
+    <cs:effectRef idx="0"/>
+    <cs:fontRef idx="minor">
+      <a:schemeClr val="tx1"/>
+    </cs:fontRef>
+    <cs:spPr>
+      <a:ln w="9525" cap="rnd">
+        <a:solidFill>
+          <a:schemeClr val="phClr"/>
+        </a:solidFill>
+        <a:round/>
+      </a:ln>
+    </cs:spPr>
+  </cs:dataPointWireframe>
+  <cs:dataTable>
+    <cs:lnRef idx="0"/>
+    <cs:fillRef idx="0"/>
+    <cs:effectRef idx="0"/>
+    <cs:fontRef idx="minor">
+      <a:schemeClr val="tx1">
+        <a:lumMod val="65000"/>
+        <a:lumOff val="35000"/>
+      </a:schemeClr>
+    </cs:fontRef>
+    <cs:spPr>
+      <a:noFill/>
+      <a:ln w="9525" cap="flat" cmpd="sng" algn="ctr">
+        <a:solidFill>
+          <a:schemeClr val="tx1">
+            <a:lumMod val="15000"/>
+            <a:lumOff val="85000"/>
+          </a:schemeClr>
+        </a:solidFill>
+        <a:round/>
+      </a:ln>
+    </cs:spPr>
+    <cs:defRPr sz="1197" kern="1200"/>
+  </cs:dataTable>
+  <cs:downBar>
+    <cs:lnRef idx="0"/>
+    <cs:fillRef idx="0"/>
+    <cs:effectRef idx="0"/>
+    <cs:fontRef idx="minor">
+      <a:schemeClr val="tx1"/>
+    </cs:fontRef>
+    <cs:spPr>
+      <a:solidFill>
+        <a:schemeClr val="dk1">
+          <a:lumMod val="75000"/>
+          <a:lumOff val="25000"/>
+        </a:schemeClr>
+      </a:solidFill>
+      <a:ln w="9525" cap="flat" cmpd="sng" algn="ctr">
+        <a:solidFill>
+          <a:schemeClr val="tx1">
+            <a:lumMod val="65000"/>
+            <a:lumOff val="35000"/>
+          </a:schemeClr>
+        </a:solidFill>
+        <a:round/>
+      </a:ln>
+    </cs:spPr>
+  </cs:downBar>
+  <cs:dropLine>
+    <cs:lnRef idx="0"/>
+    <cs:fillRef idx="0"/>
+    <cs:effectRef idx="0"/>
+    <cs:fontRef idx="minor">
+      <a:schemeClr val="tx1"/>
+    </cs:fontRef>
+    <cs:spPr>
+      <a:ln w="9525" cap="flat" cmpd="sng" algn="ctr">
+        <a:solidFill>
+          <a:schemeClr val="tx1">
+            <a:lumMod val="35000"/>
+            <a:lumOff val="65000"/>
+          </a:schemeClr>
+        </a:solidFill>
+        <a:round/>
+      </a:ln>
+    </cs:spPr>
+  </cs:dropLine>
+  <cs:errorBar>
+    <cs:lnRef idx="0"/>
+    <cs:fillRef idx="0"/>
+    <cs:effectRef idx="0"/>
+    <cs:fontRef idx="minor">
+      <a:schemeClr val="tx1"/>
+    </cs:fontRef>
+    <cs:spPr>
+      <a:ln w="9525" cap="flat" cmpd="sng" algn="ctr">
+        <a:solidFill>
+          <a:schemeClr val="tx1">
+            <a:lumMod val="65000"/>
+            <a:lumOff val="35000"/>
+          </a:schemeClr>
+        </a:solidFill>
+        <a:round/>
+      </a:ln>
+    </cs:spPr>
+  </cs:errorBar>
+  <cs:floor>
+    <cs:lnRef idx="0"/>
+    <cs:fillRef idx="0"/>
+    <cs:effectRef idx="0"/>
+    <cs:fontRef idx="minor">
+      <a:schemeClr val="tx1"/>
+    </cs:fontRef>
+    <cs:spPr>
+      <a:noFill/>
+      <a:ln>
+        <a:noFill/>
+      </a:ln>
+    </cs:spPr>
+  </cs:floor>
+  <cs:gridlineMajor>
+    <cs:lnRef idx="0"/>
+    <cs:fillRef idx="0"/>
+    <cs:effectRef idx="0"/>
+    <cs:fontRef idx="minor">
+      <a:schemeClr val="tx1"/>
+    </cs:fontRef>
+    <cs:spPr>
+      <a:ln w="9525" cap="flat" cmpd="sng" algn="ctr">
+        <a:solidFill>
+          <a:schemeClr val="tx1">
+            <a:lumMod val="15000"/>
+            <a:lumOff val="85000"/>
+          </a:schemeClr>
+        </a:solidFill>
+        <a:round/>
+      </a:ln>
+    </cs:spPr>
+  </cs:gridlineMajor>
+  <cs:gridlineMinor>
+    <cs:lnRef idx="0"/>
+    <cs:fillRef idx="0"/>
+    <cs:effectRef idx="0"/>
+    <cs:fontRef idx="minor">
+      <a:schemeClr val="tx1"/>
+    </cs:fontRef>
+    <cs:spPr>
+      <a:ln w="9525" cap="flat" cmpd="sng" algn="ctr">
+        <a:solidFill>
+          <a:schemeClr val="tx1">
+            <a:lumMod val="5000"/>
+            <a:lumOff val="95000"/>
+          </a:schemeClr>
+        </a:solidFill>
+        <a:round/>
+      </a:ln>
+    </cs:spPr>
+  </cs:gridlineMinor>
+  <cs:hiLoLine>
+    <cs:lnRef idx="0"/>
+    <cs:fillRef idx="0"/>
+    <cs:effectRef idx="0"/>
+    <cs:fontRef idx="minor">
+      <a:schemeClr val="tx1"/>
+    </cs:fontRef>
+    <cs:spPr>
+      <a:ln w="9525" cap="flat" cmpd="sng" algn="ctr">
+        <a:solidFill>
+          <a:schemeClr val="tx1">
+            <a:lumMod val="50000"/>
+            <a:lumOff val="50000"/>
+          </a:schemeClr>
+        </a:solidFill>
+        <a:round/>
+      </a:ln>
+    </cs:spPr>
+  </cs:hiLoLine>
+  <cs:leaderLine>
+    <cs:lnRef idx="0"/>
+    <cs:fillRef idx="0"/>
+    <cs:effectRef idx="0"/>
+    <cs:fontRef idx="minor">
+      <a:schemeClr val="tx1"/>
+    </cs:fontRef>
+    <cs:spPr>
+      <a:ln w="9525" cap="flat" cmpd="sng" algn="ctr">
+        <a:solidFill>
+          <a:schemeClr val="tx1">
+            <a:lumMod val="35000"/>
+            <a:lumOff val="65000"/>
+          </a:schemeClr>
+        </a:solidFill>
+        <a:round/>
+      </a:ln>
+    </cs:spPr>
+  </cs:leaderLine>
+  <cs:legend>
+    <cs:lnRef idx="0"/>
+    <cs:fillRef idx="0"/>
+    <cs:effectRef idx="0"/>
+    <cs:fontRef idx="minor">
+      <a:schemeClr val="tx1">
+        <a:lumMod val="65000"/>
+        <a:lumOff val="35000"/>
+      </a:schemeClr>
+    </cs:fontRef>
+    <cs:defRPr sz="1197" kern="1200"/>
+  </cs:legend>
+  <cs:plotArea mods="allowNoFillOverride allowNoLineOverride">
+    <cs:lnRef idx="0"/>
+    <cs:fillRef idx="0"/>
+    <cs:effectRef idx="0"/>
+    <cs:fontRef idx="minor">
+      <a:schemeClr val="tx1"/>
+    </cs:fontRef>
+  </cs:plotArea>
+  <cs:plotArea3D mods="allowNoFillOverride allowNoLineOverride">
+    <cs:lnRef idx="0"/>
+    <cs:fillRef idx="0"/>
+    <cs:effectRef idx="0"/>
+    <cs:fontRef idx="minor">
+      <a:schemeClr val="tx1"/>
+    </cs:fontRef>
+  </cs:plotArea3D>
+  <cs:seriesAxis>
+    <cs:lnRef idx="0"/>
+    <cs:fillRef idx="0"/>
+    <cs:effectRef idx="0"/>
+    <cs:fontRef idx="minor">
+      <a:schemeClr val="tx1">
+        <a:lumMod val="65000"/>
+        <a:lumOff val="35000"/>
+      </a:schemeClr>
+    </cs:fontRef>
+    <cs:defRPr sz="1197" kern="1200"/>
+  </cs:seriesAxis>
+  <cs:seriesLine>
+    <cs:lnRef idx="0"/>
+    <cs:fillRef idx="0"/>
+    <cs:effectRef idx="0"/>
+    <cs:fontRef idx="minor">
+      <a:schemeClr val="tx1"/>
+    </cs:fontRef>
+    <cs:spPr>
+      <a:ln w="9525" cap="flat" cmpd="sng" algn="ctr">
+        <a:solidFill>
+          <a:schemeClr val="tx1">
+            <a:lumMod val="35000"/>
+            <a:lumOff val="65000"/>
+          </a:schemeClr>
+        </a:solidFill>
+        <a:round/>
+      </a:ln>
+    </cs:spPr>
+  </cs:seriesLine>
+  <cs:title>
+    <cs:lnRef idx="0"/>
+    <cs:fillRef idx="0"/>
+    <cs:effectRef idx="0"/>
+    <cs:fontRef idx="minor">
+      <a:schemeClr val="tx1">
+        <a:lumMod val="65000"/>
+        <a:lumOff val="35000"/>
+      </a:schemeClr>
+    </cs:fontRef>
+    <cs:defRPr sz="1862" b="0" kern="1200" spc="0" baseline="0"/>
+  </cs:title>
+  <cs:trendline>
+    <cs:lnRef idx="0">
+      <cs:styleClr val="auto"/>
+    </cs:lnRef>
+    <cs:fillRef idx="0"/>
+    <cs:effectRef idx="0"/>
+    <cs:fontRef idx="minor">
+      <a:schemeClr val="tx1"/>
+    </cs:fontRef>
+    <cs:spPr>
+      <a:ln w="19050" cap="rnd">
+        <a:solidFill>
+          <a:schemeClr val="phClr"/>
+        </a:solidFill>
+        <a:prstDash val="sysDot"/>
+      </a:ln>
+    </cs:spPr>
+  </cs:trendline>
+  <cs:trendlineLabel>
+    <cs:lnRef idx="0"/>
+    <cs:fillRef idx="0"/>
+    <cs:effectRef idx="0"/>
+    <cs:fontRef idx="minor">
+      <a:schemeClr val="tx1">
+        <a:lumMod val="65000"/>
+        <a:lumOff val="35000"/>
+      </a:schemeClr>
+    </cs:fontRef>
+    <cs:defRPr sz="1197" kern="1200"/>
+  </cs:trendlineLabel>
+  <cs:upBar>
+    <cs:lnRef idx="0"/>
+    <cs:fillRef idx="0"/>
+    <cs:effectRef idx="0"/>
+    <cs:fontRef idx="minor">
+      <a:schemeClr val="tx1"/>
+    </cs:fontRef>
+    <cs:spPr>
+      <a:solidFill>
+        <a:schemeClr val="lt1"/>
+      </a:solidFill>
+      <a:ln w="9525" cap="flat" cmpd="sng" algn="ctr">
+        <a:solidFill>
+          <a:schemeClr val="tx1">
+            <a:lumMod val="65000"/>
+            <a:lumOff val="35000"/>
+          </a:schemeClr>
+        </a:solidFill>
+        <a:round/>
+      </a:ln>
+    </cs:spPr>
+  </cs:upBar>
+  <cs:valueAxis>
+    <cs:lnRef idx="0"/>
+    <cs:fillRef idx="0"/>
+    <cs:effectRef idx="0"/>
+    <cs:fontRef idx="minor">
+      <a:schemeClr val="tx1">
+        <a:lumMod val="65000"/>
+        <a:lumOff val="35000"/>
+      </a:schemeClr>
+    </cs:fontRef>
+    <cs:defRPr sz="1197" kern="1200"/>
+  </cs:valueAxis>
+  <cs:wall>
+    <cs:lnRef idx="0"/>
+    <cs:fillRef idx="0"/>
+    <cs:effectRef idx="0"/>
+    <cs:fontRef idx="minor">
+      <a:schemeClr val="tx1"/>
+    </cs:fontRef>
+    <cs:spPr>
+      <a:noFill/>
+      <a:ln>
+        <a:noFill/>
+      </a:ln>
+    </cs:spPr>
+  </cs:wall>
+</cs:chartStyle>
+</file>
+
+<file path=ppt/charts/style22.xml><?xml version="1.0" encoding="utf-8"?>
+<cs:chartStyle xmlns:cs="http://schemas.microsoft.com/office/drawing/2012/chartStyle" xmlns:a="http://schemas.openxmlformats.org/drawingml/2006/main" id="251">
+  <cs:axisTitle>
+    <cs:lnRef idx="0"/>
+    <cs:fillRef idx="0"/>
+    <cs:effectRef idx="0"/>
+    <cs:fontRef idx="minor">
+      <a:schemeClr val="tx1">
+        <a:lumMod val="65000"/>
+        <a:lumOff val="35000"/>
+      </a:schemeClr>
+    </cs:fontRef>
+    <cs:defRPr sz="1330" kern="1200"/>
+  </cs:axisTitle>
+  <cs:categoryAxis>
+    <cs:lnRef idx="0"/>
+    <cs:fillRef idx="0"/>
+    <cs:effectRef idx="0"/>
+    <cs:fontRef idx="minor">
+      <a:schemeClr val="tx1">
+        <a:lumMod val="65000"/>
+        <a:lumOff val="35000"/>
+      </a:schemeClr>
+    </cs:fontRef>
+    <cs:spPr>
+      <a:ln w="9525" cap="flat" cmpd="sng" algn="ctr">
+        <a:solidFill>
+          <a:schemeClr val="tx1">
+            <a:lumMod val="15000"/>
+            <a:lumOff val="85000"/>
+          </a:schemeClr>
+        </a:solidFill>
+        <a:round/>
+      </a:ln>
+    </cs:spPr>
+    <cs:defRPr sz="1197" kern="1200"/>
+  </cs:categoryAxis>
+  <cs:chartArea mods="allowNoFillOverride allowNoLineOverride">
+    <cs:lnRef idx="0"/>
+    <cs:fillRef idx="0"/>
+    <cs:effectRef idx="0"/>
+    <cs:fontRef idx="minor">
+      <a:schemeClr val="tx1"/>
+    </cs:fontRef>
+    <cs:spPr>
+      <a:solidFill>
+        <a:schemeClr val="bg1"/>
+      </a:solidFill>
+      <a:ln w="9525" cap="flat" cmpd="sng" algn="ctr">
+        <a:solidFill>
+          <a:schemeClr val="tx1">
+            <a:lumMod val="15000"/>
+            <a:lumOff val="85000"/>
+          </a:schemeClr>
+        </a:solidFill>
+        <a:round/>
+      </a:ln>
+    </cs:spPr>
+    <cs:defRPr sz="1197" kern="1200"/>
+  </cs:chartArea>
+  <cs:dataLabel>
+    <cs:lnRef idx="0"/>
+    <cs:fillRef idx="0"/>
+    <cs:effectRef idx="0"/>
+    <cs:fontRef idx="minor">
+      <a:schemeClr val="tx1">
+        <a:lumMod val="75000"/>
+        <a:lumOff val="25000"/>
+      </a:schemeClr>
+    </cs:fontRef>
+    <cs:defRPr sz="1197" kern="1200"/>
+  </cs:dataLabel>
+  <cs:dataLabelCallout>
+    <cs:lnRef idx="0"/>
+    <cs:fillRef idx="0"/>
+    <cs:effectRef idx="0"/>
+    <cs:fontRef idx="minor">
+      <a:schemeClr val="dk1">
+        <a:lumMod val="65000"/>
+        <a:lumOff val="35000"/>
+      </a:schemeClr>
+    </cs:fontRef>
+    <cs:spPr>
+      <a:solidFill>
+        <a:schemeClr val="lt1"/>
+      </a:solidFill>
+      <a:ln>
+        <a:solidFill>
+          <a:schemeClr val="dk1">
+            <a:lumMod val="25000"/>
+            <a:lumOff val="75000"/>
+          </a:schemeClr>
+        </a:solidFill>
+      </a:ln>
+    </cs:spPr>
+    <cs:defRPr sz="1197" kern="1200"/>
+    <cs:bodyPr rot="0" spcFirstLastPara="1" vertOverflow="clip" horzOverflow="clip" vert="horz" wrap="square" lIns="36576" tIns="18288" rIns="36576" bIns="18288" anchor="ctr" anchorCtr="1">
+      <a:spAutoFit/>
+    </cs:bodyPr>
+  </cs:dataLabelCallout>
+  <cs:dataPoint>
+    <cs:lnRef idx="0"/>
+    <cs:fillRef idx="1">
+      <cs:styleClr val="auto"/>
+    </cs:fillRef>
+    <cs:effectRef idx="0"/>
+    <cs:fontRef idx="minor">
+      <a:schemeClr val="tx1"/>
+    </cs:fontRef>
+    <cs:spPr>
+      <a:ln w="19050">
+        <a:solidFill>
+          <a:schemeClr val="lt1"/>
+        </a:solidFill>
+      </a:ln>
+    </cs:spPr>
+  </cs:dataPoint>
+  <cs:dataPoint3D>
+    <cs:lnRef idx="0"/>
+    <cs:fillRef idx="1">
+      <cs:styleClr val="auto"/>
+    </cs:fillRef>
+    <cs:effectRef idx="0"/>
+    <cs:fontRef idx="minor">
+      <a:schemeClr val="tx1"/>
+    </cs:fontRef>
+    <cs:spPr>
+      <a:ln w="25400">
+        <a:solidFill>
+          <a:schemeClr val="lt1"/>
+        </a:solidFill>
+      </a:ln>
+    </cs:spPr>
+  </cs:dataPoint3D>
+  <cs:dataPointLine>
+    <cs:lnRef idx="0">
+      <cs:styleClr val="auto"/>
+    </cs:lnRef>
+    <cs:fillRef idx="0"/>
+    <cs:effectRef idx="0"/>
+    <cs:fontRef idx="minor">
+      <a:schemeClr val="tx1"/>
+    </cs:fontRef>
+    <cs:spPr>
+      <a:ln w="28575" cap="rnd">
+        <a:solidFill>
+          <a:schemeClr val="phClr"/>
+        </a:solidFill>
+        <a:round/>
+      </a:ln>
+    </cs:spPr>
+  </cs:dataPointLine>
+  <cs:dataPointMarker>
+    <cs:lnRef idx="0">
+      <cs:styleClr val="auto"/>
+    </cs:lnRef>
+    <cs:fillRef idx="1">
+      <cs:styleClr val="auto"/>
+    </cs:fillRef>
+    <cs:effectRef idx="0"/>
+    <cs:fontRef idx="minor">
+      <a:schemeClr val="tx1"/>
+    </cs:fontRef>
+    <cs:spPr>
+      <a:ln w="9525">
+        <a:solidFill>
+          <a:schemeClr val="phClr"/>
+        </a:solidFill>
+      </a:ln>
+    </cs:spPr>
+  </cs:dataPointMarker>
+  <cs:dataPointMarkerLayout symbol="circle" size="5"/>
+  <cs:dataPointWireframe>
+    <cs:lnRef idx="0">
+      <cs:styleClr val="auto"/>
+    </cs:lnRef>
+    <cs:fillRef idx="0"/>
+    <cs:effectRef idx="0"/>
+    <cs:fontRef idx="minor">
+      <a:schemeClr val="tx1"/>
+    </cs:fontRef>
+    <cs:spPr>
+      <a:ln w="9525" cap="rnd">
+        <a:solidFill>
+          <a:schemeClr val="phClr"/>
+        </a:solidFill>
+        <a:round/>
+      </a:ln>
+    </cs:spPr>
+  </cs:dataPointWireframe>
+  <cs:dataTable>
+    <cs:lnRef idx="0"/>
+    <cs:fillRef idx="0"/>
+    <cs:effectRef idx="0"/>
+    <cs:fontRef idx="minor">
+      <a:schemeClr val="tx1">
+        <a:lumMod val="65000"/>
+        <a:lumOff val="35000"/>
+      </a:schemeClr>
+    </cs:fontRef>
+    <cs:spPr>
+      <a:noFill/>
+      <a:ln w="9525" cap="flat" cmpd="sng" algn="ctr">
+        <a:solidFill>
+          <a:schemeClr val="tx1">
+            <a:lumMod val="15000"/>
+            <a:lumOff val="85000"/>
+          </a:schemeClr>
+        </a:solidFill>
+        <a:round/>
+      </a:ln>
+    </cs:spPr>
+    <cs:defRPr sz="1197" kern="1200"/>
+  </cs:dataTable>
+  <cs:downBar>
+    <cs:lnRef idx="0"/>
+    <cs:fillRef idx="0"/>
+    <cs:effectRef idx="0"/>
+    <cs:fontRef idx="minor">
+      <a:schemeClr val="tx1"/>
+    </cs:fontRef>
+    <cs:spPr>
+      <a:solidFill>
+        <a:schemeClr val="dk1">
+          <a:lumMod val="75000"/>
+          <a:lumOff val="25000"/>
+        </a:schemeClr>
+      </a:solidFill>
+      <a:ln w="9525" cap="flat" cmpd="sng" algn="ctr">
+        <a:solidFill>
+          <a:schemeClr val="tx1">
+            <a:lumMod val="65000"/>
+            <a:lumOff val="35000"/>
+          </a:schemeClr>
+        </a:solidFill>
+        <a:round/>
+      </a:ln>
+    </cs:spPr>
+  </cs:downBar>
+  <cs:dropLine>
+    <cs:lnRef idx="0"/>
+    <cs:fillRef idx="0"/>
+    <cs:effectRef idx="0"/>
+    <cs:fontRef idx="minor">
+      <a:schemeClr val="tx1"/>
+    </cs:fontRef>
+    <cs:spPr>
+      <a:ln w="9525" cap="flat" cmpd="sng" algn="ctr">
+        <a:solidFill>
+          <a:schemeClr val="tx1">
+            <a:lumMod val="35000"/>
+            <a:lumOff val="65000"/>
+          </a:schemeClr>
+        </a:solidFill>
+        <a:round/>
+      </a:ln>
+    </cs:spPr>
+  </cs:dropLine>
+  <cs:errorBar>
+    <cs:lnRef idx="0"/>
+    <cs:fillRef idx="0"/>
+    <cs:effectRef idx="0"/>
+    <cs:fontRef idx="minor">
+      <a:schemeClr val="tx1"/>
+    </cs:fontRef>
+    <cs:spPr>
+      <a:ln w="9525" cap="flat" cmpd="sng" algn="ctr">
+        <a:solidFill>
+          <a:schemeClr val="tx1">
+            <a:lumMod val="65000"/>
+            <a:lumOff val="35000"/>
+          </a:schemeClr>
+        </a:solidFill>
+        <a:round/>
+      </a:ln>
+    </cs:spPr>
+  </cs:errorBar>
+  <cs:floor>
+    <cs:lnRef idx="0"/>
+    <cs:fillRef idx="0"/>
+    <cs:effectRef idx="0"/>
+    <cs:fontRef idx="minor">
+      <a:schemeClr val="tx1"/>
+    </cs:fontRef>
+    <cs:spPr>
+      <a:noFill/>
+      <a:ln>
+        <a:noFill/>
+      </a:ln>
+    </cs:spPr>
+  </cs:floor>
+  <cs:gridlineMajor>
+    <cs:lnRef idx="0"/>
+    <cs:fillRef idx="0"/>
+    <cs:effectRef idx="0"/>
+    <cs:fontRef idx="minor">
+      <a:schemeClr val="tx1"/>
+    </cs:fontRef>
+    <cs:spPr>
+      <a:ln w="9525" cap="flat" cmpd="sng" algn="ctr">
+        <a:solidFill>
+          <a:schemeClr val="tx1">
+            <a:lumMod val="15000"/>
+            <a:lumOff val="85000"/>
+          </a:schemeClr>
+        </a:solidFill>
+        <a:round/>
+      </a:ln>
+    </cs:spPr>
+  </cs:gridlineMajor>
+  <cs:gridlineMinor>
+    <cs:lnRef idx="0"/>
+    <cs:fillRef idx="0"/>
+    <cs:effectRef idx="0"/>
+    <cs:fontRef idx="minor">
+      <a:schemeClr val="tx1"/>
+    </cs:fontRef>
+    <cs:spPr>
+      <a:ln w="9525" cap="flat" cmpd="sng" algn="ctr">
+        <a:solidFill>
+          <a:schemeClr val="tx1">
+            <a:lumMod val="5000"/>
+            <a:lumOff val="95000"/>
+          </a:schemeClr>
+        </a:solidFill>
+        <a:round/>
+      </a:ln>
+    </cs:spPr>
+  </cs:gridlineMinor>
+  <cs:hiLoLine>
+    <cs:lnRef idx="0"/>
+    <cs:fillRef idx="0"/>
+    <cs:effectRef idx="0"/>
+    <cs:fontRef idx="minor">
+      <a:schemeClr val="tx1"/>
+    </cs:fontRef>
+    <cs:spPr>
+      <a:ln w="9525" cap="flat" cmpd="sng" algn="ctr">
+        <a:solidFill>
+          <a:schemeClr val="tx1">
+            <a:lumMod val="50000"/>
+            <a:lumOff val="50000"/>
+          </a:schemeClr>
+        </a:solidFill>
+        <a:round/>
+      </a:ln>
+    </cs:spPr>
+  </cs:hiLoLine>
+  <cs:leaderLine>
+    <cs:lnRef idx="0"/>
+    <cs:fillRef idx="0"/>
+    <cs:effectRef idx="0"/>
+    <cs:fontRef idx="minor">
+      <a:schemeClr val="tx1"/>
+    </cs:fontRef>
+    <cs:spPr>
+      <a:ln w="9525" cap="flat" cmpd="sng" algn="ctr">
+        <a:solidFill>
+          <a:schemeClr val="tx1">
+            <a:lumMod val="35000"/>
+            <a:lumOff val="65000"/>
+          </a:schemeClr>
+        </a:solidFill>
+        <a:round/>
+      </a:ln>
+    </cs:spPr>
+  </cs:leaderLine>
+  <cs:legend>
+    <cs:lnRef idx="0"/>
+    <cs:fillRef idx="0"/>
+    <cs:effectRef idx="0"/>
+    <cs:fontRef idx="minor">
+      <a:schemeClr val="tx1">
+        <a:lumMod val="65000"/>
+        <a:lumOff val="35000"/>
+      </a:schemeClr>
+    </cs:fontRef>
+    <cs:defRPr sz="1197" kern="1200"/>
+  </cs:legend>
+  <cs:plotArea mods="allowNoFillOverride allowNoLineOverride">
+    <cs:lnRef idx="0"/>
+    <cs:fillRef idx="0"/>
+    <cs:effectRef idx="0"/>
+    <cs:fontRef idx="minor">
+      <a:schemeClr val="tx1"/>
+    </cs:fontRef>
+  </cs:plotArea>
+  <cs:plotArea3D mods="allowNoFillOverride allowNoLineOverride">
+    <cs:lnRef idx="0"/>
+    <cs:fillRef idx="0"/>
+    <cs:effectRef idx="0"/>
+    <cs:fontRef idx="minor">
+      <a:schemeClr val="tx1"/>
+    </cs:fontRef>
+  </cs:plotArea3D>
+  <cs:seriesAxis>
+    <cs:lnRef idx="0"/>
+    <cs:fillRef idx="0"/>
+    <cs:effectRef idx="0"/>
+    <cs:fontRef idx="minor">
+      <a:schemeClr val="tx1">
+        <a:lumMod val="65000"/>
+        <a:lumOff val="35000"/>
+      </a:schemeClr>
+    </cs:fontRef>
+    <cs:defRPr sz="1197" kern="1200"/>
+  </cs:seriesAxis>
+  <cs:seriesLine>
+    <cs:lnRef idx="0"/>
+    <cs:fillRef idx="0"/>
+    <cs:effectRef idx="0"/>
+    <cs:fontRef idx="minor">
+      <a:schemeClr val="tx1"/>
+    </cs:fontRef>
+    <cs:spPr>
+      <a:ln w="9525" cap="flat" cmpd="sng" algn="ctr">
+        <a:solidFill>
+          <a:schemeClr val="tx1">
+            <a:lumMod val="35000"/>
+            <a:lumOff val="65000"/>
+          </a:schemeClr>
+        </a:solidFill>
+        <a:round/>
+      </a:ln>
+    </cs:spPr>
+  </cs:seriesLine>
+  <cs:title>
+    <cs:lnRef idx="0"/>
+    <cs:fillRef idx="0"/>
+    <cs:effectRef idx="0"/>
+    <cs:fontRef idx="minor">
+      <a:schemeClr val="tx1">
+        <a:lumMod val="65000"/>
+        <a:lumOff val="35000"/>
+      </a:schemeClr>
+    </cs:fontRef>
+    <cs:defRPr sz="1862" b="0" kern="1200" spc="0" baseline="0"/>
+  </cs:title>
+  <cs:trendline>
+    <cs:lnRef idx="0">
+      <cs:styleClr val="auto"/>
+    </cs:lnRef>
+    <cs:fillRef idx="0"/>
+    <cs:effectRef idx="0"/>
+    <cs:fontRef idx="minor">
+      <a:schemeClr val="tx1"/>
+    </cs:fontRef>
+    <cs:spPr>
+      <a:ln w="19050" cap="rnd">
+        <a:solidFill>
+          <a:schemeClr val="phClr"/>
+        </a:solidFill>
+        <a:prstDash val="sysDot"/>
+      </a:ln>
+    </cs:spPr>
+  </cs:trendline>
+  <cs:trendlineLabel>
+    <cs:lnRef idx="0"/>
+    <cs:fillRef idx="0"/>
+    <cs:effectRef idx="0"/>
+    <cs:fontRef idx="minor">
+      <a:schemeClr val="tx1">
+        <a:lumMod val="65000"/>
+        <a:lumOff val="35000"/>
+      </a:schemeClr>
+    </cs:fontRef>
+    <cs:defRPr sz="1197" kern="1200"/>
+  </cs:trendlineLabel>
+  <cs:upBar>
+    <cs:lnRef idx="0"/>
+    <cs:fillRef idx="0"/>
+    <cs:effectRef idx="0"/>
+    <cs:fontRef idx="minor">
+      <a:schemeClr val="tx1"/>
+    </cs:fontRef>
+    <cs:spPr>
+      <a:solidFill>
+        <a:schemeClr val="lt1"/>
+      </a:solidFill>
+      <a:ln w="9525" cap="flat" cmpd="sng" algn="ctr">
+        <a:solidFill>
+          <a:schemeClr val="tx1">
+            <a:lumMod val="65000"/>
+            <a:lumOff val="35000"/>
+          </a:schemeClr>
+        </a:solidFill>
+        <a:round/>
+      </a:ln>
+    </cs:spPr>
+  </cs:upBar>
+  <cs:valueAxis>
+    <cs:lnRef idx="0"/>
+    <cs:fillRef idx="0"/>
+    <cs:effectRef idx="0"/>
+    <cs:fontRef idx="minor">
+      <a:schemeClr val="tx1">
+        <a:lumMod val="65000"/>
+        <a:lumOff val="35000"/>
+      </a:schemeClr>
+    </cs:fontRef>
+    <cs:defRPr sz="1197" kern="1200"/>
+  </cs:valueAxis>
+  <cs:wall>
+    <cs:lnRef idx="0"/>
+    <cs:fillRef idx="0"/>
+    <cs:effectRef idx="0"/>
+    <cs:fontRef idx="minor">
+      <a:schemeClr val="tx1"/>
+    </cs:fontRef>
+    <cs:spPr>
+      <a:noFill/>
+      <a:ln>
+        <a:noFill/>
+      </a:ln>
+    </cs:spPr>
+  </cs:wall>
+</cs:chartStyle>
+</file>
+
+<file path=ppt/charts/style23.xml><?xml version="1.0" encoding="utf-8"?>
+<cs:chartStyle xmlns:cs="http://schemas.microsoft.com/office/drawing/2012/chartStyle" xmlns:a="http://schemas.openxmlformats.org/drawingml/2006/main" id="251">
+  <cs:axisTitle>
+    <cs:lnRef idx="0"/>
+    <cs:fillRef idx="0"/>
+    <cs:effectRef idx="0"/>
+    <cs:fontRef idx="minor">
+      <a:schemeClr val="tx1">
+        <a:lumMod val="65000"/>
+        <a:lumOff val="35000"/>
+      </a:schemeClr>
+    </cs:fontRef>
+    <cs:defRPr sz="1330" kern="1200"/>
+  </cs:axisTitle>
+  <cs:categoryAxis>
+    <cs:lnRef idx="0"/>
+    <cs:fillRef idx="0"/>
+    <cs:effectRef idx="0"/>
+    <cs:fontRef idx="minor">
+      <a:schemeClr val="tx1">
+        <a:lumMod val="65000"/>
+        <a:lumOff val="35000"/>
+      </a:schemeClr>
+    </cs:fontRef>
+    <cs:spPr>
+      <a:ln w="9525" cap="flat" cmpd="sng" algn="ctr">
+        <a:solidFill>
+          <a:schemeClr val="tx1">
+            <a:lumMod val="15000"/>
+            <a:lumOff val="85000"/>
+          </a:schemeClr>
+        </a:solidFill>
+        <a:round/>
+      </a:ln>
+    </cs:spPr>
+    <cs:defRPr sz="1197" kern="1200"/>
+  </cs:categoryAxis>
+  <cs:chartArea mods="allowNoFillOverride allowNoLineOverride">
+    <cs:lnRef idx="0"/>
+    <cs:fillRef idx="0"/>
+    <cs:effectRef idx="0"/>
+    <cs:fontRef idx="minor">
+      <a:schemeClr val="tx1"/>
+    </cs:fontRef>
+    <cs:spPr>
+      <a:solidFill>
+        <a:schemeClr val="bg1"/>
+      </a:solidFill>
+      <a:ln w="9525" cap="flat" cmpd="sng" algn="ctr">
+        <a:solidFill>
+          <a:schemeClr val="tx1">
+            <a:lumMod val="15000"/>
+            <a:lumOff val="85000"/>
+          </a:schemeClr>
+        </a:solidFill>
+        <a:round/>
+      </a:ln>
+    </cs:spPr>
+    <cs:defRPr sz="1197" kern="1200"/>
+  </cs:chartArea>
+  <cs:dataLabel>
+    <cs:lnRef idx="0"/>
+    <cs:fillRef idx="0"/>
+    <cs:effectRef idx="0"/>
+    <cs:fontRef idx="minor">
+      <a:schemeClr val="tx1">
+        <a:lumMod val="75000"/>
+        <a:lumOff val="25000"/>
+      </a:schemeClr>
+    </cs:fontRef>
+    <cs:defRPr sz="1197" kern="1200"/>
+  </cs:dataLabel>
+  <cs:dataLabelCallout>
+    <cs:lnRef idx="0"/>
+    <cs:fillRef idx="0"/>
+    <cs:effectRef idx="0"/>
+    <cs:fontRef idx="minor">
+      <a:schemeClr val="dk1">
+        <a:lumMod val="65000"/>
+        <a:lumOff val="35000"/>
+      </a:schemeClr>
+    </cs:fontRef>
+    <cs:spPr>
+      <a:solidFill>
+        <a:schemeClr val="lt1"/>
+      </a:solidFill>
+      <a:ln>
+        <a:solidFill>
+          <a:schemeClr val="dk1">
+            <a:lumMod val="25000"/>
+            <a:lumOff val="75000"/>
+          </a:schemeClr>
+        </a:solidFill>
+      </a:ln>
+    </cs:spPr>
+    <cs:defRPr sz="1197" kern="1200"/>
+    <cs:bodyPr rot="0" spcFirstLastPara="1" vertOverflow="clip" horzOverflow="clip" vert="horz" wrap="square" lIns="36576" tIns="18288" rIns="36576" bIns="18288" anchor="ctr" anchorCtr="1">
+      <a:spAutoFit/>
+    </cs:bodyPr>
+  </cs:dataLabelCallout>
+  <cs:dataPoint>
+    <cs:lnRef idx="0"/>
+    <cs:fillRef idx="1">
+      <cs:styleClr val="auto"/>
+    </cs:fillRef>
+    <cs:effectRef idx="0"/>
+    <cs:fontRef idx="minor">
+      <a:schemeClr val="tx1"/>
+    </cs:fontRef>
+    <cs:spPr>
+      <a:ln w="19050">
+        <a:solidFill>
+          <a:schemeClr val="lt1"/>
+        </a:solidFill>
+      </a:ln>
+    </cs:spPr>
+  </cs:dataPoint>
+  <cs:dataPoint3D>
+    <cs:lnRef idx="0"/>
+    <cs:fillRef idx="1">
+      <cs:styleClr val="auto"/>
+    </cs:fillRef>
+    <cs:effectRef idx="0"/>
+    <cs:fontRef idx="minor">
+      <a:schemeClr val="tx1"/>
+    </cs:fontRef>
+    <cs:spPr>
+      <a:ln w="25400">
+        <a:solidFill>
+          <a:schemeClr val="lt1"/>
+        </a:solidFill>
+      </a:ln>
+    </cs:spPr>
+  </cs:dataPoint3D>
+  <cs:dataPointLine>
+    <cs:lnRef idx="0">
+      <cs:styleClr val="auto"/>
+    </cs:lnRef>
+    <cs:fillRef idx="0"/>
+    <cs:effectRef idx="0"/>
+    <cs:fontRef idx="minor">
+      <a:schemeClr val="tx1"/>
+    </cs:fontRef>
+    <cs:spPr>
+      <a:ln w="28575" cap="rnd">
+        <a:solidFill>
+          <a:schemeClr val="phClr"/>
+        </a:solidFill>
+        <a:round/>
+      </a:ln>
+    </cs:spPr>
+  </cs:dataPointLine>
+  <cs:dataPointMarker>
+    <cs:lnRef idx="0">
+      <cs:styleClr val="auto"/>
+    </cs:lnRef>
+    <cs:fillRef idx="1">
+      <cs:styleClr val="auto"/>
+    </cs:fillRef>
+    <cs:effectRef idx="0"/>
+    <cs:fontRef idx="minor">
+      <a:schemeClr val="tx1"/>
+    </cs:fontRef>
+    <cs:spPr>
+      <a:ln w="9525">
+        <a:solidFill>
+          <a:schemeClr val="phClr"/>
+        </a:solidFill>
+      </a:ln>
+    </cs:spPr>
+  </cs:dataPointMarker>
+  <cs:dataPointMarkerLayout symbol="circle" size="5"/>
+  <cs:dataPointWireframe>
+    <cs:lnRef idx="0">
+      <cs:styleClr val="auto"/>
+    </cs:lnRef>
+    <cs:fillRef idx="0"/>
+    <cs:effectRef idx="0"/>
+    <cs:fontRef idx="minor">
+      <a:schemeClr val="tx1"/>
+    </cs:fontRef>
+    <cs:spPr>
+      <a:ln w="9525" cap="rnd">
+        <a:solidFill>
+          <a:schemeClr val="phClr"/>
+        </a:solidFill>
+        <a:round/>
+      </a:ln>
+    </cs:spPr>
+  </cs:dataPointWireframe>
+  <cs:dataTable>
+    <cs:lnRef idx="0"/>
+    <cs:fillRef idx="0"/>
+    <cs:effectRef idx="0"/>
+    <cs:fontRef idx="minor">
+      <a:schemeClr val="tx1">
+        <a:lumMod val="65000"/>
+        <a:lumOff val="35000"/>
+      </a:schemeClr>
+    </cs:fontRef>
+    <cs:spPr>
+      <a:noFill/>
+      <a:ln w="9525" cap="flat" cmpd="sng" algn="ctr">
+        <a:solidFill>
+          <a:schemeClr val="tx1">
+            <a:lumMod val="15000"/>
+            <a:lumOff val="85000"/>
+          </a:schemeClr>
+        </a:solidFill>
+        <a:round/>
+      </a:ln>
+    </cs:spPr>
+    <cs:defRPr sz="1197" kern="1200"/>
+  </cs:dataTable>
+  <cs:downBar>
+    <cs:lnRef idx="0"/>
+    <cs:fillRef idx="0"/>
+    <cs:effectRef idx="0"/>
+    <cs:fontRef idx="minor">
+      <a:schemeClr val="tx1"/>
+    </cs:fontRef>
+    <cs:spPr>
+      <a:solidFill>
+        <a:schemeClr val="dk1">
+          <a:lumMod val="75000"/>
+          <a:lumOff val="25000"/>
+        </a:schemeClr>
+      </a:solidFill>
+      <a:ln w="9525" cap="flat" cmpd="sng" algn="ctr">
+        <a:solidFill>
+          <a:schemeClr val="tx1">
+            <a:lumMod val="65000"/>
+            <a:lumOff val="35000"/>
+          </a:schemeClr>
+        </a:solidFill>
+        <a:round/>
+      </a:ln>
+    </cs:spPr>
+  </cs:downBar>
+  <cs:dropLine>
+    <cs:lnRef idx="0"/>
+    <cs:fillRef idx="0"/>
+    <cs:effectRef idx="0"/>
+    <cs:fontRef idx="minor">
+      <a:schemeClr val="tx1"/>
+    </cs:fontRef>
+    <cs:spPr>
+      <a:ln w="9525" cap="flat" cmpd="sng" algn="ctr">
+        <a:solidFill>
+          <a:schemeClr val="tx1">
+            <a:lumMod val="35000"/>
+            <a:lumOff val="65000"/>
+          </a:schemeClr>
+        </a:solidFill>
+        <a:round/>
+      </a:ln>
+    </cs:spPr>
+  </cs:dropLine>
+  <cs:errorBar>
+    <cs:lnRef idx="0"/>
+    <cs:fillRef idx="0"/>
+    <cs:effectRef idx="0"/>
+    <cs:fontRef idx="minor">
+      <a:schemeClr val="tx1"/>
+    </cs:fontRef>
+    <cs:spPr>
+      <a:ln w="9525" cap="flat" cmpd="sng" algn="ctr">
+        <a:solidFill>
+          <a:schemeClr val="tx1">
+            <a:lumMod val="65000"/>
+            <a:lumOff val="35000"/>
+          </a:schemeClr>
+        </a:solidFill>
+        <a:round/>
+      </a:ln>
+    </cs:spPr>
+  </cs:errorBar>
+  <cs:floor>
+    <cs:lnRef idx="0"/>
+    <cs:fillRef idx="0"/>
+    <cs:effectRef idx="0"/>
+    <cs:fontRef idx="minor">
+      <a:schemeClr val="tx1"/>
+    </cs:fontRef>
+    <cs:spPr>
+      <a:noFill/>
+      <a:ln>
+        <a:noFill/>
+      </a:ln>
+    </cs:spPr>
+  </cs:floor>
+  <cs:gridlineMajor>
+    <cs:lnRef idx="0"/>
+    <cs:fillRef idx="0"/>
+    <cs:effectRef idx="0"/>
+    <cs:fontRef idx="minor">
+      <a:schemeClr val="tx1"/>
+    </cs:fontRef>
+    <cs:spPr>
+      <a:ln w="9525" cap="flat" cmpd="sng" algn="ctr">
+        <a:solidFill>
+          <a:schemeClr val="tx1">
+            <a:lumMod val="15000"/>
+            <a:lumOff val="85000"/>
+          </a:schemeClr>
+        </a:solidFill>
+        <a:round/>
+      </a:ln>
+    </cs:spPr>
+  </cs:gridlineMajor>
+  <cs:gridlineMinor>
+    <cs:lnRef idx="0"/>
+    <cs:fillRef idx="0"/>
+    <cs:effectRef idx="0"/>
+    <cs:fontRef idx="minor">
+      <a:schemeClr val="tx1"/>
+    </cs:fontRef>
+    <cs:spPr>
+      <a:ln w="9525" cap="flat" cmpd="sng" algn="ctr">
+        <a:solidFill>
+          <a:schemeClr val="tx1">
+            <a:lumMod val="5000"/>
+            <a:lumOff val="95000"/>
+          </a:schemeClr>
+        </a:solidFill>
+        <a:round/>
+      </a:ln>
+    </cs:spPr>
+  </cs:gridlineMinor>
+  <cs:hiLoLine>
+    <cs:lnRef idx="0"/>
+    <cs:fillRef idx="0"/>
+    <cs:effectRef idx="0"/>
+    <cs:fontRef idx="minor">
+      <a:schemeClr val="tx1"/>
+    </cs:fontRef>
+    <cs:spPr>
+      <a:ln w="9525" cap="flat" cmpd="sng" algn="ctr">
+        <a:solidFill>
+          <a:schemeClr val="tx1">
+            <a:lumMod val="50000"/>
+            <a:lumOff val="50000"/>
+          </a:schemeClr>
+        </a:solidFill>
+        <a:round/>
+      </a:ln>
+    </cs:spPr>
+  </cs:hiLoLine>
+  <cs:leaderLine>
+    <cs:lnRef idx="0"/>
+    <cs:fillRef idx="0"/>
+    <cs:effectRef idx="0"/>
+    <cs:fontRef idx="minor">
+      <a:schemeClr val="tx1"/>
+    </cs:fontRef>
+    <cs:spPr>
+      <a:ln w="9525" cap="flat" cmpd="sng" algn="ctr">
+        <a:solidFill>
+          <a:schemeClr val="tx1">
+            <a:lumMod val="35000"/>
+            <a:lumOff val="65000"/>
+          </a:schemeClr>
+        </a:solidFill>
+        <a:round/>
+      </a:ln>
+    </cs:spPr>
+  </cs:leaderLine>
+  <cs:legend>
+    <cs:lnRef idx="0"/>
+    <cs:fillRef idx="0"/>
+    <cs:effectRef idx="0"/>
+    <cs:fontRef idx="minor">
+      <a:schemeClr val="tx1">
+        <a:lumMod val="65000"/>
+        <a:lumOff val="35000"/>
+      </a:schemeClr>
+    </cs:fontRef>
+    <cs:defRPr sz="1197" kern="1200"/>
+  </cs:legend>
+  <cs:plotArea mods="allowNoFillOverride allowNoLineOverride">
+    <cs:lnRef idx="0"/>
+    <cs:fillRef idx="0"/>
+    <cs:effectRef idx="0"/>
+    <cs:fontRef idx="minor">
+      <a:schemeClr val="tx1"/>
+    </cs:fontRef>
+  </cs:plotArea>
+  <cs:plotArea3D mods="allowNoFillOverride allowNoLineOverride">
+    <cs:lnRef idx="0"/>
+    <cs:fillRef idx="0"/>
+    <cs:effectRef idx="0"/>
+    <cs:fontRef idx="minor">
+      <a:schemeClr val="tx1"/>
+    </cs:fontRef>
+  </cs:plotArea3D>
+  <cs:seriesAxis>
+    <cs:lnRef idx="0"/>
+    <cs:fillRef idx="0"/>
+    <cs:effectRef idx="0"/>
+    <cs:fontRef idx="minor">
+      <a:schemeClr val="tx1">
+        <a:lumMod val="65000"/>
+        <a:lumOff val="35000"/>
+      </a:schemeClr>
+    </cs:fontRef>
+    <cs:defRPr sz="1197" kern="1200"/>
+  </cs:seriesAxis>
+  <cs:seriesLine>
+    <cs:lnRef idx="0"/>
+    <cs:fillRef idx="0"/>
+    <cs:effectRef idx="0"/>
+    <cs:fontRef idx="minor">
+      <a:schemeClr val="tx1"/>
+    </cs:fontRef>
+    <cs:spPr>
+      <a:ln w="9525" cap="flat" cmpd="sng" algn="ctr">
+        <a:solidFill>
+          <a:schemeClr val="tx1">
+            <a:lumMod val="35000"/>
+            <a:lumOff val="65000"/>
+          </a:schemeClr>
+        </a:solidFill>
+        <a:round/>
+      </a:ln>
+    </cs:spPr>
+  </cs:seriesLine>
+  <cs:title>
+    <cs:lnRef idx="0"/>
+    <cs:fillRef idx="0"/>
+    <cs:effectRef idx="0"/>
+    <cs:fontRef idx="minor">
+      <a:schemeClr val="tx1">
+        <a:lumMod val="65000"/>
+        <a:lumOff val="35000"/>
+      </a:schemeClr>
+    </cs:fontRef>
+    <cs:defRPr sz="1862" b="0" kern="1200" spc="0" baseline="0"/>
+  </cs:title>
+  <cs:trendline>
+    <cs:lnRef idx="0">
+      <cs:styleClr val="auto"/>
+    </cs:lnRef>
+    <cs:fillRef idx="0"/>
+    <cs:effectRef idx="0"/>
+    <cs:fontRef idx="minor">
+      <a:schemeClr val="tx1"/>
+    </cs:fontRef>
+    <cs:spPr>
+      <a:ln w="19050" cap="rnd">
+        <a:solidFill>
+          <a:schemeClr val="phClr"/>
+        </a:solidFill>
+        <a:prstDash val="sysDot"/>
+      </a:ln>
+    </cs:spPr>
+  </cs:trendline>
+  <cs:trendlineLabel>
+    <cs:lnRef idx="0"/>
+    <cs:fillRef idx="0"/>
+    <cs:effectRef idx="0"/>
+    <cs:fontRef idx="minor">
+      <a:schemeClr val="tx1">
+        <a:lumMod val="65000"/>
+        <a:lumOff val="35000"/>
+      </a:schemeClr>
+    </cs:fontRef>
+    <cs:defRPr sz="1197" kern="1200"/>
+  </cs:trendlineLabel>
+  <cs:upBar>
+    <cs:lnRef idx="0"/>
+    <cs:fillRef idx="0"/>
+    <cs:effectRef idx="0"/>
+    <cs:fontRef idx="minor">
+      <a:schemeClr val="tx1"/>
+    </cs:fontRef>
+    <cs:spPr>
+      <a:solidFill>
+        <a:schemeClr val="lt1"/>
+      </a:solidFill>
+      <a:ln w="9525" cap="flat" cmpd="sng" algn="ctr">
+        <a:solidFill>
+          <a:schemeClr val="tx1">
+            <a:lumMod val="65000"/>
+            <a:lumOff val="35000"/>
+          </a:schemeClr>
+        </a:solidFill>
+        <a:round/>
+      </a:ln>
+    </cs:spPr>
+  </cs:upBar>
+  <cs:valueAxis>
+    <cs:lnRef idx="0"/>
+    <cs:fillRef idx="0"/>
+    <cs:effectRef idx="0"/>
+    <cs:fontRef idx="minor">
+      <a:schemeClr val="tx1">
+        <a:lumMod val="65000"/>
+        <a:lumOff val="35000"/>
+      </a:schemeClr>
+    </cs:fontRef>
+    <cs:defRPr sz="1197" kern="1200"/>
+  </cs:valueAxis>
+  <cs:wall>
+    <cs:lnRef idx="0"/>
+    <cs:fillRef idx="0"/>
+    <cs:effectRef idx="0"/>
+    <cs:fontRef idx="minor">
+      <a:schemeClr val="tx1"/>
+    </cs:fontRef>
+    <cs:spPr>
+      <a:noFill/>
+      <a:ln>
+        <a:noFill/>
+      </a:ln>
+    </cs:spPr>
+  </cs:wall>
+</cs:chartStyle>
+</file>
+
+<file path=ppt/charts/style24.xml><?xml version="1.0" encoding="utf-8"?>
+<cs:chartStyle xmlns:cs="http://schemas.microsoft.com/office/drawing/2012/chartStyle" xmlns:a="http://schemas.openxmlformats.org/drawingml/2006/main" id="251">
+  <cs:axisTitle>
+    <cs:lnRef idx="0"/>
+    <cs:fillRef idx="0"/>
+    <cs:effectRef idx="0"/>
+    <cs:fontRef idx="minor">
+      <a:schemeClr val="tx1">
+        <a:lumMod val="65000"/>
+        <a:lumOff val="35000"/>
+      </a:schemeClr>
+    </cs:fontRef>
+    <cs:defRPr sz="1330" kern="1200"/>
+  </cs:axisTitle>
+  <cs:categoryAxis>
+    <cs:lnRef idx="0"/>
+    <cs:fillRef idx="0"/>
+    <cs:effectRef idx="0"/>
+    <cs:fontRef idx="minor">
+      <a:schemeClr val="tx1">
+        <a:lumMod val="65000"/>
+        <a:lumOff val="35000"/>
+      </a:schemeClr>
+    </cs:fontRef>
+    <cs:spPr>
+      <a:ln w="9525" cap="flat" cmpd="sng" algn="ctr">
+        <a:solidFill>
+          <a:schemeClr val="tx1">
+            <a:lumMod val="15000"/>
+            <a:lumOff val="85000"/>
+          </a:schemeClr>
+        </a:solidFill>
+        <a:round/>
+      </a:ln>
+    </cs:spPr>
+    <cs:defRPr sz="1197" kern="1200"/>
+  </cs:categoryAxis>
+  <cs:chartArea mods="allowNoFillOverride allowNoLineOverride">
+    <cs:lnRef idx="0"/>
+    <cs:fillRef idx="0"/>
+    <cs:effectRef idx="0"/>
+    <cs:fontRef idx="minor">
+      <a:schemeClr val="tx1"/>
+    </cs:fontRef>
+    <cs:spPr>
+      <a:solidFill>
+        <a:schemeClr val="bg1"/>
+      </a:solidFill>
+      <a:ln w="9525" cap="flat" cmpd="sng" algn="ctr">
+        <a:solidFill>
+          <a:schemeClr val="tx1">
+            <a:lumMod val="15000"/>
+            <a:lumOff val="85000"/>
+          </a:schemeClr>
+        </a:solidFill>
+        <a:round/>
+      </a:ln>
+    </cs:spPr>
+    <cs:defRPr sz="1197" kern="1200"/>
+  </cs:chartArea>
+  <cs:dataLabel>
+    <cs:lnRef idx="0"/>
+    <cs:fillRef idx="0"/>
+    <cs:effectRef idx="0"/>
+    <cs:fontRef idx="minor">
+      <a:schemeClr val="tx1">
+        <a:lumMod val="75000"/>
+        <a:lumOff val="25000"/>
+      </a:schemeClr>
+    </cs:fontRef>
+    <cs:defRPr sz="1197" kern="1200"/>
+  </cs:dataLabel>
+  <cs:dataLabelCallout>
+    <cs:lnRef idx="0"/>
+    <cs:fillRef idx="0"/>
+    <cs:effectRef idx="0"/>
+    <cs:fontRef idx="minor">
+      <a:schemeClr val="dk1">
+        <a:lumMod val="65000"/>
+        <a:lumOff val="35000"/>
+      </a:schemeClr>
+    </cs:fontRef>
+    <cs:spPr>
+      <a:solidFill>
+        <a:schemeClr val="lt1"/>
+      </a:solidFill>
+      <a:ln>
+        <a:solidFill>
+          <a:schemeClr val="dk1">
+            <a:lumMod val="25000"/>
+            <a:lumOff val="75000"/>
+          </a:schemeClr>
+        </a:solidFill>
+      </a:ln>
+    </cs:spPr>
+    <cs:defRPr sz="1197" kern="1200"/>
+    <cs:bodyPr rot="0" spcFirstLastPara="1" vertOverflow="clip" horzOverflow="clip" vert="horz" wrap="square" lIns="36576" tIns="18288" rIns="36576" bIns="18288" anchor="ctr" anchorCtr="1">
+      <a:spAutoFit/>
+    </cs:bodyPr>
+  </cs:dataLabelCallout>
+  <cs:dataPoint>
+    <cs:lnRef idx="0"/>
+    <cs:fillRef idx="1">
+      <cs:styleClr val="auto"/>
+    </cs:fillRef>
+    <cs:effectRef idx="0"/>
+    <cs:fontRef idx="minor">
+      <a:schemeClr val="tx1"/>
+    </cs:fontRef>
+    <cs:spPr>
+      <a:ln w="19050">
+        <a:solidFill>
+          <a:schemeClr val="lt1"/>
+        </a:solidFill>
+      </a:ln>
+    </cs:spPr>
+  </cs:dataPoint>
+  <cs:dataPoint3D>
+    <cs:lnRef idx="0"/>
+    <cs:fillRef idx="1">
+      <cs:styleClr val="auto"/>
+    </cs:fillRef>
+    <cs:effectRef idx="0"/>
+    <cs:fontRef idx="minor">
+      <a:schemeClr val="tx1"/>
+    </cs:fontRef>
+    <cs:spPr>
+      <a:ln w="25400">
+        <a:solidFill>
+          <a:schemeClr val="lt1"/>
+        </a:solidFill>
+      </a:ln>
+    </cs:spPr>
+  </cs:dataPoint3D>
+  <cs:dataPointLine>
+    <cs:lnRef idx="0">
+      <cs:styleClr val="auto"/>
+    </cs:lnRef>
+    <cs:fillRef idx="0"/>
+    <cs:effectRef idx="0"/>
+    <cs:fontRef idx="minor">
+      <a:schemeClr val="tx1"/>
+    </cs:fontRef>
+    <cs:spPr>
+      <a:ln w="28575" cap="rnd">
+        <a:solidFill>
+          <a:schemeClr val="phClr"/>
+        </a:solidFill>
+        <a:round/>
+      </a:ln>
+    </cs:spPr>
+  </cs:dataPointLine>
+  <cs:dataPointMarker>
+    <cs:lnRef idx="0">
+      <cs:styleClr val="auto"/>
+    </cs:lnRef>
+    <cs:fillRef idx="1">
+      <cs:styleClr val="auto"/>
+    </cs:fillRef>
+    <cs:effectRef idx="0"/>
+    <cs:fontRef idx="minor">
+      <a:schemeClr val="tx1"/>
+    </cs:fontRef>
+    <cs:spPr>
+      <a:ln w="9525">
+        <a:solidFill>
+          <a:schemeClr val="phClr"/>
+        </a:solidFill>
+      </a:ln>
+    </cs:spPr>
+  </cs:dataPointMarker>
+  <cs:dataPointMarkerLayout symbol="circle" size="5"/>
+  <cs:dataPointWireframe>
+    <cs:lnRef idx="0">
+      <cs:styleClr val="auto"/>
+    </cs:lnRef>
+    <cs:fillRef idx="0"/>
+    <cs:effectRef idx="0"/>
+    <cs:fontRef idx="minor">
+      <a:schemeClr val="tx1"/>
+    </cs:fontRef>
+    <cs:spPr>
+      <a:ln w="9525" cap="rnd">
+        <a:solidFill>
+          <a:schemeClr val="phClr"/>
+        </a:solidFill>
+        <a:round/>
+      </a:ln>
+    </cs:spPr>
+  </cs:dataPointWireframe>
+  <cs:dataTable>
+    <cs:lnRef idx="0"/>
+    <cs:fillRef idx="0"/>
+    <cs:effectRef idx="0"/>
+    <cs:fontRef idx="minor">
+      <a:schemeClr val="tx1">
+        <a:lumMod val="65000"/>
+        <a:lumOff val="35000"/>
+      </a:schemeClr>
+    </cs:fontRef>
+    <cs:spPr>
+      <a:noFill/>
+      <a:ln w="9525" cap="flat" cmpd="sng" algn="ctr">
+        <a:solidFill>
+          <a:schemeClr val="tx1">
+            <a:lumMod val="15000"/>
+            <a:lumOff val="85000"/>
+          </a:schemeClr>
+        </a:solidFill>
+        <a:round/>
+      </a:ln>
+    </cs:spPr>
+    <cs:defRPr sz="1197" kern="1200"/>
+  </cs:dataTable>
+  <cs:downBar>
+    <cs:lnRef idx="0"/>
+    <cs:fillRef idx="0"/>
+    <cs:effectRef idx="0"/>
+    <cs:fontRef idx="minor">
+      <a:schemeClr val="tx1"/>
+    </cs:fontRef>
+    <cs:spPr>
+      <a:solidFill>
+        <a:schemeClr val="dk1">
+          <a:lumMod val="75000"/>
+          <a:lumOff val="25000"/>
+        </a:schemeClr>
+      </a:solidFill>
+      <a:ln w="9525" cap="flat" cmpd="sng" algn="ctr">
+        <a:solidFill>
+          <a:schemeClr val="tx1">
+            <a:lumMod val="65000"/>
+            <a:lumOff val="35000"/>
+          </a:schemeClr>
+        </a:solidFill>
+        <a:round/>
+      </a:ln>
+    </cs:spPr>
+  </cs:downBar>
+  <cs:dropLine>
+    <cs:lnRef idx="0"/>
+    <cs:fillRef idx="0"/>
+    <cs:effectRef idx="0"/>
+    <cs:fontRef idx="minor">
+      <a:schemeClr val="tx1"/>
+    </cs:fontRef>
+    <cs:spPr>
+      <a:ln w="9525" cap="flat" cmpd="sng" algn="ctr">
+        <a:solidFill>
+          <a:schemeClr val="tx1">
+            <a:lumMod val="35000"/>
+            <a:lumOff val="65000"/>
+          </a:schemeClr>
+        </a:solidFill>
+        <a:round/>
+      </a:ln>
+    </cs:spPr>
+  </cs:dropLine>
+  <cs:errorBar>
+    <cs:lnRef idx="0"/>
+    <cs:fillRef idx="0"/>
+    <cs:effectRef idx="0"/>
+    <cs:fontRef idx="minor">
+      <a:schemeClr val="tx1"/>
+    </cs:fontRef>
+    <cs:spPr>
+      <a:ln w="9525" cap="flat" cmpd="sng" algn="ctr">
+        <a:solidFill>
+          <a:schemeClr val="tx1">
+            <a:lumMod val="65000"/>
+            <a:lumOff val="35000"/>
+          </a:schemeClr>
+        </a:solidFill>
+        <a:round/>
+      </a:ln>
+    </cs:spPr>
+  </cs:errorBar>
+  <cs:floor>
+    <cs:lnRef idx="0"/>
+    <cs:fillRef idx="0"/>
+    <cs:effectRef idx="0"/>
+    <cs:fontRef idx="minor">
+      <a:schemeClr val="tx1"/>
+    </cs:fontRef>
+    <cs:spPr>
+      <a:noFill/>
+      <a:ln>
+        <a:noFill/>
+      </a:ln>
+    </cs:spPr>
+  </cs:floor>
+  <cs:gridlineMajor>
+    <cs:lnRef idx="0"/>
+    <cs:fillRef idx="0"/>
+    <cs:effectRef idx="0"/>
+    <cs:fontRef idx="minor">
+      <a:schemeClr val="tx1"/>
+    </cs:fontRef>
+    <cs:spPr>
+      <a:ln w="9525" cap="flat" cmpd="sng" algn="ctr">
+        <a:solidFill>
+          <a:schemeClr val="tx1">
+            <a:lumMod val="15000"/>
+            <a:lumOff val="85000"/>
+          </a:schemeClr>
+        </a:solidFill>
+        <a:round/>
+      </a:ln>
+    </cs:spPr>
+  </cs:gridlineMajor>
+  <cs:gridlineMinor>
+    <cs:lnRef idx="0"/>
+    <cs:fillRef idx="0"/>
+    <cs:effectRef idx="0"/>
+    <cs:fontRef idx="minor">
+      <a:schemeClr val="tx1"/>
+    </cs:fontRef>
+    <cs:spPr>
+      <a:ln w="9525" cap="flat" cmpd="sng" algn="ctr">
+        <a:solidFill>
+          <a:schemeClr val="tx1">
+            <a:lumMod val="5000"/>
+            <a:lumOff val="95000"/>
+          </a:schemeClr>
+        </a:solidFill>
+        <a:round/>
+      </a:ln>
+    </cs:spPr>
+  </cs:gridlineMinor>
+  <cs:hiLoLine>
+    <cs:lnRef idx="0"/>
+    <cs:fillRef idx="0"/>
+    <cs:effectRef idx="0"/>
+    <cs:fontRef idx="minor">
+      <a:schemeClr val="tx1"/>
+    </cs:fontRef>
+    <cs:spPr>
+      <a:ln w="9525" cap="flat" cmpd="sng" algn="ctr">
+        <a:solidFill>
+          <a:schemeClr val="tx1">
+            <a:lumMod val="50000"/>
+            <a:lumOff val="50000"/>
+          </a:schemeClr>
+        </a:solidFill>
+        <a:round/>
+      </a:ln>
+    </cs:spPr>
+  </cs:hiLoLine>
+  <cs:leaderLine>
+    <cs:lnRef idx="0"/>
+    <cs:fillRef idx="0"/>
+    <cs:effectRef idx="0"/>
+    <cs:fontRef idx="minor">
+      <a:schemeClr val="tx1"/>
+    </cs:fontRef>
+    <cs:spPr>
+      <a:ln w="9525" cap="flat" cmpd="sng" algn="ctr">
+        <a:solidFill>
+          <a:schemeClr val="tx1">
+            <a:lumMod val="35000"/>
+            <a:lumOff val="65000"/>
+          </a:schemeClr>
+        </a:solidFill>
+        <a:round/>
+      </a:ln>
+    </cs:spPr>
+  </cs:leaderLine>
+  <cs:legend>
+    <cs:lnRef idx="0"/>
+    <cs:fillRef idx="0"/>
+    <cs:effectRef idx="0"/>
+    <cs:fontRef idx="minor">
+      <a:schemeClr val="tx1">
+        <a:lumMod val="65000"/>
+        <a:lumOff val="35000"/>
+      </a:schemeClr>
+    </cs:fontRef>
+    <cs:defRPr sz="1197" kern="1200"/>
+  </cs:legend>
+  <cs:plotArea mods="allowNoFillOverride allowNoLineOverride">
+    <cs:lnRef idx="0"/>
+    <cs:fillRef idx="0"/>
+    <cs:effectRef idx="0"/>
+    <cs:fontRef idx="minor">
+      <a:schemeClr val="tx1"/>
+    </cs:fontRef>
+  </cs:plotArea>
+  <cs:plotArea3D mods="allowNoFillOverride allowNoLineOverride">
+    <cs:lnRef idx="0"/>
+    <cs:fillRef idx="0"/>
+    <cs:effectRef idx="0"/>
+    <cs:fontRef idx="minor">
+      <a:schemeClr val="tx1"/>
+    </cs:fontRef>
+  </cs:plotArea3D>
+  <cs:seriesAxis>
+    <cs:lnRef idx="0"/>
+    <cs:fillRef idx="0"/>
+    <cs:effectRef idx="0"/>
+    <cs:fontRef idx="minor">
+      <a:schemeClr val="tx1">
+        <a:lumMod val="65000"/>
+        <a:lumOff val="35000"/>
+      </a:schemeClr>
+    </cs:fontRef>
+    <cs:defRPr sz="1197" kern="1200"/>
+  </cs:seriesAxis>
+  <cs:seriesLine>
+    <cs:lnRef idx="0"/>
+    <cs:fillRef idx="0"/>
+    <cs:effectRef idx="0"/>
+    <cs:fontRef idx="minor">
+      <a:schemeClr val="tx1"/>
+    </cs:fontRef>
+    <cs:spPr>
+      <a:ln w="9525" cap="flat" cmpd="sng" algn="ctr">
+        <a:solidFill>
+          <a:schemeClr val="tx1">
+            <a:lumMod val="35000"/>
+            <a:lumOff val="65000"/>
+          </a:schemeClr>
+        </a:solidFill>
+        <a:round/>
+      </a:ln>
+    </cs:spPr>
+  </cs:seriesLine>
+  <cs:title>
+    <cs:lnRef idx="0"/>
+    <cs:fillRef idx="0"/>
+    <cs:effectRef idx="0"/>
+    <cs:fontRef idx="minor">
+      <a:schemeClr val="tx1">
+        <a:lumMod val="65000"/>
+        <a:lumOff val="35000"/>
+      </a:schemeClr>
+    </cs:fontRef>
+    <cs:defRPr sz="1862" b="0" kern="1200" spc="0" baseline="0"/>
+  </cs:title>
+  <cs:trendline>
+    <cs:lnRef idx="0">
+      <cs:styleClr val="auto"/>
+    </cs:lnRef>
+    <cs:fillRef idx="0"/>
+    <cs:effectRef idx="0"/>
+    <cs:fontRef idx="minor">
+      <a:schemeClr val="tx1"/>
+    </cs:fontRef>
+    <cs:spPr>
+      <a:ln w="19050" cap="rnd">
+        <a:solidFill>
+          <a:schemeClr val="phClr"/>
+        </a:solidFill>
+        <a:prstDash val="sysDot"/>
+      </a:ln>
+    </cs:spPr>
+  </cs:trendline>
+  <cs:trendlineLabel>
+    <cs:lnRef idx="0"/>
+    <cs:fillRef idx="0"/>
+    <cs:effectRef idx="0"/>
+    <cs:fontRef idx="minor">
+      <a:schemeClr val="tx1">
+        <a:lumMod val="65000"/>
+        <a:lumOff val="35000"/>
+      </a:schemeClr>
+    </cs:fontRef>
+    <cs:defRPr sz="1197" kern="1200"/>
+  </cs:trendlineLabel>
+  <cs:upBar>
+    <cs:lnRef idx="0"/>
+    <cs:fillRef idx="0"/>
+    <cs:effectRef idx="0"/>
+    <cs:fontRef idx="minor">
+      <a:schemeClr val="tx1"/>
+    </cs:fontRef>
+    <cs:spPr>
+      <a:solidFill>
+        <a:schemeClr val="lt1"/>
+      </a:solidFill>
+      <a:ln w="9525" cap="flat" cmpd="sng" algn="ctr">
+        <a:solidFill>
+          <a:schemeClr val="tx1">
+            <a:lumMod val="65000"/>
+            <a:lumOff val="35000"/>
+          </a:schemeClr>
+        </a:solidFill>
+        <a:round/>
+      </a:ln>
+    </cs:spPr>
+  </cs:upBar>
+  <cs:valueAxis>
+    <cs:lnRef idx="0"/>
+    <cs:fillRef idx="0"/>
+    <cs:effectRef idx="0"/>
+    <cs:fontRef idx="minor">
+      <a:schemeClr val="tx1">
+        <a:lumMod val="65000"/>
+        <a:lumOff val="35000"/>
+      </a:schemeClr>
+    </cs:fontRef>
+    <cs:defRPr sz="1197" kern="1200"/>
+  </cs:valueAxis>
+  <cs:wall>
+    <cs:lnRef idx="0"/>
+    <cs:fillRef idx="0"/>
+    <cs:effectRef idx="0"/>
+    <cs:fontRef idx="minor">
+      <a:schemeClr val="tx1"/>
+    </cs:fontRef>
+    <cs:spPr>
+      <a:noFill/>
+      <a:ln>
+        <a:noFill/>
+      </a:ln>
+    </cs:spPr>
+  </cs:wall>
+</cs:chartStyle>
+</file>
+
 <file path=ppt/charts/style3.xml><?xml version="1.0" encoding="utf-8"?>
 <cs:chartStyle xmlns:cs="http://schemas.microsoft.com/office/drawing/2012/chartStyle" xmlns:a="http://schemas.openxmlformats.org/drawingml/2006/main" id="251">
   <cs:axisTitle>
@@ -21474,7 +24474,7 @@
           <a:p>
             <a:fld id="{413548A9-17B7-486F-BAE8-5C551821AB5E}" type="datetimeFigureOut">
               <a:rPr lang="ko-KR" altLang="en-US" smtClean="0"/>
-              <a:t>2020-07-24</a:t>
+              <a:t>2020-08-01</a:t>
             </a:fld>
             <a:endParaRPr lang="ko-KR" altLang="en-US"/>
           </a:p>
@@ -21879,7 +24879,7 @@
                   </a:prstClr>
                 </a:solidFill>
               </a:rPr>
-              <a:t>2020-07-24</a:t>
+              <a:t>2020-08-01</a:t>
             </a:fld>
             <a:endParaRPr lang="ko-KR" altLang="en-US">
               <a:solidFill>
@@ -22044,7 +25044,7 @@
                   </a:prstClr>
                 </a:solidFill>
               </a:rPr>
-              <a:t>2020-07-24</a:t>
+              <a:t>2020-08-01</a:t>
             </a:fld>
             <a:endParaRPr lang="ko-KR" altLang="en-US">
               <a:solidFill>
@@ -22219,7 +25219,7 @@
                   </a:prstClr>
                 </a:solidFill>
               </a:rPr>
-              <a:t>2020-07-24</a:t>
+              <a:t>2020-08-01</a:t>
             </a:fld>
             <a:endParaRPr lang="ko-KR" altLang="en-US">
               <a:solidFill>
@@ -22384,7 +25384,7 @@
                   </a:prstClr>
                 </a:solidFill>
               </a:rPr>
-              <a:t>2020-07-24</a:t>
+              <a:t>2020-08-01</a:t>
             </a:fld>
             <a:endParaRPr lang="ko-KR" altLang="en-US">
               <a:solidFill>
@@ -22625,7 +25625,7 @@
                   </a:prstClr>
                 </a:solidFill>
               </a:rPr>
-              <a:t>2020-07-24</a:t>
+              <a:t>2020-08-01</a:t>
             </a:fld>
             <a:endParaRPr lang="ko-KR" altLang="en-US">
               <a:solidFill>
@@ -22852,7 +25852,7 @@
                   </a:prstClr>
                 </a:solidFill>
               </a:rPr>
-              <a:t>2020-07-24</a:t>
+              <a:t>2020-08-01</a:t>
             </a:fld>
             <a:endParaRPr lang="ko-KR" altLang="en-US">
               <a:solidFill>
@@ -23214,7 +26214,7 @@
                   </a:prstClr>
                 </a:solidFill>
               </a:rPr>
-              <a:t>2020-07-24</a:t>
+              <a:t>2020-08-01</a:t>
             </a:fld>
             <a:endParaRPr lang="ko-KR" altLang="en-US">
               <a:solidFill>
@@ -23327,7 +26327,7 @@
                   </a:prstClr>
                 </a:solidFill>
               </a:rPr>
-              <a:t>2020-07-24</a:t>
+              <a:t>2020-08-01</a:t>
             </a:fld>
             <a:endParaRPr lang="ko-KR" altLang="en-US">
               <a:solidFill>
@@ -23417,7 +26417,7 @@
                   </a:prstClr>
                 </a:solidFill>
               </a:rPr>
-              <a:t>2020-07-24</a:t>
+              <a:t>2020-08-01</a:t>
             </a:fld>
             <a:endParaRPr lang="ko-KR" altLang="en-US">
               <a:solidFill>
@@ -23689,7 +26689,7 @@
                   </a:prstClr>
                 </a:solidFill>
               </a:rPr>
-              <a:t>2020-07-24</a:t>
+              <a:t>2020-08-01</a:t>
             </a:fld>
             <a:endParaRPr lang="ko-KR" altLang="en-US">
               <a:solidFill>
@@ -23937,7 +26937,7 @@
                   </a:prstClr>
                 </a:solidFill>
               </a:rPr>
-              <a:t>2020-07-24</a:t>
+              <a:t>2020-08-01</a:t>
             </a:fld>
             <a:endParaRPr lang="ko-KR" altLang="en-US">
               <a:solidFill>
@@ -24145,7 +27145,7 @@
                   </a:prstClr>
                 </a:solidFill>
               </a:rPr>
-              <a:t>2020-07-24</a:t>
+              <a:t>2020-08-01</a:t>
             </a:fld>
             <a:endParaRPr lang="ko-KR" altLang="en-US">
               <a:solidFill>
@@ -33896,17 +36896,7 @@
                   </a:srgbClr>
                 </a:solidFill>
               </a:rPr>
-              <a:t>(</a:t>
-            </a:r>
-            <a:r>
-              <a:rPr lang="en-US" altLang="ko-KR" sz="2400" b="1" dirty="0" smtClean="0">
-                <a:solidFill>
-                  <a:srgbClr val="44546A">
-                    <a:lumMod val="75000"/>
-                  </a:srgbClr>
-                </a:solidFill>
-              </a:rPr>
-              <a:t>PUBG) </a:t>
+              <a:t>(PUBG) </a:t>
             </a:r>
             <a:r>
               <a:rPr lang="ko-KR" altLang="en-US" sz="2400" b="1" dirty="0" smtClean="0">
@@ -34166,11 +37156,7 @@
                       <a:pPr algn="ctr" latinLnBrk="1"/>
                       <a:r>
                         <a:rPr lang="en-US" altLang="ko-KR" sz="1400" dirty="0" smtClean="0"/>
-                        <a:t>14.28 </a:t>
-                      </a:r>
-                      <a:r>
-                        <a:rPr lang="en-US" altLang="ko-KR" sz="1400" dirty="0" smtClean="0"/>
-                        <a:t>%</a:t>
+                        <a:t>14.28 %</a:t>
                       </a:r>
                     </a:p>
                   </a:txBody>
@@ -34186,7 +37172,6 @@
                         <a:rPr lang="en-US" altLang="ko-KR" sz="1400" dirty="0" smtClean="0"/>
                         <a:t>35.71 %</a:t>
                       </a:r>
-                      <a:endParaRPr lang="en-US" altLang="ko-KR" sz="1400" dirty="0" smtClean="0"/>
                     </a:p>
                   </a:txBody>
                   <a:tcPr anchor="ctr"/>
@@ -34201,7 +37186,6 @@
                         <a:rPr lang="en-US" altLang="ko-KR" sz="1400" dirty="0" smtClean="0"/>
                         <a:t>50 %</a:t>
                       </a:r>
-                      <a:endParaRPr lang="en-US" altLang="ko-KR" sz="1400" dirty="0" smtClean="0"/>
                     </a:p>
                   </a:txBody>
                   <a:tcPr anchor="ctr"/>
@@ -42008,17 +44992,7 @@
                   </a:srgbClr>
                 </a:solidFill>
               </a:rPr>
-              <a:t>연다</a:t>
-            </a:r>
-            <a:r>
-              <a:rPr lang="ko-KR" altLang="en-US" sz="2400" b="1" dirty="0" smtClean="0">
-                <a:solidFill>
-                  <a:srgbClr val="44546A">
-                    <a:lumMod val="75000"/>
-                  </a:srgbClr>
-                </a:solidFill>
-              </a:rPr>
-              <a:t> </a:t>
+              <a:t>연다 </a:t>
             </a:r>
             <a:r>
               <a:rPr lang="en-US" altLang="ko-KR" sz="2400" b="1" dirty="0" smtClean="0">
@@ -45783,6 +48757,2129 @@
     <p:extLst>
       <p:ext uri="{BB962C8B-B14F-4D97-AF65-F5344CB8AC3E}">
         <p14:creationId xmlns:p14="http://schemas.microsoft.com/office/powerpoint/2010/main" val="3808891726"/>
+      </p:ext>
+    </p:extLst>
+  </p:cSld>
+  <p:clrMapOvr>
+    <a:masterClrMapping/>
+  </p:clrMapOvr>
+  <p:timing>
+    <p:tnLst>
+      <p:par>
+        <p:cTn id="1" dur="indefinite" restart="never" nodeType="tmRoot"/>
+      </p:par>
+    </p:tnLst>
+  </p:timing>
+</p:sld>
+</file>
+
+<file path=ppt/slides/slide31.xml><?xml version="1.0" encoding="utf-8"?>
+<p:sld xmlns:a="http://schemas.openxmlformats.org/drawingml/2006/main" xmlns:r="http://schemas.openxmlformats.org/officeDocument/2006/relationships" xmlns:p="http://schemas.openxmlformats.org/presentationml/2006/main">
+  <p:cSld>
+    <p:spTree>
+      <p:nvGrpSpPr>
+        <p:cNvPr id="1" name=""/>
+        <p:cNvGrpSpPr/>
+        <p:nvPr/>
+      </p:nvGrpSpPr>
+      <p:grpSpPr>
+        <a:xfrm>
+          <a:off x="0" y="0"/>
+          <a:ext cx="0" cy="0"/>
+          <a:chOff x="0" y="0"/>
+          <a:chExt cx="0" cy="0"/>
+        </a:xfrm>
+      </p:grpSpPr>
+      <p:graphicFrame>
+        <p:nvGraphicFramePr>
+          <p:cNvPr id="7" name="차트 6"/>
+          <p:cNvGraphicFramePr/>
+          <p:nvPr>
+            <p:extLst>
+              <p:ext uri="{D42A27DB-BD31-4B8C-83A1-F6EECF244321}">
+                <p14:modId xmlns:p14="http://schemas.microsoft.com/office/powerpoint/2010/main" val="718132074"/>
+              </p:ext>
+            </p:extLst>
+          </p:nvPr>
+        </p:nvGraphicFramePr>
+        <p:xfrm>
+          <a:off x="432074" y="136710"/>
+          <a:ext cx="9317425" cy="6638173"/>
+        </p:xfrm>
+        <a:graphic>
+          <a:graphicData uri="http://schemas.openxmlformats.org/drawingml/2006/chart">
+            <c:chart xmlns:c="http://schemas.openxmlformats.org/drawingml/2006/chart" xmlns:r="http://schemas.openxmlformats.org/officeDocument/2006/relationships" r:id="rId2"/>
+          </a:graphicData>
+        </a:graphic>
+      </p:graphicFrame>
+      <p:grpSp>
+        <p:nvGrpSpPr>
+          <p:cNvPr id="9" name="그룹 8"/>
+          <p:cNvGrpSpPr/>
+          <p:nvPr/>
+        </p:nvGrpSpPr>
+        <p:grpSpPr>
+          <a:xfrm>
+            <a:off x="8816393" y="2513549"/>
+            <a:ext cx="1853319" cy="1710770"/>
+            <a:chOff x="10633166" y="804526"/>
+            <a:chExt cx="1392425" cy="1062253"/>
+          </a:xfrm>
+        </p:grpSpPr>
+        <p:sp>
+          <p:nvSpPr>
+            <p:cNvPr id="10" name="직사각형 9"/>
+            <p:cNvSpPr/>
+            <p:nvPr/>
+          </p:nvSpPr>
+          <p:spPr>
+            <a:xfrm>
+              <a:off x="10633166" y="824159"/>
+              <a:ext cx="365760" cy="226841"/>
+            </a:xfrm>
+            <a:prstGeom prst="rect">
+              <a:avLst/>
+            </a:prstGeom>
+            <a:ln>
+              <a:noFill/>
+            </a:ln>
+          </p:spPr>
+          <p:style>
+            <a:lnRef idx="2">
+              <a:schemeClr val="accent1">
+                <a:shade val="50000"/>
+              </a:schemeClr>
+            </a:lnRef>
+            <a:fillRef idx="1">
+              <a:schemeClr val="accent1"/>
+            </a:fillRef>
+            <a:effectRef idx="0">
+              <a:schemeClr val="accent1"/>
+            </a:effectRef>
+            <a:fontRef idx="minor">
+              <a:schemeClr val="lt1"/>
+            </a:fontRef>
+          </p:style>
+          <p:txBody>
+            <a:bodyPr rtlCol="0" anchor="ctr"/>
+            <a:lstStyle/>
+            <a:p>
+              <a:pPr algn="ctr"/>
+              <a:endParaRPr lang="ko-KR" altLang="en-US" sz="3600">
+                <a:solidFill>
+                  <a:schemeClr val="accent1"/>
+                </a:solidFill>
+              </a:endParaRPr>
+            </a:p>
+          </p:txBody>
+        </p:sp>
+        <p:sp>
+          <p:nvSpPr>
+            <p:cNvPr id="11" name="직사각형 10"/>
+            <p:cNvSpPr/>
+            <p:nvPr/>
+          </p:nvSpPr>
+          <p:spPr>
+            <a:xfrm>
+              <a:off x="10633166" y="1093725"/>
+              <a:ext cx="365760" cy="226841"/>
+            </a:xfrm>
+            <a:prstGeom prst="rect">
+              <a:avLst/>
+            </a:prstGeom>
+            <a:solidFill>
+              <a:srgbClr val="C00000"/>
+            </a:solidFill>
+            <a:ln>
+              <a:noFill/>
+            </a:ln>
+          </p:spPr>
+          <p:style>
+            <a:lnRef idx="2">
+              <a:schemeClr val="accent1">
+                <a:shade val="50000"/>
+              </a:schemeClr>
+            </a:lnRef>
+            <a:fillRef idx="1">
+              <a:schemeClr val="accent1"/>
+            </a:fillRef>
+            <a:effectRef idx="0">
+              <a:schemeClr val="accent1"/>
+            </a:effectRef>
+            <a:fontRef idx="minor">
+              <a:schemeClr val="lt1"/>
+            </a:fontRef>
+          </p:style>
+          <p:txBody>
+            <a:bodyPr rtlCol="0" anchor="ctr"/>
+            <a:lstStyle/>
+            <a:p>
+              <a:pPr algn="ctr"/>
+              <a:endParaRPr lang="ko-KR" altLang="en-US" sz="3600">
+                <a:solidFill>
+                  <a:schemeClr val="accent1"/>
+                </a:solidFill>
+              </a:endParaRPr>
+            </a:p>
+          </p:txBody>
+        </p:sp>
+        <p:sp>
+          <p:nvSpPr>
+            <p:cNvPr id="12" name="직사각형 11"/>
+            <p:cNvSpPr/>
+            <p:nvPr/>
+          </p:nvSpPr>
+          <p:spPr>
+            <a:xfrm>
+              <a:off x="10633166" y="1363291"/>
+              <a:ext cx="365760" cy="226841"/>
+            </a:xfrm>
+            <a:prstGeom prst="rect">
+              <a:avLst/>
+            </a:prstGeom>
+            <a:solidFill>
+              <a:srgbClr val="00B050"/>
+            </a:solidFill>
+            <a:ln>
+              <a:noFill/>
+            </a:ln>
+          </p:spPr>
+          <p:style>
+            <a:lnRef idx="2">
+              <a:schemeClr val="accent1">
+                <a:shade val="50000"/>
+              </a:schemeClr>
+            </a:lnRef>
+            <a:fillRef idx="1">
+              <a:schemeClr val="accent1"/>
+            </a:fillRef>
+            <a:effectRef idx="0">
+              <a:schemeClr val="accent1"/>
+            </a:effectRef>
+            <a:fontRef idx="minor">
+              <a:schemeClr val="lt1"/>
+            </a:fontRef>
+          </p:style>
+          <p:txBody>
+            <a:bodyPr rtlCol="0" anchor="ctr"/>
+            <a:lstStyle/>
+            <a:p>
+              <a:pPr algn="ctr"/>
+              <a:endParaRPr lang="ko-KR" altLang="en-US" sz="3600">
+                <a:solidFill>
+                  <a:schemeClr val="accent1"/>
+                </a:solidFill>
+              </a:endParaRPr>
+            </a:p>
+          </p:txBody>
+        </p:sp>
+        <p:sp>
+          <p:nvSpPr>
+            <p:cNvPr id="13" name="직사각형 12"/>
+            <p:cNvSpPr/>
+            <p:nvPr/>
+          </p:nvSpPr>
+          <p:spPr>
+            <a:xfrm>
+              <a:off x="10633166" y="1632857"/>
+              <a:ext cx="365760" cy="226841"/>
+            </a:xfrm>
+            <a:prstGeom prst="rect">
+              <a:avLst/>
+            </a:prstGeom>
+            <a:solidFill>
+              <a:srgbClr val="FFC000"/>
+            </a:solidFill>
+            <a:ln>
+              <a:noFill/>
+            </a:ln>
+          </p:spPr>
+          <p:style>
+            <a:lnRef idx="2">
+              <a:schemeClr val="accent1">
+                <a:shade val="50000"/>
+              </a:schemeClr>
+            </a:lnRef>
+            <a:fillRef idx="1">
+              <a:schemeClr val="accent1"/>
+            </a:fillRef>
+            <a:effectRef idx="0">
+              <a:schemeClr val="accent1"/>
+            </a:effectRef>
+            <a:fontRef idx="minor">
+              <a:schemeClr val="lt1"/>
+            </a:fontRef>
+          </p:style>
+          <p:txBody>
+            <a:bodyPr rtlCol="0" anchor="ctr"/>
+            <a:lstStyle/>
+            <a:p>
+              <a:pPr algn="ctr"/>
+              <a:endParaRPr lang="ko-KR" altLang="en-US" sz="3600">
+                <a:solidFill>
+                  <a:schemeClr val="accent1"/>
+                </a:solidFill>
+              </a:endParaRPr>
+            </a:p>
+          </p:txBody>
+        </p:sp>
+        <p:sp>
+          <p:nvSpPr>
+            <p:cNvPr id="14" name="TextBox 13"/>
+            <p:cNvSpPr txBox="1"/>
+            <p:nvPr/>
+          </p:nvSpPr>
+          <p:spPr>
+            <a:xfrm>
+              <a:off x="11011987" y="804526"/>
+              <a:ext cx="849086" cy="248437"/>
+            </a:xfrm>
+            <a:prstGeom prst="rect">
+              <a:avLst/>
+            </a:prstGeom>
+            <a:noFill/>
+          </p:spPr>
+          <p:txBody>
+            <a:bodyPr wrap="square" rtlCol="0">
+              <a:spAutoFit/>
+            </a:bodyPr>
+            <a:lstStyle/>
+            <a:p>
+              <a:r>
+                <a:rPr lang="en-US" altLang="ko-KR" sz="2000" dirty="0" smtClean="0"/>
+                <a:t>Novice</a:t>
+              </a:r>
+              <a:endParaRPr lang="ko-KR" altLang="en-US" sz="2000" dirty="0"/>
+            </a:p>
+          </p:txBody>
+        </p:sp>
+        <p:sp>
+          <p:nvSpPr>
+            <p:cNvPr id="15" name="TextBox 14"/>
+            <p:cNvSpPr txBox="1"/>
+            <p:nvPr/>
+          </p:nvSpPr>
+          <p:spPr>
+            <a:xfrm>
+              <a:off x="11011987" y="1071986"/>
+              <a:ext cx="1013604" cy="248437"/>
+            </a:xfrm>
+            <a:prstGeom prst="rect">
+              <a:avLst/>
+            </a:prstGeom>
+            <a:noFill/>
+          </p:spPr>
+          <p:txBody>
+            <a:bodyPr wrap="square" rtlCol="0">
+              <a:spAutoFit/>
+            </a:bodyPr>
+            <a:lstStyle/>
+            <a:p>
+              <a:r>
+                <a:rPr lang="en-US" altLang="ko-KR" sz="2000" dirty="0" smtClean="0"/>
+                <a:t>Slapstick</a:t>
+              </a:r>
+              <a:endParaRPr lang="ko-KR" altLang="en-US" sz="2000" dirty="0"/>
+            </a:p>
+          </p:txBody>
+        </p:sp>
+        <p:sp>
+          <p:nvSpPr>
+            <p:cNvPr id="16" name="TextBox 15"/>
+            <p:cNvSpPr txBox="1"/>
+            <p:nvPr/>
+          </p:nvSpPr>
+          <p:spPr>
+            <a:xfrm>
+              <a:off x="11011987" y="1337154"/>
+              <a:ext cx="849086" cy="248437"/>
+            </a:xfrm>
+            <a:prstGeom prst="rect">
+              <a:avLst/>
+            </a:prstGeom>
+            <a:noFill/>
+          </p:spPr>
+          <p:txBody>
+            <a:bodyPr wrap="square" rtlCol="0">
+              <a:spAutoFit/>
+            </a:bodyPr>
+            <a:lstStyle/>
+            <a:p>
+              <a:r>
+                <a:rPr lang="en-US" altLang="ko-KR" sz="2000" dirty="0" smtClean="0"/>
+                <a:t>Expert</a:t>
+              </a:r>
+              <a:endParaRPr lang="ko-KR" altLang="en-US" sz="2000" dirty="0"/>
+            </a:p>
+          </p:txBody>
+        </p:sp>
+        <p:sp>
+          <p:nvSpPr>
+            <p:cNvPr id="17" name="TextBox 16"/>
+            <p:cNvSpPr txBox="1"/>
+            <p:nvPr/>
+          </p:nvSpPr>
+          <p:spPr>
+            <a:xfrm>
+              <a:off x="11011987" y="1618342"/>
+              <a:ext cx="849086" cy="248437"/>
+            </a:xfrm>
+            <a:prstGeom prst="rect">
+              <a:avLst/>
+            </a:prstGeom>
+            <a:noFill/>
+          </p:spPr>
+          <p:txBody>
+            <a:bodyPr wrap="square" rtlCol="0">
+              <a:spAutoFit/>
+            </a:bodyPr>
+            <a:lstStyle/>
+            <a:p>
+              <a:r>
+                <a:rPr lang="en-US" altLang="ko-KR" sz="2000" dirty="0" smtClean="0"/>
+                <a:t>Circus</a:t>
+              </a:r>
+              <a:endParaRPr lang="ko-KR" altLang="en-US" sz="2000" dirty="0"/>
+            </a:p>
+          </p:txBody>
+        </p:sp>
+      </p:grpSp>
+      <p:sp>
+        <p:nvSpPr>
+          <p:cNvPr id="18" name="TextBox 17"/>
+          <p:cNvSpPr txBox="1"/>
+          <p:nvPr/>
+        </p:nvSpPr>
+        <p:spPr>
+          <a:xfrm>
+            <a:off x="4986663" y="493296"/>
+            <a:ext cx="723246" cy="856543"/>
+          </a:xfrm>
+          <a:prstGeom prst="rect">
+            <a:avLst/>
+          </a:prstGeom>
+          <a:noFill/>
+        </p:spPr>
+        <p:txBody>
+          <a:bodyPr wrap="square" rtlCol="0">
+            <a:spAutoFit/>
+          </a:bodyPr>
+          <a:lstStyle/>
+          <a:p>
+            <a:pPr algn="ctr"/>
+            <a:r>
+              <a:rPr lang="en-US" altLang="ko-KR" sz="4000" b="1" dirty="0" smtClean="0"/>
+              <a:t>3</a:t>
+            </a:r>
+            <a:endParaRPr lang="ko-KR" altLang="en-US" sz="4000" b="1" dirty="0"/>
+          </a:p>
+        </p:txBody>
+      </p:sp>
+      <p:sp>
+        <p:nvSpPr>
+          <p:cNvPr id="19" name="TextBox 18"/>
+          <p:cNvSpPr txBox="1"/>
+          <p:nvPr/>
+        </p:nvSpPr>
+        <p:spPr>
+          <a:xfrm>
+            <a:off x="6295284" y="1611828"/>
+            <a:ext cx="951475" cy="856543"/>
+          </a:xfrm>
+          <a:prstGeom prst="rect">
+            <a:avLst/>
+          </a:prstGeom>
+          <a:noFill/>
+        </p:spPr>
+        <p:txBody>
+          <a:bodyPr wrap="square" rtlCol="0">
+            <a:spAutoFit/>
+          </a:bodyPr>
+          <a:lstStyle/>
+          <a:p>
+            <a:pPr algn="ctr"/>
+            <a:r>
+              <a:rPr lang="en-US" altLang="ko-KR" sz="4000" b="1" dirty="0" smtClean="0"/>
+              <a:t>21</a:t>
+            </a:r>
+            <a:endParaRPr lang="ko-KR" altLang="en-US" sz="4000" b="1" dirty="0"/>
+          </a:p>
+        </p:txBody>
+      </p:sp>
+      <p:sp>
+        <p:nvSpPr>
+          <p:cNvPr id="20" name="TextBox 19"/>
+          <p:cNvSpPr txBox="1"/>
+          <p:nvPr/>
+        </p:nvSpPr>
+        <p:spPr>
+          <a:xfrm>
+            <a:off x="5162140" y="4953566"/>
+            <a:ext cx="1133144" cy="856543"/>
+          </a:xfrm>
+          <a:prstGeom prst="rect">
+            <a:avLst/>
+          </a:prstGeom>
+          <a:noFill/>
+        </p:spPr>
+        <p:txBody>
+          <a:bodyPr wrap="square" rtlCol="0">
+            <a:spAutoFit/>
+          </a:bodyPr>
+          <a:lstStyle/>
+          <a:p>
+            <a:pPr algn="ctr"/>
+            <a:r>
+              <a:rPr lang="en-US" altLang="ko-KR" sz="4000" b="1" dirty="0" smtClean="0"/>
+              <a:t>40</a:t>
+            </a:r>
+            <a:endParaRPr lang="ko-KR" altLang="en-US" sz="4000" b="1" dirty="0"/>
+          </a:p>
+        </p:txBody>
+      </p:sp>
+      <p:sp>
+        <p:nvSpPr>
+          <p:cNvPr id="21" name="TextBox 20"/>
+          <p:cNvSpPr txBox="1"/>
+          <p:nvPr/>
+        </p:nvSpPr>
+        <p:spPr>
+          <a:xfrm>
+            <a:off x="2881010" y="2015216"/>
+            <a:ext cx="1103763" cy="856543"/>
+          </a:xfrm>
+          <a:prstGeom prst="rect">
+            <a:avLst/>
+          </a:prstGeom>
+          <a:noFill/>
+        </p:spPr>
+        <p:txBody>
+          <a:bodyPr wrap="square" rtlCol="0">
+            <a:spAutoFit/>
+          </a:bodyPr>
+          <a:lstStyle/>
+          <a:p>
+            <a:pPr algn="ctr"/>
+            <a:r>
+              <a:rPr lang="en-US" altLang="ko-KR" sz="4000" b="1" dirty="0" smtClean="0"/>
+              <a:t>33</a:t>
+            </a:r>
+            <a:endParaRPr lang="ko-KR" altLang="en-US" sz="4000" b="1" dirty="0"/>
+          </a:p>
+        </p:txBody>
+      </p:sp>
+    </p:spTree>
+    <p:extLst>
+      <p:ext uri="{BB962C8B-B14F-4D97-AF65-F5344CB8AC3E}">
+        <p14:creationId xmlns:p14="http://schemas.microsoft.com/office/powerpoint/2010/main" val="2661540336"/>
+      </p:ext>
+    </p:extLst>
+  </p:cSld>
+  <p:clrMapOvr>
+    <a:masterClrMapping/>
+  </p:clrMapOvr>
+</p:sld>
+</file>
+
+<file path=ppt/slides/slide32.xml><?xml version="1.0" encoding="utf-8"?>
+<p:sld xmlns:a="http://schemas.openxmlformats.org/drawingml/2006/main" xmlns:r="http://schemas.openxmlformats.org/officeDocument/2006/relationships" xmlns:p="http://schemas.openxmlformats.org/presentationml/2006/main">
+  <p:cSld>
+    <p:spTree>
+      <p:nvGrpSpPr>
+        <p:cNvPr id="1" name=""/>
+        <p:cNvGrpSpPr/>
+        <p:nvPr/>
+      </p:nvGrpSpPr>
+      <p:grpSpPr>
+        <a:xfrm>
+          <a:off x="0" y="0"/>
+          <a:ext cx="0" cy="0"/>
+          <a:chOff x="0" y="0"/>
+          <a:chExt cx="0" cy="0"/>
+        </a:xfrm>
+      </p:grpSpPr>
+      <p:grpSp>
+        <p:nvGrpSpPr>
+          <p:cNvPr id="9" name="그룹 8"/>
+          <p:cNvGrpSpPr/>
+          <p:nvPr/>
+        </p:nvGrpSpPr>
+        <p:grpSpPr>
+          <a:xfrm>
+            <a:off x="8816393" y="2513549"/>
+            <a:ext cx="1853319" cy="1710770"/>
+            <a:chOff x="10633166" y="804526"/>
+            <a:chExt cx="1392425" cy="1062253"/>
+          </a:xfrm>
+        </p:grpSpPr>
+        <p:sp>
+          <p:nvSpPr>
+            <p:cNvPr id="10" name="직사각형 9"/>
+            <p:cNvSpPr/>
+            <p:nvPr/>
+          </p:nvSpPr>
+          <p:spPr>
+            <a:xfrm>
+              <a:off x="10633166" y="824159"/>
+              <a:ext cx="365760" cy="226841"/>
+            </a:xfrm>
+            <a:prstGeom prst="rect">
+              <a:avLst/>
+            </a:prstGeom>
+            <a:ln>
+              <a:noFill/>
+            </a:ln>
+          </p:spPr>
+          <p:style>
+            <a:lnRef idx="2">
+              <a:schemeClr val="accent1">
+                <a:shade val="50000"/>
+              </a:schemeClr>
+            </a:lnRef>
+            <a:fillRef idx="1">
+              <a:schemeClr val="accent1"/>
+            </a:fillRef>
+            <a:effectRef idx="0">
+              <a:schemeClr val="accent1"/>
+            </a:effectRef>
+            <a:fontRef idx="minor">
+              <a:schemeClr val="lt1"/>
+            </a:fontRef>
+          </p:style>
+          <p:txBody>
+            <a:bodyPr rtlCol="0" anchor="ctr"/>
+            <a:lstStyle/>
+            <a:p>
+              <a:pPr algn="ctr"/>
+              <a:endParaRPr lang="ko-KR" altLang="en-US" sz="3600">
+                <a:solidFill>
+                  <a:schemeClr val="accent1"/>
+                </a:solidFill>
+              </a:endParaRPr>
+            </a:p>
+          </p:txBody>
+        </p:sp>
+        <p:sp>
+          <p:nvSpPr>
+            <p:cNvPr id="11" name="직사각형 10"/>
+            <p:cNvSpPr/>
+            <p:nvPr/>
+          </p:nvSpPr>
+          <p:spPr>
+            <a:xfrm>
+              <a:off x="10633166" y="1093725"/>
+              <a:ext cx="365760" cy="226841"/>
+            </a:xfrm>
+            <a:prstGeom prst="rect">
+              <a:avLst/>
+            </a:prstGeom>
+            <a:solidFill>
+              <a:srgbClr val="C00000"/>
+            </a:solidFill>
+            <a:ln>
+              <a:noFill/>
+            </a:ln>
+          </p:spPr>
+          <p:style>
+            <a:lnRef idx="2">
+              <a:schemeClr val="accent1">
+                <a:shade val="50000"/>
+              </a:schemeClr>
+            </a:lnRef>
+            <a:fillRef idx="1">
+              <a:schemeClr val="accent1"/>
+            </a:fillRef>
+            <a:effectRef idx="0">
+              <a:schemeClr val="accent1"/>
+            </a:effectRef>
+            <a:fontRef idx="minor">
+              <a:schemeClr val="lt1"/>
+            </a:fontRef>
+          </p:style>
+          <p:txBody>
+            <a:bodyPr rtlCol="0" anchor="ctr"/>
+            <a:lstStyle/>
+            <a:p>
+              <a:pPr algn="ctr"/>
+              <a:endParaRPr lang="ko-KR" altLang="en-US" sz="3600">
+                <a:solidFill>
+                  <a:schemeClr val="accent1"/>
+                </a:solidFill>
+              </a:endParaRPr>
+            </a:p>
+          </p:txBody>
+        </p:sp>
+        <p:sp>
+          <p:nvSpPr>
+            <p:cNvPr id="12" name="직사각형 11"/>
+            <p:cNvSpPr/>
+            <p:nvPr/>
+          </p:nvSpPr>
+          <p:spPr>
+            <a:xfrm>
+              <a:off x="10633166" y="1363291"/>
+              <a:ext cx="365760" cy="226841"/>
+            </a:xfrm>
+            <a:prstGeom prst="rect">
+              <a:avLst/>
+            </a:prstGeom>
+            <a:solidFill>
+              <a:srgbClr val="00B050"/>
+            </a:solidFill>
+            <a:ln>
+              <a:noFill/>
+            </a:ln>
+          </p:spPr>
+          <p:style>
+            <a:lnRef idx="2">
+              <a:schemeClr val="accent1">
+                <a:shade val="50000"/>
+              </a:schemeClr>
+            </a:lnRef>
+            <a:fillRef idx="1">
+              <a:schemeClr val="accent1"/>
+            </a:fillRef>
+            <a:effectRef idx="0">
+              <a:schemeClr val="accent1"/>
+            </a:effectRef>
+            <a:fontRef idx="minor">
+              <a:schemeClr val="lt1"/>
+            </a:fontRef>
+          </p:style>
+          <p:txBody>
+            <a:bodyPr rtlCol="0" anchor="ctr"/>
+            <a:lstStyle/>
+            <a:p>
+              <a:pPr algn="ctr"/>
+              <a:endParaRPr lang="ko-KR" altLang="en-US" sz="3600">
+                <a:solidFill>
+                  <a:schemeClr val="accent1"/>
+                </a:solidFill>
+              </a:endParaRPr>
+            </a:p>
+          </p:txBody>
+        </p:sp>
+        <p:sp>
+          <p:nvSpPr>
+            <p:cNvPr id="13" name="직사각형 12"/>
+            <p:cNvSpPr/>
+            <p:nvPr/>
+          </p:nvSpPr>
+          <p:spPr>
+            <a:xfrm>
+              <a:off x="10633166" y="1632857"/>
+              <a:ext cx="365760" cy="226841"/>
+            </a:xfrm>
+            <a:prstGeom prst="rect">
+              <a:avLst/>
+            </a:prstGeom>
+            <a:solidFill>
+              <a:srgbClr val="FFC000"/>
+            </a:solidFill>
+            <a:ln>
+              <a:noFill/>
+            </a:ln>
+          </p:spPr>
+          <p:style>
+            <a:lnRef idx="2">
+              <a:schemeClr val="accent1">
+                <a:shade val="50000"/>
+              </a:schemeClr>
+            </a:lnRef>
+            <a:fillRef idx="1">
+              <a:schemeClr val="accent1"/>
+            </a:fillRef>
+            <a:effectRef idx="0">
+              <a:schemeClr val="accent1"/>
+            </a:effectRef>
+            <a:fontRef idx="minor">
+              <a:schemeClr val="lt1"/>
+            </a:fontRef>
+          </p:style>
+          <p:txBody>
+            <a:bodyPr rtlCol="0" anchor="ctr"/>
+            <a:lstStyle/>
+            <a:p>
+              <a:pPr algn="ctr"/>
+              <a:endParaRPr lang="ko-KR" altLang="en-US" sz="3600">
+                <a:solidFill>
+                  <a:schemeClr val="accent1"/>
+                </a:solidFill>
+              </a:endParaRPr>
+            </a:p>
+          </p:txBody>
+        </p:sp>
+        <p:sp>
+          <p:nvSpPr>
+            <p:cNvPr id="14" name="TextBox 13"/>
+            <p:cNvSpPr txBox="1"/>
+            <p:nvPr/>
+          </p:nvSpPr>
+          <p:spPr>
+            <a:xfrm>
+              <a:off x="11011987" y="804526"/>
+              <a:ext cx="849086" cy="248437"/>
+            </a:xfrm>
+            <a:prstGeom prst="rect">
+              <a:avLst/>
+            </a:prstGeom>
+            <a:noFill/>
+          </p:spPr>
+          <p:txBody>
+            <a:bodyPr wrap="square" rtlCol="0">
+              <a:spAutoFit/>
+            </a:bodyPr>
+            <a:lstStyle/>
+            <a:p>
+              <a:r>
+                <a:rPr lang="en-US" altLang="ko-KR" sz="2000" dirty="0" smtClean="0"/>
+                <a:t>Novice</a:t>
+              </a:r>
+              <a:endParaRPr lang="ko-KR" altLang="en-US" sz="2000" dirty="0"/>
+            </a:p>
+          </p:txBody>
+        </p:sp>
+        <p:sp>
+          <p:nvSpPr>
+            <p:cNvPr id="15" name="TextBox 14"/>
+            <p:cNvSpPr txBox="1"/>
+            <p:nvPr/>
+          </p:nvSpPr>
+          <p:spPr>
+            <a:xfrm>
+              <a:off x="11011987" y="1071986"/>
+              <a:ext cx="1013604" cy="248437"/>
+            </a:xfrm>
+            <a:prstGeom prst="rect">
+              <a:avLst/>
+            </a:prstGeom>
+            <a:noFill/>
+          </p:spPr>
+          <p:txBody>
+            <a:bodyPr wrap="square" rtlCol="0">
+              <a:spAutoFit/>
+            </a:bodyPr>
+            <a:lstStyle/>
+            <a:p>
+              <a:r>
+                <a:rPr lang="en-US" altLang="ko-KR" sz="2000" dirty="0" smtClean="0"/>
+                <a:t>Slapstick</a:t>
+              </a:r>
+              <a:endParaRPr lang="ko-KR" altLang="en-US" sz="2000" dirty="0"/>
+            </a:p>
+          </p:txBody>
+        </p:sp>
+        <p:sp>
+          <p:nvSpPr>
+            <p:cNvPr id="16" name="TextBox 15"/>
+            <p:cNvSpPr txBox="1"/>
+            <p:nvPr/>
+          </p:nvSpPr>
+          <p:spPr>
+            <a:xfrm>
+              <a:off x="11011987" y="1337154"/>
+              <a:ext cx="849086" cy="248437"/>
+            </a:xfrm>
+            <a:prstGeom prst="rect">
+              <a:avLst/>
+            </a:prstGeom>
+            <a:noFill/>
+          </p:spPr>
+          <p:txBody>
+            <a:bodyPr wrap="square" rtlCol="0">
+              <a:spAutoFit/>
+            </a:bodyPr>
+            <a:lstStyle/>
+            <a:p>
+              <a:r>
+                <a:rPr lang="en-US" altLang="ko-KR" sz="2000" dirty="0" smtClean="0"/>
+                <a:t>Expert</a:t>
+              </a:r>
+              <a:endParaRPr lang="ko-KR" altLang="en-US" sz="2000" dirty="0"/>
+            </a:p>
+          </p:txBody>
+        </p:sp>
+        <p:sp>
+          <p:nvSpPr>
+            <p:cNvPr id="17" name="TextBox 16"/>
+            <p:cNvSpPr txBox="1"/>
+            <p:nvPr/>
+          </p:nvSpPr>
+          <p:spPr>
+            <a:xfrm>
+              <a:off x="11011987" y="1618342"/>
+              <a:ext cx="849086" cy="248437"/>
+            </a:xfrm>
+            <a:prstGeom prst="rect">
+              <a:avLst/>
+            </a:prstGeom>
+            <a:noFill/>
+          </p:spPr>
+          <p:txBody>
+            <a:bodyPr wrap="square" rtlCol="0">
+              <a:spAutoFit/>
+            </a:bodyPr>
+            <a:lstStyle/>
+            <a:p>
+              <a:r>
+                <a:rPr lang="en-US" altLang="ko-KR" sz="2000" dirty="0" smtClean="0"/>
+                <a:t>Circus</a:t>
+              </a:r>
+              <a:endParaRPr lang="ko-KR" altLang="en-US" sz="2000" dirty="0"/>
+            </a:p>
+          </p:txBody>
+        </p:sp>
+      </p:grpSp>
+      <p:graphicFrame>
+        <p:nvGraphicFramePr>
+          <p:cNvPr id="22" name="차트 21"/>
+          <p:cNvGraphicFramePr/>
+          <p:nvPr>
+            <p:extLst>
+              <p:ext uri="{D42A27DB-BD31-4B8C-83A1-F6EECF244321}">
+                <p14:modId xmlns:p14="http://schemas.microsoft.com/office/powerpoint/2010/main" val="4018035336"/>
+              </p:ext>
+            </p:extLst>
+          </p:nvPr>
+        </p:nvGraphicFramePr>
+        <p:xfrm>
+          <a:off x="414176" y="94359"/>
+          <a:ext cx="9317425" cy="6638173"/>
+        </p:xfrm>
+        <a:graphic>
+          <a:graphicData uri="http://schemas.openxmlformats.org/drawingml/2006/chart">
+            <c:chart xmlns:c="http://schemas.openxmlformats.org/drawingml/2006/chart" xmlns:r="http://schemas.openxmlformats.org/officeDocument/2006/relationships" r:id="rId2"/>
+          </a:graphicData>
+        </a:graphic>
+      </p:graphicFrame>
+      <p:sp>
+        <p:nvSpPr>
+          <p:cNvPr id="23" name="TextBox 22"/>
+          <p:cNvSpPr txBox="1"/>
+          <p:nvPr/>
+        </p:nvSpPr>
+        <p:spPr>
+          <a:xfrm>
+            <a:off x="5840622" y="1363207"/>
+            <a:ext cx="1252479" cy="707886"/>
+          </a:xfrm>
+          <a:prstGeom prst="rect">
+            <a:avLst/>
+          </a:prstGeom>
+          <a:noFill/>
+        </p:spPr>
+        <p:txBody>
+          <a:bodyPr wrap="square" rtlCol="0">
+            <a:spAutoFit/>
+          </a:bodyPr>
+          <a:lstStyle/>
+          <a:p>
+            <a:pPr algn="ctr"/>
+            <a:r>
+              <a:rPr lang="en-US" altLang="ko-KR" sz="4000" b="1" dirty="0" smtClean="0"/>
+              <a:t>29%</a:t>
+            </a:r>
+          </a:p>
+        </p:txBody>
+      </p:sp>
+      <p:sp>
+        <p:nvSpPr>
+          <p:cNvPr id="24" name="TextBox 23"/>
+          <p:cNvSpPr txBox="1"/>
+          <p:nvPr/>
+        </p:nvSpPr>
+        <p:spPr>
+          <a:xfrm>
+            <a:off x="3102719" y="1363207"/>
+            <a:ext cx="1232284" cy="707886"/>
+          </a:xfrm>
+          <a:prstGeom prst="rect">
+            <a:avLst/>
+          </a:prstGeom>
+          <a:noFill/>
+        </p:spPr>
+        <p:txBody>
+          <a:bodyPr wrap="square" rtlCol="0">
+            <a:spAutoFit/>
+          </a:bodyPr>
+          <a:lstStyle/>
+          <a:p>
+            <a:pPr algn="ctr"/>
+            <a:r>
+              <a:rPr lang="en-US" altLang="ko-KR" sz="4000" b="1" dirty="0" smtClean="0"/>
+              <a:t>31%</a:t>
+            </a:r>
+          </a:p>
+        </p:txBody>
+      </p:sp>
+      <p:sp>
+        <p:nvSpPr>
+          <p:cNvPr id="25" name="TextBox 24"/>
+          <p:cNvSpPr txBox="1"/>
+          <p:nvPr/>
+        </p:nvSpPr>
+        <p:spPr>
+          <a:xfrm>
+            <a:off x="6152531" y="4047869"/>
+            <a:ext cx="1339323" cy="707886"/>
+          </a:xfrm>
+          <a:prstGeom prst="rect">
+            <a:avLst/>
+          </a:prstGeom>
+          <a:noFill/>
+        </p:spPr>
+        <p:txBody>
+          <a:bodyPr wrap="square" rtlCol="0">
+            <a:spAutoFit/>
+          </a:bodyPr>
+          <a:lstStyle/>
+          <a:p>
+            <a:pPr algn="ctr"/>
+            <a:r>
+              <a:rPr lang="en-US" altLang="ko-KR" sz="4000" b="1" dirty="0" smtClean="0"/>
+              <a:t>36%</a:t>
+            </a:r>
+          </a:p>
+        </p:txBody>
+      </p:sp>
+      <p:sp>
+        <p:nvSpPr>
+          <p:cNvPr id="26" name="TextBox 25"/>
+          <p:cNvSpPr txBox="1"/>
+          <p:nvPr/>
+        </p:nvSpPr>
+        <p:spPr>
+          <a:xfrm>
+            <a:off x="2962210" y="4431610"/>
+            <a:ext cx="1372793" cy="707886"/>
+          </a:xfrm>
+          <a:prstGeom prst="rect">
+            <a:avLst/>
+          </a:prstGeom>
+          <a:noFill/>
+        </p:spPr>
+        <p:txBody>
+          <a:bodyPr wrap="square" rtlCol="0">
+            <a:spAutoFit/>
+          </a:bodyPr>
+          <a:lstStyle/>
+          <a:p>
+            <a:pPr algn="ctr"/>
+            <a:r>
+              <a:rPr lang="en-US" altLang="ko-KR" sz="4000" b="1" dirty="0" smtClean="0"/>
+              <a:t>42%</a:t>
+            </a:r>
+          </a:p>
+        </p:txBody>
+      </p:sp>
+    </p:spTree>
+    <p:extLst>
+      <p:ext uri="{BB962C8B-B14F-4D97-AF65-F5344CB8AC3E}">
+        <p14:creationId xmlns:p14="http://schemas.microsoft.com/office/powerpoint/2010/main" val="4108697116"/>
+      </p:ext>
+    </p:extLst>
+  </p:cSld>
+  <p:clrMapOvr>
+    <a:masterClrMapping/>
+  </p:clrMapOvr>
+</p:sld>
+</file>
+
+<file path=ppt/slides/slide33.xml><?xml version="1.0" encoding="utf-8"?>
+<p:sld xmlns:a="http://schemas.openxmlformats.org/drawingml/2006/main" xmlns:r="http://schemas.openxmlformats.org/officeDocument/2006/relationships" xmlns:p="http://schemas.openxmlformats.org/presentationml/2006/main">
+  <p:cSld>
+    <p:spTree>
+      <p:nvGrpSpPr>
+        <p:cNvPr id="1" name=""/>
+        <p:cNvGrpSpPr/>
+        <p:nvPr/>
+      </p:nvGrpSpPr>
+      <p:grpSpPr>
+        <a:xfrm>
+          <a:off x="0" y="0"/>
+          <a:ext cx="0" cy="0"/>
+          <a:chOff x="0" y="0"/>
+          <a:chExt cx="0" cy="0"/>
+        </a:xfrm>
+      </p:grpSpPr>
+      <p:sp>
+        <p:nvSpPr>
+          <p:cNvPr id="2" name="직사각형 1"/>
+          <p:cNvSpPr/>
+          <p:nvPr/>
+        </p:nvSpPr>
+        <p:spPr>
+          <a:xfrm>
+            <a:off x="3048000" y="2828836"/>
+            <a:ext cx="6096000" cy="1477328"/>
+          </a:xfrm>
+          <a:prstGeom prst="rect">
+            <a:avLst/>
+          </a:prstGeom>
+        </p:spPr>
+        <p:txBody>
+          <a:bodyPr>
+            <a:spAutoFit/>
+          </a:bodyPr>
+          <a:lstStyle/>
+          <a:p>
+            <a:r>
+              <a:rPr lang="ko-KR" altLang="en-US" dirty="0" smtClean="0"/>
+              <a:t>총 조회수</a:t>
+            </a:r>
+            <a:endParaRPr lang="en-US" altLang="ko-KR" dirty="0" smtClean="0"/>
+          </a:p>
+          <a:p>
+            <a:r>
+              <a:rPr lang="en-US" altLang="ko-KR" dirty="0" smtClean="0"/>
+              <a:t>N </a:t>
+            </a:r>
+            <a:r>
+              <a:rPr lang="ko-KR" altLang="en-US" dirty="0" smtClean="0"/>
+              <a:t>205398</a:t>
+            </a:r>
+            <a:endParaRPr lang="ko-KR" altLang="en-US" dirty="0"/>
+          </a:p>
+          <a:p>
+            <a:r>
+              <a:rPr lang="en-US" altLang="ko-KR" dirty="0" smtClean="0"/>
+              <a:t>S </a:t>
+            </a:r>
+            <a:r>
+              <a:rPr lang="ko-KR" altLang="en-US" dirty="0" smtClean="0"/>
+              <a:t>1838984</a:t>
+            </a:r>
+            <a:endParaRPr lang="ko-KR" altLang="en-US" dirty="0"/>
+          </a:p>
+          <a:p>
+            <a:r>
+              <a:rPr lang="en-US" altLang="ko-KR" dirty="0" smtClean="0"/>
+              <a:t>E </a:t>
+            </a:r>
+            <a:r>
+              <a:rPr lang="ko-KR" altLang="en-US" dirty="0" smtClean="0"/>
+              <a:t>2483076</a:t>
+            </a:r>
+            <a:endParaRPr lang="ko-KR" altLang="en-US" dirty="0"/>
+          </a:p>
+          <a:p>
+            <a:r>
+              <a:rPr lang="en-US" altLang="ko-KR" dirty="0" smtClean="0"/>
+              <a:t>C </a:t>
+            </a:r>
+            <a:r>
+              <a:rPr lang="ko-KR" altLang="en-US" dirty="0" smtClean="0"/>
+              <a:t>4849374</a:t>
+            </a:r>
+            <a:endParaRPr lang="ko-KR" altLang="en-US" dirty="0"/>
+          </a:p>
+        </p:txBody>
+      </p:sp>
+    </p:spTree>
+    <p:extLst>
+      <p:ext uri="{BB962C8B-B14F-4D97-AF65-F5344CB8AC3E}">
+        <p14:creationId xmlns:p14="http://schemas.microsoft.com/office/powerpoint/2010/main" val="4014978867"/>
+      </p:ext>
+    </p:extLst>
+  </p:cSld>
+  <p:clrMapOvr>
+    <a:masterClrMapping/>
+  </p:clrMapOvr>
+</p:sld>
+</file>
+
+<file path=ppt/slides/slide34.xml><?xml version="1.0" encoding="utf-8"?>
+<p:sld xmlns:a="http://schemas.openxmlformats.org/drawingml/2006/main" xmlns:r="http://schemas.openxmlformats.org/officeDocument/2006/relationships" xmlns:p="http://schemas.openxmlformats.org/presentationml/2006/main">
+  <p:cSld>
+    <p:bg>
+      <p:bgPr>
+        <a:solidFill>
+          <a:srgbClr val="EAEEFA"/>
+        </a:solidFill>
+        <a:effectLst/>
+      </p:bgPr>
+    </p:bg>
+    <p:spTree>
+      <p:nvGrpSpPr>
+        <p:cNvPr id="1" name=""/>
+        <p:cNvGrpSpPr/>
+        <p:nvPr/>
+      </p:nvGrpSpPr>
+      <p:grpSpPr>
+        <a:xfrm>
+          <a:off x="0" y="0"/>
+          <a:ext cx="0" cy="0"/>
+          <a:chOff x="0" y="0"/>
+          <a:chExt cx="0" cy="0"/>
+        </a:xfrm>
+      </p:grpSpPr>
+      <p:cxnSp>
+        <p:nvCxnSpPr>
+          <p:cNvPr id="23" name="직선 연결선 22"/>
+          <p:cNvCxnSpPr/>
+          <p:nvPr/>
+        </p:nvCxnSpPr>
+        <p:spPr>
+          <a:xfrm>
+            <a:off x="589055" y="427040"/>
+            <a:ext cx="10800000" cy="0"/>
+          </a:xfrm>
+          <a:prstGeom prst="line">
+            <a:avLst/>
+          </a:prstGeom>
+          <a:ln>
+            <a:solidFill>
+              <a:srgbClr val="D02646"/>
+            </a:solidFill>
+          </a:ln>
+        </p:spPr>
+        <p:style>
+          <a:lnRef idx="1">
+            <a:schemeClr val="accent1"/>
+          </a:lnRef>
+          <a:fillRef idx="0">
+            <a:schemeClr val="accent1"/>
+          </a:fillRef>
+          <a:effectRef idx="0">
+            <a:schemeClr val="accent1"/>
+          </a:effectRef>
+          <a:fontRef idx="minor">
+            <a:schemeClr val="tx1"/>
+          </a:fontRef>
+        </p:style>
+      </p:cxnSp>
+      <p:sp>
+        <p:nvSpPr>
+          <p:cNvPr id="24" name="직사각형 23"/>
+          <p:cNvSpPr/>
+          <p:nvPr/>
+        </p:nvSpPr>
+        <p:spPr>
+          <a:xfrm>
+            <a:off x="3646530" y="0"/>
+            <a:ext cx="4971967" cy="646331"/>
+          </a:xfrm>
+          <a:prstGeom prst="rect">
+            <a:avLst/>
+          </a:prstGeom>
+          <a:solidFill>
+            <a:srgbClr val="EAEEFA"/>
+          </a:solidFill>
+        </p:spPr>
+        <p:txBody>
+          <a:bodyPr wrap="square">
+            <a:spAutoFit/>
+          </a:bodyPr>
+          <a:lstStyle/>
+          <a:p>
+            <a:pPr algn="ctr" fontAlgn="base"/>
+            <a:r>
+              <a:rPr lang="ko-KR" altLang="en-US" b="1" dirty="0"/>
+              <a:t>방송을 통한 </a:t>
+            </a:r>
+            <a:r>
+              <a:rPr lang="ko-KR" altLang="en-US" b="1" dirty="0" err="1"/>
+              <a:t>루돌로지</a:t>
+            </a:r>
+            <a:r>
+              <a:rPr lang="ko-KR" altLang="en-US" b="1" dirty="0"/>
+              <a:t> 게임의 </a:t>
+            </a:r>
+            <a:r>
+              <a:rPr lang="ko-KR" altLang="en-US" b="1" dirty="0" err="1"/>
+              <a:t>스토리텔링</a:t>
+            </a:r>
+            <a:r>
+              <a:rPr lang="ko-KR" altLang="en-US" b="1" dirty="0"/>
+              <a:t> </a:t>
+            </a:r>
+            <a:r>
+              <a:rPr lang="en-US" altLang="ko-KR" b="1" dirty="0" smtClean="0"/>
+              <a:t/>
+            </a:r>
+            <a:br>
+              <a:rPr lang="en-US" altLang="ko-KR" b="1" dirty="0" smtClean="0"/>
+            </a:br>
+            <a:r>
+              <a:rPr lang="ko-KR" altLang="en-US" b="1" dirty="0" smtClean="0"/>
+              <a:t>획득과 </a:t>
+            </a:r>
+            <a:r>
+              <a:rPr lang="ko-KR" altLang="en-US" b="1" dirty="0"/>
+              <a:t>게임 기획에의 적용 </a:t>
+            </a:r>
+            <a:r>
+              <a:rPr lang="ko-KR" altLang="en-US" b="1" dirty="0" smtClean="0"/>
+              <a:t>연구</a:t>
+            </a:r>
+            <a:endParaRPr lang="ko-KR" altLang="en-US" b="1" dirty="0"/>
+          </a:p>
+        </p:txBody>
+      </p:sp>
+      <p:cxnSp>
+        <p:nvCxnSpPr>
+          <p:cNvPr id="25" name="직선 연결선 24"/>
+          <p:cNvCxnSpPr/>
+          <p:nvPr/>
+        </p:nvCxnSpPr>
+        <p:spPr>
+          <a:xfrm>
+            <a:off x="589055" y="6637347"/>
+            <a:ext cx="10800000" cy="0"/>
+          </a:xfrm>
+          <a:prstGeom prst="line">
+            <a:avLst/>
+          </a:prstGeom>
+          <a:ln>
+            <a:solidFill>
+              <a:srgbClr val="D02646"/>
+            </a:solidFill>
+          </a:ln>
+        </p:spPr>
+        <p:style>
+          <a:lnRef idx="1">
+            <a:schemeClr val="accent1"/>
+          </a:lnRef>
+          <a:fillRef idx="0">
+            <a:schemeClr val="accent1"/>
+          </a:fillRef>
+          <a:effectRef idx="0">
+            <a:schemeClr val="accent1"/>
+          </a:effectRef>
+          <a:fontRef idx="minor">
+            <a:schemeClr val="tx1"/>
+          </a:fontRef>
+        </p:style>
+      </p:cxnSp>
+      <p:sp>
+        <p:nvSpPr>
+          <p:cNvPr id="33" name="직사각형 32">
+            <a:extLst>
+              <a:ext uri="{FF2B5EF4-FFF2-40B4-BE49-F238E27FC236}">
+                <a16:creationId xmlns:a16="http://schemas.microsoft.com/office/drawing/2014/main" id="{3FA00699-5178-465A-9F3F-130CF1431F70}"/>
+              </a:ext>
+            </a:extLst>
+          </p:cNvPr>
+          <p:cNvSpPr/>
+          <p:nvPr/>
+        </p:nvSpPr>
+        <p:spPr>
+          <a:xfrm>
+            <a:off x="589055" y="582843"/>
+            <a:ext cx="3924756" cy="574966"/>
+          </a:xfrm>
+          <a:prstGeom prst="rect">
+            <a:avLst/>
+          </a:prstGeom>
+        </p:spPr>
+        <p:txBody>
+          <a:bodyPr wrap="square" anchor="ctr">
+            <a:spAutoFit/>
+          </a:bodyPr>
+          <a:lstStyle/>
+          <a:p>
+            <a:pPr>
+              <a:lnSpc>
+                <a:spcPct val="150000"/>
+              </a:lnSpc>
+            </a:pPr>
+            <a:r>
+              <a:rPr lang="ko-KR" altLang="en-US" sz="2400" b="1" dirty="0" smtClean="0">
+                <a:solidFill>
+                  <a:srgbClr val="44546A">
+                    <a:lumMod val="75000"/>
+                  </a:srgbClr>
+                </a:solidFill>
+              </a:rPr>
+              <a:t>전체</a:t>
+            </a:r>
+            <a:endParaRPr lang="en-US" altLang="ko-KR" sz="2400" b="1" dirty="0" smtClean="0">
+              <a:solidFill>
+                <a:srgbClr val="44546A">
+                  <a:lumMod val="75000"/>
+                </a:srgbClr>
+              </a:solidFill>
+            </a:endParaRPr>
+          </a:p>
+        </p:txBody>
+      </p:sp>
+      <p:sp>
+        <p:nvSpPr>
+          <p:cNvPr id="14" name="직사각형 13">
+            <a:extLst>
+              <a:ext uri="{FF2B5EF4-FFF2-40B4-BE49-F238E27FC236}">
+                <a16:creationId xmlns:a16="http://schemas.microsoft.com/office/drawing/2014/main" id="{3FA00699-5178-465A-9F3F-130CF1431F70}"/>
+              </a:ext>
+            </a:extLst>
+          </p:cNvPr>
+          <p:cNvSpPr/>
+          <p:nvPr/>
+        </p:nvSpPr>
+        <p:spPr>
+          <a:xfrm>
+            <a:off x="589055" y="52290"/>
+            <a:ext cx="2889249" cy="373885"/>
+          </a:xfrm>
+          <a:prstGeom prst="rect">
+            <a:avLst/>
+          </a:prstGeom>
+        </p:spPr>
+        <p:txBody>
+          <a:bodyPr wrap="square" anchor="ctr">
+            <a:spAutoFit/>
+          </a:bodyPr>
+          <a:lstStyle/>
+          <a:p>
+            <a:pPr>
+              <a:lnSpc>
+                <a:spcPct val="150000"/>
+              </a:lnSpc>
+            </a:pPr>
+            <a:r>
+              <a:rPr lang="en-US" altLang="ko-KR" sz="1400" b="1" dirty="0"/>
+              <a:t>4. </a:t>
+            </a:r>
+            <a:r>
+              <a:rPr lang="ko-KR" altLang="en-US" sz="1400" b="1" dirty="0"/>
+              <a:t>영상 카테고리 그래프</a:t>
+            </a:r>
+            <a:endParaRPr lang="en-US" altLang="ko-KR" sz="1400" b="1" dirty="0"/>
+          </a:p>
+        </p:txBody>
+      </p:sp>
+      <p:graphicFrame>
+        <p:nvGraphicFramePr>
+          <p:cNvPr id="4" name="차트 3"/>
+          <p:cNvGraphicFramePr/>
+          <p:nvPr>
+            <p:extLst>
+              <p:ext uri="{D42A27DB-BD31-4B8C-83A1-F6EECF244321}">
+                <p14:modId xmlns:p14="http://schemas.microsoft.com/office/powerpoint/2010/main" val="250965551"/>
+              </p:ext>
+            </p:extLst>
+          </p:nvPr>
+        </p:nvGraphicFramePr>
+        <p:xfrm>
+          <a:off x="-45003" y="1275095"/>
+          <a:ext cx="6363926" cy="4533962"/>
+        </p:xfrm>
+        <a:graphic>
+          <a:graphicData uri="http://schemas.openxmlformats.org/drawingml/2006/chart">
+            <c:chart xmlns:c="http://schemas.openxmlformats.org/drawingml/2006/chart" xmlns:r="http://schemas.openxmlformats.org/officeDocument/2006/relationships" r:id="rId2"/>
+          </a:graphicData>
+        </a:graphic>
+      </p:graphicFrame>
+      <p:sp>
+        <p:nvSpPr>
+          <p:cNvPr id="9" name="TextBox 8"/>
+          <p:cNvSpPr txBox="1"/>
+          <p:nvPr/>
+        </p:nvSpPr>
+        <p:spPr>
+          <a:xfrm>
+            <a:off x="1434932" y="5926343"/>
+            <a:ext cx="2763921" cy="369332"/>
+          </a:xfrm>
+          <a:prstGeom prst="rect">
+            <a:avLst/>
+          </a:prstGeom>
+          <a:noFill/>
+        </p:spPr>
+        <p:txBody>
+          <a:bodyPr wrap="square" rtlCol="0">
+            <a:spAutoFit/>
+          </a:bodyPr>
+          <a:lstStyle/>
+          <a:p>
+            <a:pPr algn="ctr"/>
+            <a:r>
+              <a:rPr lang="en-US" altLang="ko-KR" b="1" dirty="0"/>
+              <a:t>Total number of videos</a:t>
+            </a:r>
+            <a:endParaRPr lang="ko-KR" altLang="en-US" b="1" dirty="0"/>
+          </a:p>
+        </p:txBody>
+      </p:sp>
+      <p:sp>
+        <p:nvSpPr>
+          <p:cNvPr id="10" name="TextBox 9"/>
+          <p:cNvSpPr txBox="1"/>
+          <p:nvPr/>
+        </p:nvSpPr>
+        <p:spPr>
+          <a:xfrm>
+            <a:off x="7308205" y="5698951"/>
+            <a:ext cx="3437222" cy="369332"/>
+          </a:xfrm>
+          <a:prstGeom prst="rect">
+            <a:avLst/>
+          </a:prstGeom>
+          <a:noFill/>
+        </p:spPr>
+        <p:txBody>
+          <a:bodyPr wrap="square" rtlCol="0">
+            <a:spAutoFit/>
+          </a:bodyPr>
+          <a:lstStyle/>
+          <a:p>
+            <a:pPr algn="ctr"/>
+            <a:r>
+              <a:rPr lang="en-US" altLang="ko-KR" b="1" dirty="0" smtClean="0"/>
+              <a:t>Subscriber’s View Loyalty</a:t>
+            </a:r>
+            <a:endParaRPr lang="ko-KR" altLang="en-US" b="1" dirty="0"/>
+          </a:p>
+        </p:txBody>
+      </p:sp>
+      <p:grpSp>
+        <p:nvGrpSpPr>
+          <p:cNvPr id="22" name="그룹 21"/>
+          <p:cNvGrpSpPr/>
+          <p:nvPr/>
+        </p:nvGrpSpPr>
+        <p:grpSpPr>
+          <a:xfrm>
+            <a:off x="5696633" y="5265529"/>
+            <a:ext cx="1227907" cy="1100854"/>
+            <a:chOff x="10633166" y="758844"/>
+            <a:chExt cx="1227907" cy="1100854"/>
+          </a:xfrm>
+        </p:grpSpPr>
+        <p:sp>
+          <p:nvSpPr>
+            <p:cNvPr id="26" name="직사각형 25"/>
+            <p:cNvSpPr/>
+            <p:nvPr/>
+          </p:nvSpPr>
+          <p:spPr>
+            <a:xfrm>
+              <a:off x="10633166" y="824159"/>
+              <a:ext cx="365760" cy="226841"/>
+            </a:xfrm>
+            <a:prstGeom prst="rect">
+              <a:avLst/>
+            </a:prstGeom>
+            <a:ln>
+              <a:noFill/>
+            </a:ln>
+          </p:spPr>
+          <p:style>
+            <a:lnRef idx="2">
+              <a:schemeClr val="accent1">
+                <a:shade val="50000"/>
+              </a:schemeClr>
+            </a:lnRef>
+            <a:fillRef idx="1">
+              <a:schemeClr val="accent1"/>
+            </a:fillRef>
+            <a:effectRef idx="0">
+              <a:schemeClr val="accent1"/>
+            </a:effectRef>
+            <a:fontRef idx="minor">
+              <a:schemeClr val="lt1"/>
+            </a:fontRef>
+          </p:style>
+          <p:txBody>
+            <a:bodyPr rtlCol="0" anchor="ctr"/>
+            <a:lstStyle/>
+            <a:p>
+              <a:pPr algn="ctr"/>
+              <a:endParaRPr lang="ko-KR" altLang="en-US">
+                <a:solidFill>
+                  <a:schemeClr val="accent1"/>
+                </a:solidFill>
+              </a:endParaRPr>
+            </a:p>
+          </p:txBody>
+        </p:sp>
+        <p:sp>
+          <p:nvSpPr>
+            <p:cNvPr id="27" name="직사각형 26"/>
+            <p:cNvSpPr/>
+            <p:nvPr/>
+          </p:nvSpPr>
+          <p:spPr>
+            <a:xfrm>
+              <a:off x="10633166" y="1093725"/>
+              <a:ext cx="365760" cy="226841"/>
+            </a:xfrm>
+            <a:prstGeom prst="rect">
+              <a:avLst/>
+            </a:prstGeom>
+            <a:solidFill>
+              <a:srgbClr val="C00000"/>
+            </a:solidFill>
+            <a:ln>
+              <a:noFill/>
+            </a:ln>
+          </p:spPr>
+          <p:style>
+            <a:lnRef idx="2">
+              <a:schemeClr val="accent1">
+                <a:shade val="50000"/>
+              </a:schemeClr>
+            </a:lnRef>
+            <a:fillRef idx="1">
+              <a:schemeClr val="accent1"/>
+            </a:fillRef>
+            <a:effectRef idx="0">
+              <a:schemeClr val="accent1"/>
+            </a:effectRef>
+            <a:fontRef idx="minor">
+              <a:schemeClr val="lt1"/>
+            </a:fontRef>
+          </p:style>
+          <p:txBody>
+            <a:bodyPr rtlCol="0" anchor="ctr"/>
+            <a:lstStyle/>
+            <a:p>
+              <a:pPr algn="ctr"/>
+              <a:endParaRPr lang="ko-KR" altLang="en-US">
+                <a:solidFill>
+                  <a:schemeClr val="accent1"/>
+                </a:solidFill>
+              </a:endParaRPr>
+            </a:p>
+          </p:txBody>
+        </p:sp>
+        <p:sp>
+          <p:nvSpPr>
+            <p:cNvPr id="28" name="직사각형 27"/>
+            <p:cNvSpPr/>
+            <p:nvPr/>
+          </p:nvSpPr>
+          <p:spPr>
+            <a:xfrm>
+              <a:off x="10633166" y="1363291"/>
+              <a:ext cx="365760" cy="226841"/>
+            </a:xfrm>
+            <a:prstGeom prst="rect">
+              <a:avLst/>
+            </a:prstGeom>
+            <a:solidFill>
+              <a:srgbClr val="00B050"/>
+            </a:solidFill>
+            <a:ln>
+              <a:noFill/>
+            </a:ln>
+          </p:spPr>
+          <p:style>
+            <a:lnRef idx="2">
+              <a:schemeClr val="accent1">
+                <a:shade val="50000"/>
+              </a:schemeClr>
+            </a:lnRef>
+            <a:fillRef idx="1">
+              <a:schemeClr val="accent1"/>
+            </a:fillRef>
+            <a:effectRef idx="0">
+              <a:schemeClr val="accent1"/>
+            </a:effectRef>
+            <a:fontRef idx="minor">
+              <a:schemeClr val="lt1"/>
+            </a:fontRef>
+          </p:style>
+          <p:txBody>
+            <a:bodyPr rtlCol="0" anchor="ctr"/>
+            <a:lstStyle/>
+            <a:p>
+              <a:pPr algn="ctr"/>
+              <a:endParaRPr lang="ko-KR" altLang="en-US">
+                <a:solidFill>
+                  <a:schemeClr val="accent1"/>
+                </a:solidFill>
+              </a:endParaRPr>
+            </a:p>
+          </p:txBody>
+        </p:sp>
+        <p:sp>
+          <p:nvSpPr>
+            <p:cNvPr id="29" name="직사각형 28"/>
+            <p:cNvSpPr/>
+            <p:nvPr/>
+          </p:nvSpPr>
+          <p:spPr>
+            <a:xfrm>
+              <a:off x="10633166" y="1632857"/>
+              <a:ext cx="365760" cy="226841"/>
+            </a:xfrm>
+            <a:prstGeom prst="rect">
+              <a:avLst/>
+            </a:prstGeom>
+            <a:solidFill>
+              <a:srgbClr val="FFC000"/>
+            </a:solidFill>
+            <a:ln>
+              <a:noFill/>
+            </a:ln>
+          </p:spPr>
+          <p:style>
+            <a:lnRef idx="2">
+              <a:schemeClr val="accent1">
+                <a:shade val="50000"/>
+              </a:schemeClr>
+            </a:lnRef>
+            <a:fillRef idx="1">
+              <a:schemeClr val="accent1"/>
+            </a:fillRef>
+            <a:effectRef idx="0">
+              <a:schemeClr val="accent1"/>
+            </a:effectRef>
+            <a:fontRef idx="minor">
+              <a:schemeClr val="lt1"/>
+            </a:fontRef>
+          </p:style>
+          <p:txBody>
+            <a:bodyPr rtlCol="0" anchor="ctr"/>
+            <a:lstStyle/>
+            <a:p>
+              <a:pPr algn="ctr"/>
+              <a:endParaRPr lang="ko-KR" altLang="en-US">
+                <a:solidFill>
+                  <a:schemeClr val="accent1"/>
+                </a:solidFill>
+              </a:endParaRPr>
+            </a:p>
+          </p:txBody>
+        </p:sp>
+        <p:sp>
+          <p:nvSpPr>
+            <p:cNvPr id="30" name="TextBox 29"/>
+            <p:cNvSpPr txBox="1"/>
+            <p:nvPr/>
+          </p:nvSpPr>
+          <p:spPr>
+            <a:xfrm>
+              <a:off x="11011987" y="758844"/>
+              <a:ext cx="849086" cy="261610"/>
+            </a:xfrm>
+            <a:prstGeom prst="rect">
+              <a:avLst/>
+            </a:prstGeom>
+            <a:noFill/>
+          </p:spPr>
+          <p:txBody>
+            <a:bodyPr wrap="square" rtlCol="0">
+              <a:spAutoFit/>
+            </a:bodyPr>
+            <a:lstStyle/>
+            <a:p>
+              <a:r>
+                <a:rPr lang="en-US" altLang="ko-KR" sz="1100" dirty="0" smtClean="0"/>
+                <a:t>Novice</a:t>
+              </a:r>
+              <a:endParaRPr lang="ko-KR" altLang="en-US" sz="1100" dirty="0"/>
+            </a:p>
+          </p:txBody>
+        </p:sp>
+        <p:sp>
+          <p:nvSpPr>
+            <p:cNvPr id="31" name="TextBox 30"/>
+            <p:cNvSpPr txBox="1"/>
+            <p:nvPr/>
+          </p:nvSpPr>
+          <p:spPr>
+            <a:xfrm>
+              <a:off x="11011987" y="1032830"/>
+              <a:ext cx="849086" cy="261610"/>
+            </a:xfrm>
+            <a:prstGeom prst="rect">
+              <a:avLst/>
+            </a:prstGeom>
+            <a:noFill/>
+          </p:spPr>
+          <p:txBody>
+            <a:bodyPr wrap="square" rtlCol="0">
+              <a:spAutoFit/>
+            </a:bodyPr>
+            <a:lstStyle/>
+            <a:p>
+              <a:r>
+                <a:rPr lang="en-US" altLang="ko-KR" sz="1100" dirty="0" smtClean="0"/>
+                <a:t>Slapstick</a:t>
+              </a:r>
+              <a:endParaRPr lang="ko-KR" altLang="en-US" sz="1100" dirty="0"/>
+            </a:p>
+          </p:txBody>
+        </p:sp>
+        <p:sp>
+          <p:nvSpPr>
+            <p:cNvPr id="32" name="TextBox 31"/>
+            <p:cNvSpPr txBox="1"/>
+            <p:nvPr/>
+          </p:nvSpPr>
+          <p:spPr>
+            <a:xfrm>
+              <a:off x="11011987" y="1324102"/>
+              <a:ext cx="849086" cy="261610"/>
+            </a:xfrm>
+            <a:prstGeom prst="rect">
+              <a:avLst/>
+            </a:prstGeom>
+            <a:noFill/>
+          </p:spPr>
+          <p:txBody>
+            <a:bodyPr wrap="square" rtlCol="0">
+              <a:spAutoFit/>
+            </a:bodyPr>
+            <a:lstStyle/>
+            <a:p>
+              <a:r>
+                <a:rPr lang="en-US" altLang="ko-KR" sz="1100" dirty="0" smtClean="0"/>
+                <a:t>Expert</a:t>
+              </a:r>
+              <a:endParaRPr lang="ko-KR" altLang="en-US" sz="1100" dirty="0"/>
+            </a:p>
+          </p:txBody>
+        </p:sp>
+        <p:sp>
+          <p:nvSpPr>
+            <p:cNvPr id="34" name="TextBox 33"/>
+            <p:cNvSpPr txBox="1"/>
+            <p:nvPr/>
+          </p:nvSpPr>
+          <p:spPr>
+            <a:xfrm>
+              <a:off x="11011987" y="1585712"/>
+              <a:ext cx="849086" cy="261610"/>
+            </a:xfrm>
+            <a:prstGeom prst="rect">
+              <a:avLst/>
+            </a:prstGeom>
+            <a:noFill/>
+          </p:spPr>
+          <p:txBody>
+            <a:bodyPr wrap="square" rtlCol="0">
+              <a:spAutoFit/>
+            </a:bodyPr>
+            <a:lstStyle/>
+            <a:p>
+              <a:r>
+                <a:rPr lang="en-US" altLang="ko-KR" sz="1100" dirty="0" smtClean="0"/>
+                <a:t>Circus</a:t>
+              </a:r>
+              <a:endParaRPr lang="ko-KR" altLang="en-US" sz="1100" dirty="0"/>
+            </a:p>
+          </p:txBody>
+        </p:sp>
+      </p:grpSp>
+      <p:sp>
+        <p:nvSpPr>
+          <p:cNvPr id="2" name="TextBox 1"/>
+          <p:cNvSpPr txBox="1"/>
+          <p:nvPr/>
+        </p:nvSpPr>
+        <p:spPr>
+          <a:xfrm>
+            <a:off x="3065500" y="1489383"/>
+            <a:ext cx="493986" cy="461665"/>
+          </a:xfrm>
+          <a:prstGeom prst="rect">
+            <a:avLst/>
+          </a:prstGeom>
+          <a:noFill/>
+        </p:spPr>
+        <p:txBody>
+          <a:bodyPr wrap="square" rtlCol="0">
+            <a:spAutoFit/>
+          </a:bodyPr>
+          <a:lstStyle/>
+          <a:p>
+            <a:pPr algn="ctr"/>
+            <a:r>
+              <a:rPr lang="en-US" altLang="ko-KR" sz="2400" b="1" dirty="0" smtClean="0"/>
+              <a:t>3</a:t>
+            </a:r>
+            <a:endParaRPr lang="ko-KR" altLang="en-US" sz="2400" b="1" dirty="0"/>
+          </a:p>
+        </p:txBody>
+      </p:sp>
+      <p:sp>
+        <p:nvSpPr>
+          <p:cNvPr id="21" name="TextBox 20"/>
+          <p:cNvSpPr txBox="1"/>
+          <p:nvPr/>
+        </p:nvSpPr>
+        <p:spPr>
+          <a:xfrm>
+            <a:off x="3930120" y="2280317"/>
+            <a:ext cx="649870" cy="461665"/>
+          </a:xfrm>
+          <a:prstGeom prst="rect">
+            <a:avLst/>
+          </a:prstGeom>
+          <a:noFill/>
+        </p:spPr>
+        <p:txBody>
+          <a:bodyPr wrap="square" rtlCol="0">
+            <a:spAutoFit/>
+          </a:bodyPr>
+          <a:lstStyle/>
+          <a:p>
+            <a:pPr algn="ctr"/>
+            <a:r>
+              <a:rPr lang="en-US" altLang="ko-KR" sz="2400" b="1" dirty="0" smtClean="0"/>
+              <a:t>21</a:t>
+            </a:r>
+            <a:endParaRPr lang="ko-KR" altLang="en-US" sz="2400" b="1" dirty="0"/>
+          </a:p>
+        </p:txBody>
+      </p:sp>
+      <p:sp>
+        <p:nvSpPr>
+          <p:cNvPr id="35" name="TextBox 34"/>
+          <p:cNvSpPr txBox="1"/>
+          <p:nvPr/>
+        </p:nvSpPr>
+        <p:spPr>
+          <a:xfrm>
+            <a:off x="3355494" y="4593465"/>
+            <a:ext cx="582071" cy="461665"/>
+          </a:xfrm>
+          <a:prstGeom prst="rect">
+            <a:avLst/>
+          </a:prstGeom>
+          <a:noFill/>
+        </p:spPr>
+        <p:txBody>
+          <a:bodyPr wrap="square" rtlCol="0">
+            <a:spAutoFit/>
+          </a:bodyPr>
+          <a:lstStyle/>
+          <a:p>
+            <a:pPr algn="ctr"/>
+            <a:r>
+              <a:rPr lang="en-US" altLang="ko-KR" sz="2400" b="1" dirty="0" smtClean="0"/>
+              <a:t>40</a:t>
+            </a:r>
+            <a:endParaRPr lang="ko-KR" altLang="en-US" sz="2400" b="1" dirty="0"/>
+          </a:p>
+        </p:txBody>
+      </p:sp>
+      <p:sp>
+        <p:nvSpPr>
+          <p:cNvPr id="36" name="TextBox 35"/>
+          <p:cNvSpPr txBox="1"/>
+          <p:nvPr/>
+        </p:nvSpPr>
+        <p:spPr>
+          <a:xfrm>
+            <a:off x="1439815" y="2540023"/>
+            <a:ext cx="592933" cy="461665"/>
+          </a:xfrm>
+          <a:prstGeom prst="rect">
+            <a:avLst/>
+          </a:prstGeom>
+          <a:noFill/>
+        </p:spPr>
+        <p:txBody>
+          <a:bodyPr wrap="square" rtlCol="0">
+            <a:spAutoFit/>
+          </a:bodyPr>
+          <a:lstStyle/>
+          <a:p>
+            <a:pPr algn="ctr"/>
+            <a:r>
+              <a:rPr lang="en-US" altLang="ko-KR" sz="2400" b="1" dirty="0" smtClean="0"/>
+              <a:t>33</a:t>
+            </a:r>
+            <a:endParaRPr lang="ko-KR" altLang="en-US" sz="2400" b="1" dirty="0"/>
+          </a:p>
+        </p:txBody>
+      </p:sp>
+      <p:graphicFrame>
+        <p:nvGraphicFramePr>
+          <p:cNvPr id="37" name="차트 36"/>
+          <p:cNvGraphicFramePr/>
+          <p:nvPr>
+            <p:extLst>
+              <p:ext uri="{D42A27DB-BD31-4B8C-83A1-F6EECF244321}">
+                <p14:modId xmlns:p14="http://schemas.microsoft.com/office/powerpoint/2010/main" val="3101762291"/>
+              </p:ext>
+            </p:extLst>
+          </p:nvPr>
+        </p:nvGraphicFramePr>
+        <p:xfrm>
+          <a:off x="5696633" y="1263263"/>
+          <a:ext cx="6363926" cy="4533962"/>
+        </p:xfrm>
+        <a:graphic>
+          <a:graphicData uri="http://schemas.openxmlformats.org/drawingml/2006/chart">
+            <c:chart xmlns:c="http://schemas.openxmlformats.org/drawingml/2006/chart" xmlns:r="http://schemas.openxmlformats.org/officeDocument/2006/relationships" r:id="rId3"/>
+          </a:graphicData>
+        </a:graphic>
+      </p:graphicFrame>
+      <p:sp>
+        <p:nvSpPr>
+          <p:cNvPr id="39" name="TextBox 38"/>
+          <p:cNvSpPr txBox="1"/>
+          <p:nvPr/>
+        </p:nvSpPr>
+        <p:spPr>
+          <a:xfrm>
+            <a:off x="9402369" y="2000702"/>
+            <a:ext cx="855459" cy="461665"/>
+          </a:xfrm>
+          <a:prstGeom prst="rect">
+            <a:avLst/>
+          </a:prstGeom>
+          <a:noFill/>
+        </p:spPr>
+        <p:txBody>
+          <a:bodyPr wrap="square" rtlCol="0">
+            <a:spAutoFit/>
+          </a:bodyPr>
+          <a:lstStyle/>
+          <a:p>
+            <a:pPr algn="ctr"/>
+            <a:r>
+              <a:rPr lang="en-US" altLang="ko-KR" sz="2400" b="1" dirty="0" smtClean="0"/>
+              <a:t>29%</a:t>
+            </a:r>
+            <a:endParaRPr lang="ko-KR" altLang="en-US" sz="2400" b="1" dirty="0"/>
+          </a:p>
+        </p:txBody>
+      </p:sp>
+      <p:sp>
+        <p:nvSpPr>
+          <p:cNvPr id="40" name="TextBox 39"/>
+          <p:cNvSpPr txBox="1"/>
+          <p:nvPr/>
+        </p:nvSpPr>
+        <p:spPr>
+          <a:xfrm>
+            <a:off x="7439813" y="2137916"/>
+            <a:ext cx="841666" cy="461665"/>
+          </a:xfrm>
+          <a:prstGeom prst="rect">
+            <a:avLst/>
+          </a:prstGeom>
+          <a:noFill/>
+        </p:spPr>
+        <p:txBody>
+          <a:bodyPr wrap="square" rtlCol="0">
+            <a:spAutoFit/>
+          </a:bodyPr>
+          <a:lstStyle/>
+          <a:p>
+            <a:pPr algn="ctr"/>
+            <a:r>
+              <a:rPr lang="en-US" altLang="ko-KR" sz="2400" b="1" dirty="0" smtClean="0"/>
+              <a:t>31%</a:t>
+            </a:r>
+            <a:endParaRPr lang="ko-KR" altLang="en-US" sz="2400" b="1" dirty="0"/>
+          </a:p>
+        </p:txBody>
+      </p:sp>
+      <p:sp>
+        <p:nvSpPr>
+          <p:cNvPr id="41" name="TextBox 40"/>
+          <p:cNvSpPr txBox="1"/>
+          <p:nvPr/>
+        </p:nvSpPr>
+        <p:spPr>
+          <a:xfrm>
+            <a:off x="9868946" y="4123136"/>
+            <a:ext cx="807028" cy="461665"/>
+          </a:xfrm>
+          <a:prstGeom prst="rect">
+            <a:avLst/>
+          </a:prstGeom>
+          <a:noFill/>
+        </p:spPr>
+        <p:txBody>
+          <a:bodyPr wrap="square" rtlCol="0">
+            <a:spAutoFit/>
+          </a:bodyPr>
+          <a:lstStyle/>
+          <a:p>
+            <a:pPr algn="ctr"/>
+            <a:r>
+              <a:rPr lang="en-US" altLang="ko-KR" sz="2400" b="1" dirty="0" smtClean="0"/>
+              <a:t>36%</a:t>
+            </a:r>
+            <a:endParaRPr lang="ko-KR" altLang="en-US" sz="2400" b="1" dirty="0"/>
+          </a:p>
+        </p:txBody>
+      </p:sp>
+      <p:sp>
+        <p:nvSpPr>
+          <p:cNvPr id="42" name="TextBox 41"/>
+          <p:cNvSpPr txBox="1"/>
+          <p:nvPr/>
+        </p:nvSpPr>
+        <p:spPr>
+          <a:xfrm>
+            <a:off x="7437063" y="4362633"/>
+            <a:ext cx="937636" cy="461665"/>
+          </a:xfrm>
+          <a:prstGeom prst="rect">
+            <a:avLst/>
+          </a:prstGeom>
+          <a:noFill/>
+        </p:spPr>
+        <p:txBody>
+          <a:bodyPr wrap="square" rtlCol="0">
+            <a:spAutoFit/>
+          </a:bodyPr>
+          <a:lstStyle/>
+          <a:p>
+            <a:pPr algn="ctr"/>
+            <a:r>
+              <a:rPr lang="en-US" altLang="ko-KR" sz="2400" b="1" dirty="0" smtClean="0"/>
+              <a:t>42%</a:t>
+            </a:r>
+            <a:endParaRPr lang="ko-KR" altLang="en-US" sz="2400" b="1" dirty="0"/>
+          </a:p>
+        </p:txBody>
+      </p:sp>
+      <p:sp>
+        <p:nvSpPr>
+          <p:cNvPr id="43" name="TextBox 42"/>
+          <p:cNvSpPr txBox="1"/>
+          <p:nvPr/>
+        </p:nvSpPr>
+        <p:spPr>
+          <a:xfrm>
+            <a:off x="7308205" y="6161729"/>
+            <a:ext cx="3437222" cy="369332"/>
+          </a:xfrm>
+          <a:prstGeom prst="rect">
+            <a:avLst/>
+          </a:prstGeom>
+          <a:noFill/>
+        </p:spPr>
+        <p:txBody>
+          <a:bodyPr wrap="square" rtlCol="0">
+            <a:spAutoFit/>
+          </a:bodyPr>
+          <a:lstStyle/>
+          <a:p>
+            <a:pPr algn="ctr"/>
+            <a:r>
+              <a:rPr lang="ko-KR" altLang="en-US" b="1" dirty="0" err="1" smtClean="0"/>
+              <a:t>평균조회수</a:t>
+            </a:r>
+            <a:r>
+              <a:rPr lang="ko-KR" altLang="en-US" b="1" dirty="0" smtClean="0"/>
+              <a:t> </a:t>
+            </a:r>
+            <a:r>
+              <a:rPr lang="en-US" altLang="ko-KR" b="1" dirty="0" smtClean="0"/>
+              <a:t>/ </a:t>
+            </a:r>
+            <a:r>
+              <a:rPr lang="ko-KR" altLang="en-US" b="1" dirty="0" smtClean="0"/>
+              <a:t>구독자 수</a:t>
+            </a:r>
+            <a:endParaRPr lang="ko-KR" altLang="en-US" b="1" dirty="0"/>
+          </a:p>
+        </p:txBody>
+      </p:sp>
+    </p:spTree>
+    <p:extLst>
+      <p:ext uri="{BB962C8B-B14F-4D97-AF65-F5344CB8AC3E}">
+        <p14:creationId xmlns:p14="http://schemas.microsoft.com/office/powerpoint/2010/main" val="4027462071"/>
       </p:ext>
     </p:extLst>
   </p:cSld>

--- a/하계특훈 발표/200724_하계특훈_2014180011_김영범.pptx
+++ b/하계특훈 발표/200724_하계특훈_2014180011_김영범.pptx
@@ -613,13 +613,13 @@
                   <c:v>0</c:v>
                 </c:pt>
                 <c:pt idx="1">
-                  <c:v>9</c:v>
+                  <c:v>8</c:v>
                 </c:pt>
                 <c:pt idx="2">
-                  <c:v>11</c:v>
+                  <c:v>10</c:v>
                 </c:pt>
                 <c:pt idx="3">
-                  <c:v>17</c:v>
+                  <c:v>18</c:v>
                 </c:pt>
               </c:numCache>
             </c:numRef>
@@ -2559,7 +2559,7 @@
                   <c:v>2</c:v>
                 </c:pt>
                 <c:pt idx="1">
-                  <c:v>3</c:v>
+                  <c:v>2</c:v>
                 </c:pt>
                 <c:pt idx="2">
                   <c:v>6</c:v>
@@ -3062,7 +3062,7 @@
                   <c:v>65674</c:v>
                 </c:pt>
                 <c:pt idx="1">
-                  <c:v>151302</c:v>
+                  <c:v>132494</c:v>
                 </c:pt>
                 <c:pt idx="2">
                   <c:v>312606</c:v>
@@ -6080,13 +6080,13 @@
                   <c:v>0</c:v>
                 </c:pt>
                 <c:pt idx="1">
-                  <c:v>750258</c:v>
+                  <c:v>636504</c:v>
                 </c:pt>
                 <c:pt idx="2">
-                  <c:v>868626</c:v>
+                  <c:v>766470</c:v>
                 </c:pt>
                 <c:pt idx="3">
-                  <c:v>1507458</c:v>
+                  <c:v>1609614</c:v>
                 </c:pt>
               </c:numCache>
             </c:numRef>
@@ -9419,7 +9419,7 @@
                   <c:v>139724</c:v>
                 </c:pt>
                 <c:pt idx="1">
-                  <c:v>318974</c:v>
+                  <c:v>394412</c:v>
                 </c:pt>
                 <c:pt idx="2">
                   <c:v>318974</c:v>
@@ -9922,7 +9922,7 @@
                   <c:v>0</c:v>
                 </c:pt>
                 <c:pt idx="1">
-                  <c:v>2</c:v>
+                  <c:v>3</c:v>
                 </c:pt>
                 <c:pt idx="2">
                   <c:v>5</c:v>
@@ -10475,7 +10475,7 @@
                   <c:v>0</c:v>
                 </c:pt>
                 <c:pt idx="1">
-                  <c:v>132428</c:v>
+                  <c:v>205839</c:v>
                 </c:pt>
                 <c:pt idx="2">
                   <c:v>200985</c:v>
@@ -22237,7 +22237,7 @@
           <a:p>
             <a:fld id="{413548A9-17B7-486F-BAE8-5C551821AB5E}" type="datetimeFigureOut">
               <a:rPr lang="ko-KR" altLang="en-US" smtClean="0"/>
-              <a:t>2020-08-19</a:t>
+              <a:t>2020-08-25</a:t>
             </a:fld>
             <a:endParaRPr lang="ko-KR" altLang="en-US"/>
           </a:p>
@@ -22642,7 +22642,7 @@
                   </a:prstClr>
                 </a:solidFill>
               </a:rPr>
-              <a:t>2020-08-19</a:t>
+              <a:t>2020-08-25</a:t>
             </a:fld>
             <a:endParaRPr lang="ko-KR" altLang="en-US">
               <a:solidFill>
@@ -22807,7 +22807,7 @@
                   </a:prstClr>
                 </a:solidFill>
               </a:rPr>
-              <a:t>2020-08-19</a:t>
+              <a:t>2020-08-25</a:t>
             </a:fld>
             <a:endParaRPr lang="ko-KR" altLang="en-US">
               <a:solidFill>
@@ -22982,7 +22982,7 @@
                   </a:prstClr>
                 </a:solidFill>
               </a:rPr>
-              <a:t>2020-08-19</a:t>
+              <a:t>2020-08-25</a:t>
             </a:fld>
             <a:endParaRPr lang="ko-KR" altLang="en-US">
               <a:solidFill>
@@ -23147,7 +23147,7 @@
                   </a:prstClr>
                 </a:solidFill>
               </a:rPr>
-              <a:t>2020-08-19</a:t>
+              <a:t>2020-08-25</a:t>
             </a:fld>
             <a:endParaRPr lang="ko-KR" altLang="en-US">
               <a:solidFill>
@@ -23388,7 +23388,7 @@
                   </a:prstClr>
                 </a:solidFill>
               </a:rPr>
-              <a:t>2020-08-19</a:t>
+              <a:t>2020-08-25</a:t>
             </a:fld>
             <a:endParaRPr lang="ko-KR" altLang="en-US">
               <a:solidFill>
@@ -23615,7 +23615,7 @@
                   </a:prstClr>
                 </a:solidFill>
               </a:rPr>
-              <a:t>2020-08-19</a:t>
+              <a:t>2020-08-25</a:t>
             </a:fld>
             <a:endParaRPr lang="ko-KR" altLang="en-US">
               <a:solidFill>
@@ -23977,7 +23977,7 @@
                   </a:prstClr>
                 </a:solidFill>
               </a:rPr>
-              <a:t>2020-08-19</a:t>
+              <a:t>2020-08-25</a:t>
             </a:fld>
             <a:endParaRPr lang="ko-KR" altLang="en-US">
               <a:solidFill>
@@ -24090,7 +24090,7 @@
                   </a:prstClr>
                 </a:solidFill>
               </a:rPr>
-              <a:t>2020-08-19</a:t>
+              <a:t>2020-08-25</a:t>
             </a:fld>
             <a:endParaRPr lang="ko-KR" altLang="en-US">
               <a:solidFill>
@@ -24180,7 +24180,7 @@
                   </a:prstClr>
                 </a:solidFill>
               </a:rPr>
-              <a:t>2020-08-19</a:t>
+              <a:t>2020-08-25</a:t>
             </a:fld>
             <a:endParaRPr lang="ko-KR" altLang="en-US">
               <a:solidFill>
@@ -24452,7 +24452,7 @@
                   </a:prstClr>
                 </a:solidFill>
               </a:rPr>
-              <a:t>2020-08-19</a:t>
+              <a:t>2020-08-25</a:t>
             </a:fld>
             <a:endParaRPr lang="ko-KR" altLang="en-US">
               <a:solidFill>
@@ -24700,7 +24700,7 @@
                   </a:prstClr>
                 </a:solidFill>
               </a:rPr>
-              <a:t>2020-08-19</a:t>
+              <a:t>2020-08-25</a:t>
             </a:fld>
             <a:endParaRPr lang="ko-KR" altLang="en-US">
               <a:solidFill>
@@ -24908,7 +24908,7 @@
                   </a:prstClr>
                 </a:solidFill>
               </a:rPr>
-              <a:t>2020-08-19</a:t>
+              <a:t>2020-08-25</a:t>
             </a:fld>
             <a:endParaRPr lang="ko-KR" altLang="en-US">
               <a:solidFill>
@@ -26221,16 +26221,64 @@
           </a:p>
         </p:txBody>
       </p:sp>
+      <p:pic>
+        <p:nvPicPr>
+          <p:cNvPr id="18" name="그림 17"/>
+          <p:cNvPicPr>
+            <a:picLocks noChangeAspect="1"/>
+          </p:cNvPicPr>
+          <p:nvPr/>
+        </p:nvPicPr>
+        <p:blipFill>
+          <a:blip r:embed="rId2"/>
+          <a:stretch>
+            <a:fillRect/>
+          </a:stretch>
+        </p:blipFill>
+        <p:spPr>
+          <a:xfrm>
+            <a:off x="589053" y="3125005"/>
+            <a:ext cx="3393278" cy="3289402"/>
+          </a:xfrm>
+          <a:prstGeom prst="rect">
+            <a:avLst/>
+          </a:prstGeom>
+        </p:spPr>
+      </p:pic>
+      <p:pic>
+        <p:nvPicPr>
+          <p:cNvPr id="21" name="그림 20"/>
+          <p:cNvPicPr>
+            <a:picLocks noChangeAspect="1"/>
+          </p:cNvPicPr>
+          <p:nvPr/>
+        </p:nvPicPr>
+        <p:blipFill>
+          <a:blip r:embed="rId3"/>
+          <a:stretch>
+            <a:fillRect/>
+          </a:stretch>
+        </p:blipFill>
+        <p:spPr>
+          <a:xfrm>
+            <a:off x="609206" y="1326853"/>
+            <a:ext cx="5958852" cy="1783955"/>
+          </a:xfrm>
+          <a:prstGeom prst="rect">
+            <a:avLst/>
+          </a:prstGeom>
+        </p:spPr>
+      </p:pic>
       <p:graphicFrame>
         <p:nvGraphicFramePr>
-          <p:cNvPr id="25" name="표 24"/>
+          <p:cNvPr id="22" name="표 21"/>
           <p:cNvGraphicFramePr>
             <a:graphicFrameLocks noGrp="1"/>
           </p:cNvGraphicFramePr>
           <p:nvPr>
             <p:extLst>
               <p:ext uri="{D42A27DB-BD31-4B8C-83A1-F6EECF244321}">
-                <p14:modId xmlns:p14="http://schemas.microsoft.com/office/powerpoint/2010/main" val="1585232247"/>
+                <p14:modId xmlns:p14="http://schemas.microsoft.com/office/powerpoint/2010/main" val="1483044852"/>
               </p:ext>
             </p:extLst>
           </p:nvPr>
@@ -26356,10 +26404,10 @@
                     <a:p>
                       <a:pPr algn="ctr" latinLnBrk="1"/>
                       <a:r>
-                        <a:rPr lang="ko-KR" altLang="en-US" sz="1400" b="1" dirty="0" smtClean="0"/>
+                        <a:rPr lang="ko-KR" altLang="en-US" sz="1400" dirty="0" smtClean="0"/>
                         <a:t>총계</a:t>
                       </a:r>
-                      <a:endParaRPr lang="ko-KR" altLang="en-US" sz="1400" b="1" dirty="0"/>
+                      <a:endParaRPr lang="ko-KR" altLang="en-US" sz="1400" dirty="0"/>
                     </a:p>
                   </a:txBody>
                   <a:tcPr anchor="ctr">
@@ -26377,10 +26425,10 @@
                     <a:p>
                       <a:pPr algn="ctr" latinLnBrk="1"/>
                       <a:r>
-                        <a:rPr lang="en-US" altLang="ko-KR" sz="1400" b="1" dirty="0" smtClean="0"/>
-                        <a:t>2</a:t>
+                        <a:rPr lang="en-US" altLang="ko-KR" sz="1400" dirty="0" smtClean="0"/>
+                        <a:t>3</a:t>
                       </a:r>
-                      <a:endParaRPr lang="ko-KR" altLang="en-US" sz="1400" b="1" dirty="0"/>
+                      <a:endParaRPr lang="ko-KR" altLang="en-US" sz="1400" dirty="0"/>
                     </a:p>
                   </a:txBody>
                   <a:tcPr anchor="ctr"/>
@@ -26392,10 +26440,10 @@
                     <a:p>
                       <a:pPr algn="ctr" latinLnBrk="1"/>
                       <a:r>
-                        <a:rPr lang="en-US" altLang="ko-KR" sz="1400" b="1" dirty="0" smtClean="0"/>
+                        <a:rPr lang="en-US" altLang="ko-KR" sz="1400" dirty="0" smtClean="0"/>
                         <a:t>5</a:t>
                       </a:r>
-                      <a:endParaRPr lang="ko-KR" altLang="en-US" sz="1400" b="1" dirty="0"/>
+                      <a:endParaRPr lang="ko-KR" altLang="en-US" sz="1400" dirty="0"/>
                     </a:p>
                   </a:txBody>
                   <a:tcPr anchor="ctr"/>
@@ -26407,10 +26455,10 @@
                     <a:p>
                       <a:pPr algn="ctr" latinLnBrk="1"/>
                       <a:r>
-                        <a:rPr lang="en-US" altLang="ko-KR" sz="1400" b="1" dirty="0" smtClean="0"/>
+                        <a:rPr lang="en-US" altLang="ko-KR" sz="1400" dirty="0" smtClean="0"/>
                         <a:t>7</a:t>
                       </a:r>
-                      <a:endParaRPr lang="ko-KR" altLang="en-US" sz="1400" b="1" dirty="0"/>
+                      <a:endParaRPr lang="ko-KR" altLang="en-US" sz="1400" dirty="0"/>
                     </a:p>
                   </a:txBody>
                   <a:tcPr anchor="ctr"/>
@@ -26459,7 +26507,11 @@
                       <a:pPr algn="ctr" latinLnBrk="1"/>
                       <a:r>
                         <a:rPr lang="en-US" altLang="ko-KR" sz="1400" dirty="0" smtClean="0"/>
-                        <a:t>14.28 %</a:t>
+                        <a:t>20 </a:t>
+                      </a:r>
+                      <a:r>
+                        <a:rPr lang="en-US" altLang="ko-KR" sz="1400" dirty="0" smtClean="0"/>
+                        <a:t>%</a:t>
                       </a:r>
                       <a:endParaRPr lang="ko-KR" altLang="en-US" sz="1400" dirty="0"/>
                     </a:p>
@@ -26474,7 +26526,11 @@
                       <a:pPr algn="ctr" latinLnBrk="1"/>
                       <a:r>
                         <a:rPr lang="en-US" altLang="ko-KR" sz="1400" dirty="0" smtClean="0"/>
-                        <a:t>35.71 %</a:t>
+                        <a:t>33.33 </a:t>
+                      </a:r>
+                      <a:r>
+                        <a:rPr lang="en-US" altLang="ko-KR" sz="1400" dirty="0" smtClean="0"/>
+                        <a:t>%</a:t>
                       </a:r>
                       <a:endParaRPr lang="ko-KR" altLang="en-US" sz="1400" dirty="0"/>
                     </a:p>
@@ -26489,7 +26545,11 @@
                       <a:pPr algn="ctr" latinLnBrk="1"/>
                       <a:r>
                         <a:rPr lang="en-US" altLang="ko-KR" sz="1400" dirty="0" smtClean="0"/>
-                        <a:t>50 %</a:t>
+                        <a:t>46.66 </a:t>
+                      </a:r>
+                      <a:r>
+                        <a:rPr lang="en-US" altLang="ko-KR" sz="1400" dirty="0" smtClean="0"/>
+                        <a:t>%</a:t>
                       </a:r>
                     </a:p>
                   </a:txBody>
@@ -26590,18 +26650,18 @@
                     <a:p>
                       <a:pPr algn="ctr" latinLnBrk="1"/>
                       <a:r>
-                        <a:rPr lang="ko-KR" altLang="en-US" sz="1400" b="1" dirty="0" smtClean="0"/>
+                        <a:rPr lang="ko-KR" altLang="en-US" sz="1400" dirty="0" smtClean="0"/>
                         <a:t>평균</a:t>
                       </a:r>
-                      <a:endParaRPr lang="en-US" altLang="ko-KR" sz="1400" b="1" dirty="0" smtClean="0"/>
+                      <a:endParaRPr lang="en-US" altLang="ko-KR" sz="1400" dirty="0" smtClean="0"/>
                     </a:p>
                     <a:p>
                       <a:pPr algn="ctr" latinLnBrk="1"/>
                       <a:r>
-                        <a:rPr lang="ko-KR" altLang="en-US" sz="1400" b="1" dirty="0" smtClean="0"/>
+                        <a:rPr lang="ko-KR" altLang="en-US" sz="1400" dirty="0" smtClean="0"/>
                         <a:t>조회수</a:t>
                       </a:r>
-                      <a:endParaRPr lang="ko-KR" altLang="en-US" sz="1400" b="1" dirty="0"/>
+                      <a:endParaRPr lang="ko-KR" altLang="en-US" sz="1400" dirty="0"/>
                     </a:p>
                   </a:txBody>
                   <a:tcPr anchor="ctr">
@@ -26619,10 +26679,10 @@
                     <a:p>
                       <a:pPr algn="ctr" latinLnBrk="1"/>
                       <a:r>
-                        <a:rPr lang="en-US" altLang="ko-KR" sz="1400" b="1" dirty="0" smtClean="0"/>
-                        <a:t>66,214</a:t>
+                        <a:rPr lang="en-US" altLang="ko-KR" sz="1400" dirty="0" smtClean="0"/>
+                        <a:t>68,613</a:t>
                       </a:r>
-                      <a:endParaRPr lang="ko-KR" altLang="en-US" sz="1400" b="1" dirty="0"/>
+                      <a:endParaRPr lang="ko-KR" altLang="en-US" sz="1400" dirty="0"/>
                     </a:p>
                   </a:txBody>
                   <a:tcPr anchor="ctr"/>
@@ -26634,10 +26694,10 @@
                     <a:p>
                       <a:pPr algn="ctr" latinLnBrk="1"/>
                       <a:r>
-                        <a:rPr lang="en-US" altLang="ko-KR" sz="1400" b="1" dirty="0" smtClean="0"/>
+                        <a:rPr lang="en-US" altLang="ko-KR" sz="1400" dirty="0" smtClean="0"/>
                         <a:t>40,197</a:t>
                       </a:r>
-                      <a:endParaRPr lang="ko-KR" altLang="en-US" sz="1400" b="1" dirty="0"/>
+                      <a:endParaRPr lang="ko-KR" altLang="en-US" sz="1400" dirty="0"/>
                     </a:p>
                   </a:txBody>
                   <a:tcPr anchor="ctr"/>
@@ -26649,10 +26709,10 @@
                     <a:p>
                       <a:pPr algn="ctr" latinLnBrk="1"/>
                       <a:r>
-                        <a:rPr lang="en-US" altLang="ko-KR" sz="1400" b="1" dirty="0" smtClean="0"/>
+                        <a:rPr lang="en-US" altLang="ko-KR" sz="1400" dirty="0" smtClean="0"/>
                         <a:t>74,447</a:t>
                       </a:r>
-                      <a:endParaRPr lang="ko-KR" altLang="en-US" sz="1400" b="1" dirty="0"/>
+                      <a:endParaRPr lang="ko-KR" altLang="en-US" sz="1400" dirty="0"/>
                     </a:p>
                   </a:txBody>
                   <a:tcPr anchor="ctr"/>
@@ -26671,18 +26731,18 @@
                     <a:p>
                       <a:pPr algn="ctr" latinLnBrk="1"/>
                       <a:r>
-                        <a:rPr lang="ko-KR" altLang="en-US" sz="1400" b="1" dirty="0" smtClean="0"/>
+                        <a:rPr lang="ko-KR" altLang="en-US" sz="1400" dirty="0" smtClean="0"/>
                         <a:t>총</a:t>
                       </a:r>
-                      <a:endParaRPr lang="en-US" altLang="ko-KR" sz="1400" b="1" dirty="0" smtClean="0"/>
+                      <a:endParaRPr lang="en-US" altLang="ko-KR" sz="1400" dirty="0" smtClean="0"/>
                     </a:p>
                     <a:p>
                       <a:pPr algn="ctr" latinLnBrk="1"/>
                       <a:r>
-                        <a:rPr lang="ko-KR" altLang="en-US" sz="1400" b="1" dirty="0" smtClean="0"/>
+                        <a:rPr lang="ko-KR" altLang="en-US" sz="1400" dirty="0" smtClean="0"/>
                         <a:t>조회수</a:t>
                       </a:r>
-                      <a:endParaRPr lang="ko-KR" altLang="en-US" sz="1400" b="1" dirty="0"/>
+                      <a:endParaRPr lang="ko-KR" altLang="en-US" sz="1400" dirty="0"/>
                     </a:p>
                   </a:txBody>
                   <a:tcPr anchor="ctr">
@@ -26700,17 +26760,10 @@
                     <a:p>
                       <a:pPr algn="ctr" latinLnBrk="1"/>
                       <a:r>
-                        <a:rPr lang="en-US" altLang="ko-KR" sz="1400" b="1" dirty="0" smtClean="0"/>
-                        <a:t>132,428</a:t>
+                        <a:rPr lang="en-US" altLang="ko-KR" sz="1400" dirty="0" smtClean="0"/>
+                        <a:t>205,839</a:t>
                       </a:r>
-                    </a:p>
-                    <a:p>
-                      <a:pPr algn="ctr" latinLnBrk="1"/>
-                      <a:r>
-                        <a:rPr lang="en-US" altLang="ko-KR" sz="1200" b="1" dirty="0" smtClean="0"/>
-                        <a:t>(15.49%)</a:t>
-                      </a:r>
-                      <a:endParaRPr lang="ko-KR" altLang="en-US" sz="1200" b="1" dirty="0"/>
+                      <a:endParaRPr lang="ko-KR" altLang="en-US" sz="1400" dirty="0"/>
                     </a:p>
                   </a:txBody>
                   <a:tcPr anchor="ctr"/>
@@ -26722,17 +26775,10 @@
                     <a:p>
                       <a:pPr algn="ctr" latinLnBrk="1"/>
                       <a:r>
-                        <a:rPr lang="en-US" altLang="ko-KR" sz="1400" b="1" dirty="0" smtClean="0"/>
+                        <a:rPr lang="en-US" altLang="ko-KR" sz="1400" dirty="0" smtClean="0"/>
                         <a:t>200,985</a:t>
                       </a:r>
-                    </a:p>
-                    <a:p>
-                      <a:pPr algn="ctr" latinLnBrk="1"/>
-                      <a:r>
-                        <a:rPr lang="en-US" altLang="ko-KR" sz="1200" b="1" dirty="0" smtClean="0"/>
-                        <a:t>(23.51%)</a:t>
-                      </a:r>
-                      <a:endParaRPr lang="ko-KR" altLang="en-US" sz="1400" b="1" dirty="0"/>
+                      <a:endParaRPr lang="ko-KR" altLang="en-US" sz="1400" dirty="0"/>
                     </a:p>
                   </a:txBody>
                   <a:tcPr anchor="ctr"/>
@@ -26744,17 +26790,10 @@
                     <a:p>
                       <a:pPr algn="ctr" latinLnBrk="1"/>
                       <a:r>
-                        <a:rPr lang="en-US" altLang="ko-KR" sz="1400" b="1" dirty="0" smtClean="0"/>
+                        <a:rPr lang="en-US" altLang="ko-KR" sz="1400" dirty="0" smtClean="0"/>
                         <a:t>521,129</a:t>
                       </a:r>
-                    </a:p>
-                    <a:p>
-                      <a:pPr algn="ctr" latinLnBrk="1"/>
-                      <a:r>
-                        <a:rPr lang="en-US" altLang="ko-KR" sz="1200" b="1" dirty="0" smtClean="0"/>
-                        <a:t>(60.98%)</a:t>
-                      </a:r>
-                      <a:endParaRPr lang="ko-KR" altLang="en-US" sz="1400" b="1" dirty="0"/>
+                      <a:endParaRPr lang="ko-KR" altLang="en-US" sz="1400" dirty="0"/>
                     </a:p>
                   </a:txBody>
                   <a:tcPr anchor="ctr"/>
@@ -26771,135 +26810,7 @@
       </p:graphicFrame>
       <p:pic>
         <p:nvPicPr>
-          <p:cNvPr id="4098" name="Picture 2"/>
-          <p:cNvPicPr>
-            <a:picLocks noChangeAspect="1" noChangeArrowheads="1"/>
-          </p:cNvPicPr>
-          <p:nvPr/>
-        </p:nvPicPr>
-        <p:blipFill>
-          <a:blip r:embed="rId2">
-            <a:extLst>
-              <a:ext uri="{28A0092B-C50C-407E-A947-70E740481C1C}">
-                <a14:useLocalDpi xmlns:a14="http://schemas.microsoft.com/office/drawing/2010/main" val="0"/>
-              </a:ext>
-            </a:extLst>
-          </a:blip>
-          <a:srcRect/>
-          <a:stretch>
-            <a:fillRect/>
-          </a:stretch>
-        </p:blipFill>
-        <p:spPr bwMode="auto">
-          <a:xfrm>
-            <a:off x="605680" y="1326853"/>
-            <a:ext cx="5962378" cy="1782795"/>
-          </a:xfrm>
-          <a:prstGeom prst="rect">
-            <a:avLst/>
-          </a:prstGeom>
-          <a:noFill/>
-          <a:ln>
-            <a:noFill/>
-          </a:ln>
-          <a:effectLst/>
-          <a:extLst>
-            <a:ext uri="{909E8E84-426E-40DD-AFC4-6F175D3DCCD1}">
-              <a14:hiddenFill xmlns:a14="http://schemas.microsoft.com/office/drawing/2010/main">
-                <a:solidFill>
-                  <a:schemeClr val="accent1"/>
-                </a:solidFill>
-              </a14:hiddenFill>
-            </a:ext>
-            <a:ext uri="{91240B29-F687-4F45-9708-019B960494DF}">
-              <a14:hiddenLine xmlns:a14="http://schemas.microsoft.com/office/drawing/2010/main" w="9525">
-                <a:solidFill>
-                  <a:schemeClr val="tx1"/>
-                </a:solidFill>
-                <a:miter lim="800000"/>
-                <a:headEnd/>
-                <a:tailEnd/>
-              </a14:hiddenLine>
-            </a:ext>
-            <a:ext uri="{AF507438-7753-43E0-B8FC-AC1667EBCBE1}">
-              <a14:hiddenEffects xmlns:a14="http://schemas.microsoft.com/office/drawing/2010/main">
-                <a:effectLst>
-                  <a:outerShdw dist="35921" dir="2700000" algn="ctr" rotWithShape="0">
-                    <a:schemeClr val="bg2"/>
-                  </a:outerShdw>
-                </a:effectLst>
-              </a14:hiddenEffects>
-            </a:ext>
-          </a:extLst>
-        </p:spPr>
-      </p:pic>
-      <p:pic>
-        <p:nvPicPr>
-          <p:cNvPr id="4099" name="Picture 3"/>
-          <p:cNvPicPr>
-            <a:picLocks noChangeAspect="1" noChangeArrowheads="1"/>
-          </p:cNvPicPr>
-          <p:nvPr/>
-        </p:nvPicPr>
-        <p:blipFill>
-          <a:blip r:embed="rId3">
-            <a:extLst>
-              <a:ext uri="{28A0092B-C50C-407E-A947-70E740481C1C}">
-                <a14:useLocalDpi xmlns:a14="http://schemas.microsoft.com/office/drawing/2010/main" val="0"/>
-              </a:ext>
-            </a:extLst>
-          </a:blip>
-          <a:srcRect/>
-          <a:stretch>
-            <a:fillRect/>
-          </a:stretch>
-        </p:blipFill>
-        <p:spPr bwMode="auto">
-          <a:xfrm>
-            <a:off x="589054" y="3109648"/>
-            <a:ext cx="3383771" cy="3291696"/>
-          </a:xfrm>
-          <a:prstGeom prst="rect">
-            <a:avLst/>
-          </a:prstGeom>
-          <a:noFill/>
-          <a:ln>
-            <a:noFill/>
-          </a:ln>
-          <a:effectLst/>
-          <a:extLst>
-            <a:ext uri="{909E8E84-426E-40DD-AFC4-6F175D3DCCD1}">
-              <a14:hiddenFill xmlns:a14="http://schemas.microsoft.com/office/drawing/2010/main">
-                <a:solidFill>
-                  <a:schemeClr val="accent1"/>
-                </a:solidFill>
-              </a14:hiddenFill>
-            </a:ext>
-            <a:ext uri="{91240B29-F687-4F45-9708-019B960494DF}">
-              <a14:hiddenLine xmlns:a14="http://schemas.microsoft.com/office/drawing/2010/main" w="9525">
-                <a:solidFill>
-                  <a:schemeClr val="tx1"/>
-                </a:solidFill>
-                <a:miter lim="800000"/>
-                <a:headEnd/>
-                <a:tailEnd/>
-              </a14:hiddenLine>
-            </a:ext>
-            <a:ext uri="{AF507438-7753-43E0-B8FC-AC1667EBCBE1}">
-              <a14:hiddenEffects xmlns:a14="http://schemas.microsoft.com/office/drawing/2010/main">
-                <a:effectLst>
-                  <a:outerShdw dist="35921" dir="2700000" algn="ctr" rotWithShape="0">
-                    <a:schemeClr val="bg2"/>
-                  </a:outerShdw>
-                </a:effectLst>
-              </a14:hiddenEffects>
-            </a:ext>
-          </a:extLst>
-        </p:spPr>
-      </p:pic>
-      <p:pic>
-        <p:nvPicPr>
-          <p:cNvPr id="4100" name="Picture 4"/>
+          <p:cNvPr id="24" name="Picture 4"/>
           <p:cNvPicPr>
             <a:picLocks noChangeAspect="1" noChangeArrowheads="1"/>
           </p:cNvPicPr>
@@ -26963,7 +26874,7 @@
       </p:pic>
       <p:sp>
         <p:nvSpPr>
-          <p:cNvPr id="23" name="액자 22"/>
+          <p:cNvPr id="26" name="액자 25"/>
           <p:cNvSpPr/>
           <p:nvPr/>
         </p:nvSpPr>
@@ -27017,7 +26928,7 @@
       </p:sp>
       <p:sp>
         <p:nvSpPr>
-          <p:cNvPr id="16" name="액자 15"/>
+          <p:cNvPr id="27" name="액자 26"/>
           <p:cNvSpPr/>
           <p:nvPr/>
         </p:nvSpPr>
@@ -27071,7 +26982,7 @@
       </p:sp>
       <p:sp>
         <p:nvSpPr>
-          <p:cNvPr id="19" name="액자 18"/>
+          <p:cNvPr id="28" name="액자 27"/>
           <p:cNvSpPr/>
           <p:nvPr/>
         </p:nvSpPr>
@@ -27125,7 +27036,7 @@
       </p:sp>
       <p:sp>
         <p:nvSpPr>
-          <p:cNvPr id="14" name="액자 13"/>
+          <p:cNvPr id="29" name="액자 28"/>
           <p:cNvSpPr/>
           <p:nvPr/>
         </p:nvSpPr>
@@ -27179,7 +27090,7 @@
       </p:sp>
       <p:sp>
         <p:nvSpPr>
-          <p:cNvPr id="17" name="액자 16"/>
+          <p:cNvPr id="30" name="액자 29"/>
           <p:cNvSpPr/>
           <p:nvPr/>
         </p:nvSpPr>
@@ -30954,7 +30865,7 @@
       </p:pic>
       <p:pic>
         <p:nvPicPr>
-          <p:cNvPr id="3" name="그림 2"/>
+          <p:cNvPr id="22" name="그림 21"/>
           <p:cNvPicPr>
             <a:picLocks noChangeAspect="1"/>
           </p:cNvPicPr>
@@ -30968,8 +30879,8 @@
         </p:blipFill>
         <p:spPr>
           <a:xfrm>
-            <a:off x="589055" y="1313612"/>
-            <a:ext cx="4361318" cy="2060936"/>
+            <a:off x="589052" y="3374549"/>
+            <a:ext cx="3329757" cy="3051310"/>
           </a:xfrm>
           <a:prstGeom prst="rect">
             <a:avLst/>
@@ -30978,7 +30889,7 @@
       </p:pic>
       <p:pic>
         <p:nvPicPr>
-          <p:cNvPr id="4" name="그림 3"/>
+          <p:cNvPr id="23" name="그림 22"/>
           <p:cNvPicPr>
             <a:picLocks noChangeAspect="1"/>
           </p:cNvPicPr>
@@ -30992,8 +30903,8 @@
         </p:blipFill>
         <p:spPr>
           <a:xfrm>
-            <a:off x="589054" y="3374549"/>
-            <a:ext cx="3329756" cy="3051310"/>
+            <a:off x="589053" y="1313612"/>
+            <a:ext cx="4361320" cy="2060937"/>
           </a:xfrm>
           <a:prstGeom prst="rect">
             <a:avLst/>
@@ -31002,7 +30913,7 @@
       </p:pic>
       <p:sp>
         <p:nvSpPr>
-          <p:cNvPr id="14" name="액자 13"/>
+          <p:cNvPr id="24" name="액자 23"/>
           <p:cNvSpPr/>
           <p:nvPr/>
         </p:nvSpPr>
@@ -31056,7 +30967,7 @@
       </p:sp>
       <p:sp>
         <p:nvSpPr>
-          <p:cNvPr id="16" name="액자 15"/>
+          <p:cNvPr id="25" name="액자 24"/>
           <p:cNvSpPr/>
           <p:nvPr/>
         </p:nvSpPr>
@@ -31110,7 +31021,7 @@
       </p:sp>
       <p:sp>
         <p:nvSpPr>
-          <p:cNvPr id="17" name="액자 16"/>
+          <p:cNvPr id="26" name="액자 25"/>
           <p:cNvSpPr/>
           <p:nvPr/>
         </p:nvSpPr>
@@ -31164,14 +31075,14 @@
       </p:sp>
       <p:graphicFrame>
         <p:nvGraphicFramePr>
-          <p:cNvPr id="18" name="표 17"/>
+          <p:cNvPr id="27" name="표 26"/>
           <p:cNvGraphicFramePr>
             <a:graphicFrameLocks noGrp="1"/>
           </p:cNvGraphicFramePr>
           <p:nvPr>
             <p:extLst>
               <p:ext uri="{D42A27DB-BD31-4B8C-83A1-F6EECF244321}">
-                <p14:modId xmlns:p14="http://schemas.microsoft.com/office/powerpoint/2010/main" val="4042153594"/>
+                <p14:modId xmlns:p14="http://schemas.microsoft.com/office/powerpoint/2010/main" val="981456024"/>
               </p:ext>
             </p:extLst>
           </p:nvPr>
@@ -31297,10 +31208,10 @@
                     <a:p>
                       <a:pPr algn="ctr" latinLnBrk="1"/>
                       <a:r>
-                        <a:rPr lang="ko-KR" altLang="en-US" sz="1400" b="1" dirty="0" smtClean="0"/>
+                        <a:rPr lang="ko-KR" altLang="en-US" sz="1400" dirty="0" smtClean="0"/>
                         <a:t>총계</a:t>
                       </a:r>
-                      <a:endParaRPr lang="ko-KR" altLang="en-US" sz="1400" b="1" dirty="0"/>
+                      <a:endParaRPr lang="ko-KR" altLang="en-US" sz="1400" dirty="0"/>
                     </a:p>
                   </a:txBody>
                   <a:tcPr anchor="ctr">
@@ -31318,10 +31229,10 @@
                     <a:p>
                       <a:pPr algn="ctr" latinLnBrk="1"/>
                       <a:r>
-                        <a:rPr lang="en-US" altLang="ko-KR" sz="1400" b="1" dirty="0" smtClean="0"/>
+                        <a:rPr lang="en-US" altLang="ko-KR" sz="1400" dirty="0" smtClean="0"/>
                         <a:t>2</a:t>
                       </a:r>
-                      <a:endParaRPr lang="ko-KR" altLang="en-US" sz="1400" b="1" dirty="0"/>
+                      <a:endParaRPr lang="ko-KR" altLang="en-US" sz="1400" dirty="0"/>
                     </a:p>
                   </a:txBody>
                   <a:tcPr anchor="ctr"/>
@@ -31333,10 +31244,10 @@
                     <a:p>
                       <a:pPr algn="ctr" latinLnBrk="1"/>
                       <a:r>
-                        <a:rPr lang="en-US" altLang="ko-KR" sz="1400" b="1" dirty="0" smtClean="0"/>
-                        <a:t>3</a:t>
+                        <a:rPr lang="en-US" altLang="ko-KR" sz="1400" dirty="0" smtClean="0"/>
+                        <a:t>2</a:t>
                       </a:r>
-                      <a:endParaRPr lang="ko-KR" altLang="en-US" sz="1400" b="1" dirty="0"/>
+                      <a:endParaRPr lang="ko-KR" altLang="en-US" sz="1400" dirty="0"/>
                     </a:p>
                   </a:txBody>
                   <a:tcPr anchor="ctr"/>
@@ -31348,10 +31259,10 @@
                     <a:p>
                       <a:pPr algn="ctr" latinLnBrk="1"/>
                       <a:r>
-                        <a:rPr lang="en-US" altLang="ko-KR" sz="1400" b="1" dirty="0" smtClean="0"/>
+                        <a:rPr lang="en-US" altLang="ko-KR" sz="1400" dirty="0" smtClean="0"/>
                         <a:t>6</a:t>
                       </a:r>
-                      <a:endParaRPr lang="ko-KR" altLang="en-US" sz="1400" b="1" dirty="0"/>
+                      <a:endParaRPr lang="ko-KR" altLang="en-US" sz="1400" dirty="0"/>
                     </a:p>
                   </a:txBody>
                   <a:tcPr anchor="ctr"/>
@@ -31400,7 +31311,11 @@
                       <a:pPr algn="ctr" latinLnBrk="1"/>
                       <a:r>
                         <a:rPr lang="en-US" altLang="ko-KR" sz="1400" dirty="0" smtClean="0"/>
-                        <a:t>18.18 %</a:t>
+                        <a:t>20 </a:t>
+                      </a:r>
+                      <a:r>
+                        <a:rPr lang="en-US" altLang="ko-KR" sz="1400" dirty="0" smtClean="0"/>
+                        <a:t>%</a:t>
                       </a:r>
                       <a:endParaRPr lang="ko-KR" altLang="en-US" sz="1400" dirty="0"/>
                     </a:p>
@@ -31415,7 +31330,11 @@
                       <a:pPr algn="ctr" latinLnBrk="1"/>
                       <a:r>
                         <a:rPr lang="en-US" altLang="ko-KR" sz="1400" dirty="0" smtClean="0"/>
-                        <a:t>27.27 %</a:t>
+                        <a:t>20 </a:t>
+                      </a:r>
+                      <a:r>
+                        <a:rPr lang="en-US" altLang="ko-KR" sz="1400" dirty="0" smtClean="0"/>
+                        <a:t>%</a:t>
                       </a:r>
                       <a:endParaRPr lang="ko-KR" altLang="en-US" sz="1400" dirty="0"/>
                     </a:p>
@@ -31430,7 +31349,11 @@
                       <a:pPr algn="ctr" latinLnBrk="1"/>
                       <a:r>
                         <a:rPr lang="en-US" altLang="ko-KR" sz="1400" dirty="0" smtClean="0"/>
-                        <a:t>54.54 %</a:t>
+                        <a:t>60 </a:t>
+                      </a:r>
+                      <a:r>
+                        <a:rPr lang="en-US" altLang="ko-KR" sz="1400" dirty="0" smtClean="0"/>
+                        <a:t>%</a:t>
                       </a:r>
                     </a:p>
                   </a:txBody>
@@ -31531,18 +31454,18 @@
                     <a:p>
                       <a:pPr algn="ctr" latinLnBrk="1"/>
                       <a:r>
-                        <a:rPr lang="ko-KR" altLang="en-US" sz="1400" b="1" dirty="0" smtClean="0"/>
+                        <a:rPr lang="ko-KR" altLang="en-US" sz="1400" dirty="0" smtClean="0"/>
                         <a:t>평균</a:t>
                       </a:r>
-                      <a:endParaRPr lang="en-US" altLang="ko-KR" sz="1400" b="1" dirty="0" smtClean="0"/>
+                      <a:endParaRPr lang="en-US" altLang="ko-KR" sz="1400" dirty="0" smtClean="0"/>
                     </a:p>
                     <a:p>
                       <a:pPr algn="ctr" latinLnBrk="1"/>
                       <a:r>
-                        <a:rPr lang="ko-KR" altLang="en-US" sz="1400" b="1" dirty="0" smtClean="0"/>
+                        <a:rPr lang="ko-KR" altLang="en-US" sz="1400" dirty="0" smtClean="0"/>
                         <a:t>조회수</a:t>
                       </a:r>
-                      <a:endParaRPr lang="ko-KR" altLang="en-US" sz="1400" b="1" dirty="0"/>
+                      <a:endParaRPr lang="ko-KR" altLang="en-US" sz="1400" dirty="0"/>
                     </a:p>
                   </a:txBody>
                   <a:tcPr anchor="ctr">
@@ -31576,10 +31499,10 @@
                         <a:defRPr/>
                       </a:pPr>
                       <a:r>
-                        <a:rPr lang="en-US" altLang="ko-KR" sz="1400" b="1" dirty="0" smtClean="0"/>
+                        <a:rPr lang="en-US" altLang="ko-KR" sz="1400" dirty="0" smtClean="0"/>
                         <a:t>32,837</a:t>
                       </a:r>
-                      <a:endParaRPr lang="ko-KR" altLang="en-US" sz="1400" b="1" dirty="0" smtClean="0"/>
+                      <a:endParaRPr lang="ko-KR" altLang="en-US" sz="1400" dirty="0" smtClean="0"/>
                     </a:p>
                   </a:txBody>
                   <a:tcPr anchor="ctr"/>
@@ -31591,10 +31514,10 @@
                     <a:p>
                       <a:pPr algn="ctr" latinLnBrk="1"/>
                       <a:r>
-                        <a:rPr lang="en-US" altLang="ko-KR" sz="1400" b="1" dirty="0" smtClean="0"/>
-                        <a:t>50,434</a:t>
+                        <a:rPr lang="en-US" altLang="ko-KR" sz="1400" dirty="0" smtClean="0"/>
+                        <a:t>66,247</a:t>
                       </a:r>
-                      <a:endParaRPr lang="ko-KR" altLang="en-US" sz="1400" b="1" dirty="0"/>
+                      <a:endParaRPr lang="ko-KR" altLang="en-US" sz="1400" dirty="0"/>
                     </a:p>
                   </a:txBody>
                   <a:tcPr anchor="ctr"/>
@@ -31606,10 +31529,10 @@
                     <a:p>
                       <a:pPr algn="ctr" latinLnBrk="1"/>
                       <a:r>
-                        <a:rPr lang="en-US" altLang="ko-KR" sz="1400" b="1" dirty="0" smtClean="0"/>
+                        <a:rPr lang="en-US" altLang="ko-KR" sz="1400" dirty="0" smtClean="0"/>
                         <a:t>52,101</a:t>
                       </a:r>
-                      <a:endParaRPr lang="ko-KR" altLang="en-US" sz="1400" b="1" dirty="0"/>
+                      <a:endParaRPr lang="ko-KR" altLang="en-US" sz="1400" dirty="0"/>
                     </a:p>
                   </a:txBody>
                   <a:tcPr anchor="ctr"/>
@@ -31628,18 +31551,18 @@
                     <a:p>
                       <a:pPr algn="ctr" latinLnBrk="1"/>
                       <a:r>
-                        <a:rPr lang="ko-KR" altLang="en-US" sz="1400" b="1" dirty="0" smtClean="0"/>
+                        <a:rPr lang="ko-KR" altLang="en-US" sz="1400" dirty="0" smtClean="0"/>
                         <a:t>총</a:t>
                       </a:r>
-                      <a:endParaRPr lang="en-US" altLang="ko-KR" sz="1400" b="1" dirty="0" smtClean="0"/>
+                      <a:endParaRPr lang="en-US" altLang="ko-KR" sz="1400" dirty="0" smtClean="0"/>
                     </a:p>
                     <a:p>
                       <a:pPr algn="ctr" latinLnBrk="1"/>
                       <a:r>
-                        <a:rPr lang="ko-KR" altLang="en-US" sz="1400" b="1" dirty="0" smtClean="0"/>
+                        <a:rPr lang="ko-KR" altLang="en-US" sz="1400" dirty="0" smtClean="0"/>
                         <a:t>조회수</a:t>
                       </a:r>
-                      <a:endParaRPr lang="ko-KR" altLang="en-US" sz="1400" b="1" dirty="0"/>
+                      <a:endParaRPr lang="ko-KR" altLang="en-US" sz="1400" dirty="0"/>
                     </a:p>
                   </a:txBody>
                   <a:tcPr anchor="ctr">
@@ -31673,33 +31596,10 @@
                         <a:defRPr/>
                       </a:pPr>
                       <a:r>
-                        <a:rPr lang="en-US" altLang="ko-KR" sz="1400" b="1" dirty="0" smtClean="0"/>
+                        <a:rPr lang="en-US" altLang="ko-KR" sz="1400" dirty="0" smtClean="0"/>
                         <a:t>65,674</a:t>
                       </a:r>
-                    </a:p>
-                    <a:p>
-                      <a:pPr marL="0" marR="0" indent="0" algn="ctr" defTabSz="914400" rtl="0" eaLnBrk="1" fontAlgn="auto" latinLnBrk="1" hangingPunct="1">
-                        <a:lnSpc>
-                          <a:spcPct val="100000"/>
-                        </a:lnSpc>
-                        <a:spcBef>
-                          <a:spcPts val="0"/>
-                        </a:spcBef>
-                        <a:spcAft>
-                          <a:spcPts val="0"/>
-                        </a:spcAft>
-                        <a:buClrTx/>
-                        <a:buSzTx/>
-                        <a:buFontTx/>
-                        <a:buNone/>
-                        <a:tabLst/>
-                        <a:defRPr/>
-                      </a:pPr>
-                      <a:r>
-                        <a:rPr lang="en-US" altLang="ko-KR" sz="1200" b="1" dirty="0" smtClean="0"/>
-                        <a:t>(12.40%)</a:t>
-                      </a:r>
-                      <a:endParaRPr lang="ko-KR" altLang="en-US" sz="1200" b="1" dirty="0" smtClean="0"/>
+                      <a:endParaRPr lang="ko-KR" altLang="en-US" sz="1400" dirty="0" smtClean="0"/>
                     </a:p>
                   </a:txBody>
                   <a:tcPr anchor="ctr"/>
@@ -31711,17 +31611,10 @@
                     <a:p>
                       <a:pPr algn="ctr" latinLnBrk="1"/>
                       <a:r>
-                        <a:rPr lang="en-US" altLang="ko-KR" sz="1400" b="1" dirty="0" smtClean="0"/>
-                        <a:t>151,302</a:t>
+                        <a:rPr lang="en-US" altLang="ko-KR" sz="1400" dirty="0" smtClean="0"/>
+                        <a:t>132,494</a:t>
                       </a:r>
-                    </a:p>
-                    <a:p>
-                      <a:pPr algn="ctr" latinLnBrk="1"/>
-                      <a:r>
-                        <a:rPr lang="en-US" altLang="ko-KR" sz="1200" b="1" dirty="0" smtClean="0"/>
-                        <a:t>(28.57%)</a:t>
-                      </a:r>
-                      <a:endParaRPr lang="ko-KR" altLang="en-US" sz="1200" b="1" dirty="0"/>
+                      <a:endParaRPr lang="ko-KR" altLang="en-US" sz="1400" dirty="0"/>
                     </a:p>
                   </a:txBody>
                   <a:tcPr anchor="ctr"/>
@@ -31733,17 +31626,10 @@
                     <a:p>
                       <a:pPr algn="ctr" latinLnBrk="1"/>
                       <a:r>
-                        <a:rPr lang="en-US" altLang="ko-KR" sz="1400" b="1" dirty="0" smtClean="0"/>
+                        <a:rPr lang="en-US" altLang="ko-KR" sz="1400" dirty="0" smtClean="0"/>
                         <a:t>312,606</a:t>
                       </a:r>
-                    </a:p>
-                    <a:p>
-                      <a:pPr algn="ctr" latinLnBrk="1"/>
-                      <a:r>
-                        <a:rPr lang="en-US" altLang="ko-KR" sz="1200" b="1" dirty="0" smtClean="0"/>
-                        <a:t>(59.02%)</a:t>
-                      </a:r>
-                      <a:endParaRPr lang="ko-KR" altLang="en-US" sz="1200" b="1" dirty="0"/>
+                      <a:endParaRPr lang="ko-KR" altLang="en-US" sz="1400" dirty="0"/>
                     </a:p>
                   </a:txBody>
                   <a:tcPr anchor="ctr"/>
@@ -31758,114 +31644,6 @@
           </a:graphicData>
         </a:graphic>
       </p:graphicFrame>
-      <p:sp>
-        <p:nvSpPr>
-          <p:cNvPr id="19" name="액자 18"/>
-          <p:cNvSpPr/>
-          <p:nvPr/>
-        </p:nvSpPr>
-        <p:spPr>
-          <a:xfrm>
-            <a:off x="5775243" y="2444565"/>
-            <a:ext cx="5454869" cy="945932"/>
-          </a:xfrm>
-          <a:prstGeom prst="frame">
-            <a:avLst>
-              <a:gd name="adj1" fmla="val 2163"/>
-            </a:avLst>
-          </a:prstGeom>
-          <a:solidFill>
-            <a:srgbClr val="FF0000"/>
-          </a:solidFill>
-          <a:ln>
-            <a:solidFill>
-              <a:srgbClr val="FF0000"/>
-            </a:solidFill>
-          </a:ln>
-        </p:spPr>
-        <p:style>
-          <a:lnRef idx="2">
-            <a:schemeClr val="accent1">
-              <a:shade val="50000"/>
-            </a:schemeClr>
-          </a:lnRef>
-          <a:fillRef idx="1">
-            <a:schemeClr val="accent1"/>
-          </a:fillRef>
-          <a:effectRef idx="0">
-            <a:schemeClr val="accent1"/>
-          </a:effectRef>
-          <a:fontRef idx="minor">
-            <a:schemeClr val="lt1"/>
-          </a:fontRef>
-        </p:style>
-        <p:txBody>
-          <a:bodyPr rtlCol="0" anchor="ctr"/>
-          <a:lstStyle/>
-          <a:p>
-            <a:pPr algn="ctr"/>
-            <a:endParaRPr lang="ko-KR" altLang="en-US">
-              <a:solidFill>
-                <a:schemeClr val="tx1"/>
-              </a:solidFill>
-            </a:endParaRPr>
-          </a:p>
-        </p:txBody>
-      </p:sp>
-      <p:sp>
-        <p:nvSpPr>
-          <p:cNvPr id="21" name="액자 20"/>
-          <p:cNvSpPr/>
-          <p:nvPr/>
-        </p:nvSpPr>
-        <p:spPr>
-          <a:xfrm>
-            <a:off x="5775243" y="4718080"/>
-            <a:ext cx="5454869" cy="1691395"/>
-          </a:xfrm>
-          <a:prstGeom prst="frame">
-            <a:avLst>
-              <a:gd name="adj1" fmla="val 1033"/>
-            </a:avLst>
-          </a:prstGeom>
-          <a:solidFill>
-            <a:srgbClr val="FF0000"/>
-          </a:solidFill>
-          <a:ln>
-            <a:solidFill>
-              <a:srgbClr val="FF0000"/>
-            </a:solidFill>
-          </a:ln>
-        </p:spPr>
-        <p:style>
-          <a:lnRef idx="2">
-            <a:schemeClr val="accent1">
-              <a:shade val="50000"/>
-            </a:schemeClr>
-          </a:lnRef>
-          <a:fillRef idx="1">
-            <a:schemeClr val="accent1"/>
-          </a:fillRef>
-          <a:effectRef idx="0">
-            <a:schemeClr val="accent1"/>
-          </a:effectRef>
-          <a:fontRef idx="minor">
-            <a:schemeClr val="lt1"/>
-          </a:fontRef>
-        </p:style>
-        <p:txBody>
-          <a:bodyPr rtlCol="0" anchor="ctr"/>
-          <a:lstStyle/>
-          <a:p>
-            <a:pPr algn="ctr"/>
-            <a:endParaRPr lang="ko-KR" altLang="en-US">
-              <a:solidFill>
-                <a:schemeClr val="tx1"/>
-              </a:solidFill>
-            </a:endParaRPr>
-          </a:p>
-        </p:txBody>
-      </p:sp>
     </p:spTree>
     <p:extLst>
       <p:ext uri="{BB962C8B-B14F-4D97-AF65-F5344CB8AC3E}">
@@ -35913,7 +35691,7 @@
           <p:nvPr>
             <p:extLst>
               <p:ext uri="{D42A27DB-BD31-4B8C-83A1-F6EECF244321}">
-                <p14:modId xmlns:p14="http://schemas.microsoft.com/office/powerpoint/2010/main" val="2399179247"/>
+                <p14:modId xmlns:p14="http://schemas.microsoft.com/office/powerpoint/2010/main" val="1740789045"/>
               </p:ext>
             </p:extLst>
           </p:nvPr>
@@ -35935,7 +35713,7 @@
           <p:nvPr>
             <p:extLst>
               <p:ext uri="{D42A27DB-BD31-4B8C-83A1-F6EECF244321}">
-                <p14:modId xmlns:p14="http://schemas.microsoft.com/office/powerpoint/2010/main" val="1427293031"/>
+                <p14:modId xmlns:p14="http://schemas.microsoft.com/office/powerpoint/2010/main" val="1383732391"/>
               </p:ext>
             </p:extLst>
           </p:nvPr>
@@ -37685,7 +37463,7 @@
           <p:nvPr>
             <p:extLst>
               <p:ext uri="{D42A27DB-BD31-4B8C-83A1-F6EECF244321}">
-                <p14:modId xmlns:p14="http://schemas.microsoft.com/office/powerpoint/2010/main" val="3519020995"/>
+                <p14:modId xmlns:p14="http://schemas.microsoft.com/office/powerpoint/2010/main" val="666193861"/>
               </p:ext>
             </p:extLst>
           </p:nvPr>
@@ -38403,7 +38181,7 @@
           <p:nvPr>
             <p:extLst>
               <p:ext uri="{D42A27DB-BD31-4B8C-83A1-F6EECF244321}">
-                <p14:modId xmlns:p14="http://schemas.microsoft.com/office/powerpoint/2010/main" val="1768355202"/>
+                <p14:modId xmlns:p14="http://schemas.microsoft.com/office/powerpoint/2010/main" val="2212267957"/>
               </p:ext>
             </p:extLst>
           </p:nvPr>
@@ -38425,7 +38203,7 @@
           <p:nvPr>
             <p:extLst>
               <p:ext uri="{D42A27DB-BD31-4B8C-83A1-F6EECF244321}">
-                <p14:modId xmlns:p14="http://schemas.microsoft.com/office/powerpoint/2010/main" val="914817644"/>
+                <p14:modId xmlns:p14="http://schemas.microsoft.com/office/powerpoint/2010/main" val="2774981783"/>
               </p:ext>
             </p:extLst>
           </p:nvPr>
@@ -40649,7 +40427,7 @@
           <p:nvPr>
             <p:extLst>
               <p:ext uri="{D42A27DB-BD31-4B8C-83A1-F6EECF244321}">
-                <p14:modId xmlns:p14="http://schemas.microsoft.com/office/powerpoint/2010/main" val="2150594652"/>
+                <p14:modId xmlns:p14="http://schemas.microsoft.com/office/powerpoint/2010/main" val="2551869576"/>
               </p:ext>
             </p:extLst>
           </p:nvPr>
@@ -40671,7 +40449,7 @@
           <p:nvPr>
             <p:extLst>
               <p:ext uri="{D42A27DB-BD31-4B8C-83A1-F6EECF244321}">
-                <p14:modId xmlns:p14="http://schemas.microsoft.com/office/powerpoint/2010/main" val="3010203409"/>
+                <p14:modId xmlns:p14="http://schemas.microsoft.com/office/powerpoint/2010/main" val="1557358813"/>
               </p:ext>
             </p:extLst>
           </p:nvPr>
@@ -50737,9 +50515,81 @@
           </a:p>
         </p:txBody>
       </p:sp>
+      <p:sp>
+        <p:nvSpPr>
+          <p:cNvPr id="30" name="직사각형 29">
+            <a:extLst>
+              <a:ext uri="{FF2B5EF4-FFF2-40B4-BE49-F238E27FC236}">
+                <a16:creationId xmlns:a16="http://schemas.microsoft.com/office/drawing/2014/main" id="{3FA00699-5178-465A-9F3F-130CF1431F70}"/>
+              </a:ext>
+            </a:extLst>
+          </p:cNvPr>
+          <p:cNvSpPr/>
+          <p:nvPr/>
+        </p:nvSpPr>
+        <p:spPr>
+          <a:xfrm>
+            <a:off x="589054" y="547161"/>
+            <a:ext cx="4453209" cy="646331"/>
+          </a:xfrm>
+          <a:prstGeom prst="rect">
+            <a:avLst/>
+          </a:prstGeom>
+        </p:spPr>
+        <p:txBody>
+          <a:bodyPr wrap="square" anchor="ctr">
+            <a:spAutoFit/>
+          </a:bodyPr>
+          <a:lstStyle/>
+          <a:p>
+            <a:pPr>
+              <a:lnSpc>
+                <a:spcPct val="150000"/>
+              </a:lnSpc>
+            </a:pPr>
+            <a:r>
+              <a:rPr lang="ko-KR" altLang="en-US" sz="2400" b="1" dirty="0" smtClean="0">
+                <a:solidFill>
+                  <a:srgbClr val="44546A">
+                    <a:lumMod val="75000"/>
+                  </a:srgbClr>
+                </a:solidFill>
+              </a:rPr>
+              <a:t>살인마협회장</a:t>
+            </a:r>
+            <a:r>
+              <a:rPr lang="en-US" altLang="ko-KR" sz="2400" b="1" dirty="0" smtClean="0">
+                <a:solidFill>
+                  <a:srgbClr val="44546A">
+                    <a:lumMod val="75000"/>
+                  </a:srgbClr>
+                </a:solidFill>
+              </a:rPr>
+              <a:t>(DBD) </a:t>
+            </a:r>
+            <a:r>
+              <a:rPr lang="ko-KR" altLang="en-US" sz="2400" b="1" dirty="0" smtClean="0">
+                <a:solidFill>
+                  <a:srgbClr val="44546A">
+                    <a:lumMod val="75000"/>
+                  </a:srgbClr>
+                </a:solidFill>
+              </a:rPr>
+              <a:t>영상 작업</a:t>
+            </a:r>
+            <a:endParaRPr lang="en-US" altLang="ko-KR" sz="2400" b="1" dirty="0">
+              <a:solidFill>
+                <a:srgbClr val="44546A">
+                  <a:lumMod val="75000"/>
+                </a:srgbClr>
+              </a:solidFill>
+            </a:endParaRPr>
+          </a:p>
+        </p:txBody>
+      </p:sp>
       <p:pic>
         <p:nvPicPr>
-          <p:cNvPr id="26" name="Picture 2"/>
+          <p:cNvPr id="12" name="Picture 2"/>
           <p:cNvPicPr>
             <a:picLocks noChangeAspect="1" noChangeArrowheads="1"/>
           </p:cNvPicPr>
@@ -50796,7 +50646,7 @@
       </p:pic>
       <p:sp>
         <p:nvSpPr>
-          <p:cNvPr id="27" name="액자 26"/>
+          <p:cNvPr id="13" name="액자 12"/>
           <p:cNvSpPr/>
           <p:nvPr/>
         </p:nvSpPr>
@@ -50850,7 +50700,7 @@
       </p:sp>
       <p:sp>
         <p:nvSpPr>
-          <p:cNvPr id="28" name="액자 27"/>
+          <p:cNvPr id="14" name="액자 13"/>
           <p:cNvSpPr/>
           <p:nvPr/>
         </p:nvSpPr>
@@ -50904,7 +50754,7 @@
       </p:sp>
       <p:sp>
         <p:nvSpPr>
-          <p:cNvPr id="29" name="액자 28"/>
+          <p:cNvPr id="16" name="액자 15"/>
           <p:cNvSpPr/>
           <p:nvPr/>
         </p:nvSpPr>
@@ -50956,81 +50806,9 @@
           </a:p>
         </p:txBody>
       </p:sp>
-      <p:sp>
-        <p:nvSpPr>
-          <p:cNvPr id="30" name="직사각형 29">
-            <a:extLst>
-              <a:ext uri="{FF2B5EF4-FFF2-40B4-BE49-F238E27FC236}">
-                <a16:creationId xmlns:a16="http://schemas.microsoft.com/office/drawing/2014/main" id="{3FA00699-5178-465A-9F3F-130CF1431F70}"/>
-              </a:ext>
-            </a:extLst>
-          </p:cNvPr>
-          <p:cNvSpPr/>
-          <p:nvPr/>
-        </p:nvSpPr>
-        <p:spPr>
-          <a:xfrm>
-            <a:off x="589054" y="547161"/>
-            <a:ext cx="4453209" cy="646331"/>
-          </a:xfrm>
-          <a:prstGeom prst="rect">
-            <a:avLst/>
-          </a:prstGeom>
-        </p:spPr>
-        <p:txBody>
-          <a:bodyPr wrap="square" anchor="ctr">
-            <a:spAutoFit/>
-          </a:bodyPr>
-          <a:lstStyle/>
-          <a:p>
-            <a:pPr>
-              <a:lnSpc>
-                <a:spcPct val="150000"/>
-              </a:lnSpc>
-            </a:pPr>
-            <a:r>
-              <a:rPr lang="ko-KR" altLang="en-US" sz="2400" b="1" dirty="0" smtClean="0">
-                <a:solidFill>
-                  <a:srgbClr val="44546A">
-                    <a:lumMod val="75000"/>
-                  </a:srgbClr>
-                </a:solidFill>
-              </a:rPr>
-              <a:t>살인마협회장</a:t>
-            </a:r>
-            <a:r>
-              <a:rPr lang="en-US" altLang="ko-KR" sz="2400" b="1" dirty="0" smtClean="0">
-                <a:solidFill>
-                  <a:srgbClr val="44546A">
-                    <a:lumMod val="75000"/>
-                  </a:srgbClr>
-                </a:solidFill>
-              </a:rPr>
-              <a:t>(DBD) </a:t>
-            </a:r>
-            <a:r>
-              <a:rPr lang="ko-KR" altLang="en-US" sz="2400" b="1" dirty="0" smtClean="0">
-                <a:solidFill>
-                  <a:srgbClr val="44546A">
-                    <a:lumMod val="75000"/>
-                  </a:srgbClr>
-                </a:solidFill>
-              </a:rPr>
-              <a:t>영상 작업</a:t>
-            </a:r>
-            <a:endParaRPr lang="en-US" altLang="ko-KR" sz="2400" b="1" dirty="0">
-              <a:solidFill>
-                <a:srgbClr val="44546A">
-                  <a:lumMod val="75000"/>
-                </a:srgbClr>
-              </a:solidFill>
-            </a:endParaRPr>
-          </a:p>
-        </p:txBody>
-      </p:sp>
       <p:pic>
         <p:nvPicPr>
-          <p:cNvPr id="31" name="Picture 3"/>
+          <p:cNvPr id="17" name="Picture 3"/>
           <p:cNvPicPr>
             <a:picLocks noChangeAspect="1" noChangeArrowheads="1"/>
           </p:cNvPicPr>
@@ -51394,16 +51172,40 @@
           </a:p>
         </p:txBody>
       </p:sp>
+      <p:pic>
+        <p:nvPicPr>
+          <p:cNvPr id="15" name="그림 14"/>
+          <p:cNvPicPr>
+            <a:picLocks noChangeAspect="1"/>
+          </p:cNvPicPr>
+          <p:nvPr/>
+        </p:nvPicPr>
+        <p:blipFill>
+          <a:blip r:embed="rId2"/>
+          <a:stretch>
+            <a:fillRect/>
+          </a:stretch>
+        </p:blipFill>
+        <p:spPr>
+          <a:xfrm>
+            <a:off x="605679" y="1342750"/>
+            <a:ext cx="2982615" cy="5094045"/>
+          </a:xfrm>
+          <a:prstGeom prst="rect">
+            <a:avLst/>
+          </a:prstGeom>
+        </p:spPr>
+      </p:pic>
       <p:graphicFrame>
         <p:nvGraphicFramePr>
-          <p:cNvPr id="19" name="표 18"/>
+          <p:cNvPr id="17" name="표 16"/>
           <p:cNvGraphicFramePr>
             <a:graphicFrameLocks noGrp="1"/>
           </p:cNvGraphicFramePr>
           <p:nvPr>
             <p:extLst>
               <p:ext uri="{D42A27DB-BD31-4B8C-83A1-F6EECF244321}">
-                <p14:modId xmlns:p14="http://schemas.microsoft.com/office/powerpoint/2010/main" val="2581330978"/>
+                <p14:modId xmlns:p14="http://schemas.microsoft.com/office/powerpoint/2010/main" val="2125863154"/>
               </p:ext>
             </p:extLst>
           </p:nvPr>
@@ -51529,10 +51331,10 @@
                     <a:p>
                       <a:pPr algn="ctr" latinLnBrk="1"/>
                       <a:r>
-                        <a:rPr lang="ko-KR" altLang="en-US" b="1" dirty="0" smtClean="0"/>
+                        <a:rPr lang="ko-KR" altLang="en-US" dirty="0" smtClean="0"/>
                         <a:t>총계</a:t>
                       </a:r>
-                      <a:endParaRPr lang="ko-KR" altLang="en-US" b="1" dirty="0"/>
+                      <a:endParaRPr lang="ko-KR" altLang="en-US" dirty="0"/>
                     </a:p>
                   </a:txBody>
                   <a:tcPr anchor="ctr">
@@ -51550,10 +51352,10 @@
                     <a:p>
                       <a:pPr algn="ctr" latinLnBrk="1"/>
                       <a:r>
-                        <a:rPr lang="en-US" altLang="ko-KR" b="1" dirty="0" smtClean="0"/>
-                        <a:t>9</a:t>
+                        <a:rPr lang="en-US" altLang="ko-KR" dirty="0" smtClean="0"/>
+                        <a:t>8</a:t>
                       </a:r>
-                      <a:endParaRPr lang="ko-KR" altLang="en-US" b="1" dirty="0"/>
+                      <a:endParaRPr lang="ko-KR" altLang="en-US" dirty="0"/>
                     </a:p>
                   </a:txBody>
                   <a:tcPr anchor="ctr"/>
@@ -51565,10 +51367,10 @@
                     <a:p>
                       <a:pPr algn="ctr" latinLnBrk="1"/>
                       <a:r>
-                        <a:rPr lang="en-US" altLang="ko-KR" b="1" dirty="0" smtClean="0"/>
-                        <a:t>11</a:t>
+                        <a:rPr lang="en-US" altLang="ko-KR" dirty="0" smtClean="0"/>
+                        <a:t>10</a:t>
                       </a:r>
-                      <a:endParaRPr lang="ko-KR" altLang="en-US" b="1" dirty="0"/>
+                      <a:endParaRPr lang="ko-KR" altLang="en-US" dirty="0"/>
                     </a:p>
                   </a:txBody>
                   <a:tcPr anchor="ctr"/>
@@ -51580,10 +51382,10 @@
                     <a:p>
                       <a:pPr algn="ctr" latinLnBrk="1"/>
                       <a:r>
-                        <a:rPr lang="en-US" altLang="ko-KR" b="1" dirty="0" smtClean="0"/>
-                        <a:t>17</a:t>
+                        <a:rPr lang="en-US" altLang="ko-KR" dirty="0" smtClean="0"/>
+                        <a:t>18</a:t>
                       </a:r>
-                      <a:endParaRPr lang="ko-KR" altLang="en-US" b="1" dirty="0"/>
+                      <a:endParaRPr lang="ko-KR" altLang="en-US" dirty="0"/>
                     </a:p>
                   </a:txBody>
                   <a:tcPr anchor="ctr"/>
@@ -51628,7 +51430,11 @@
                       <a:pPr algn="ctr" latinLnBrk="1"/>
                       <a:r>
                         <a:rPr lang="en-US" altLang="ko-KR" dirty="0" smtClean="0"/>
-                        <a:t>24.32 %</a:t>
+                        <a:t>22.22 </a:t>
+                      </a:r>
+                      <a:r>
+                        <a:rPr lang="en-US" altLang="ko-KR" dirty="0" smtClean="0"/>
+                        <a:t>%</a:t>
                       </a:r>
                       <a:endParaRPr lang="ko-KR" altLang="en-US" dirty="0"/>
                     </a:p>
@@ -51643,11 +51449,15 @@
                       <a:pPr algn="ctr" latinLnBrk="1"/>
                       <a:r>
                         <a:rPr lang="en-US" altLang="ko-KR" dirty="0" smtClean="0"/>
-                        <a:t>29.72</a:t>
+                        <a:t>27.77</a:t>
                       </a:r>
                       <a:r>
                         <a:rPr lang="en-US" altLang="ko-KR" baseline="0" dirty="0" smtClean="0"/>
-                        <a:t> %</a:t>
+                        <a:t> </a:t>
+                      </a:r>
+                      <a:r>
+                        <a:rPr lang="en-US" altLang="ko-KR" baseline="0" dirty="0" smtClean="0"/>
+                        <a:t>%</a:t>
                       </a:r>
                       <a:endParaRPr lang="ko-KR" altLang="en-US" dirty="0"/>
                     </a:p>
@@ -51662,7 +51472,11 @@
                       <a:pPr algn="ctr" latinLnBrk="1"/>
                       <a:r>
                         <a:rPr lang="en-US" altLang="ko-KR" dirty="0" smtClean="0"/>
-                        <a:t>45.94 %</a:t>
+                        <a:t>50 </a:t>
+                      </a:r>
+                      <a:r>
+                        <a:rPr lang="en-US" altLang="ko-KR" dirty="0" smtClean="0"/>
+                        <a:t>%</a:t>
                       </a:r>
                     </a:p>
                   </a:txBody>
@@ -51704,7 +51518,7 @@
                       <a:pPr algn="ctr" latinLnBrk="1"/>
                       <a:r>
                         <a:rPr lang="en-US" altLang="ko-KR" dirty="0" smtClean="0"/>
-                        <a:t>102,155</a:t>
+                        <a:t>101,702</a:t>
                       </a:r>
                       <a:endParaRPr lang="ko-KR" altLang="en-US" dirty="0"/>
                     </a:p>
@@ -51755,10 +51569,10 @@
                     <a:p>
                       <a:pPr algn="ctr" latinLnBrk="1"/>
                       <a:r>
-                        <a:rPr lang="ko-KR" altLang="en-US" b="1" dirty="0" smtClean="0"/>
+                        <a:rPr lang="ko-KR" altLang="en-US" dirty="0" smtClean="0"/>
                         <a:t>평균 조회수</a:t>
                       </a:r>
-                      <a:endParaRPr lang="ko-KR" altLang="en-US" b="1" dirty="0"/>
+                      <a:endParaRPr lang="ko-KR" altLang="en-US" dirty="0"/>
                     </a:p>
                   </a:txBody>
                   <a:tcPr anchor="ctr">
@@ -51776,10 +51590,10 @@
                     <a:p>
                       <a:pPr algn="ctr" latinLnBrk="1"/>
                       <a:r>
-                        <a:rPr lang="en-US" altLang="ko-KR" b="1" dirty="0" smtClean="0"/>
-                        <a:t>83,362</a:t>
+                        <a:rPr lang="en-US" altLang="ko-KR" dirty="0" smtClean="0"/>
+                        <a:t>79,563</a:t>
                       </a:r>
-                      <a:endParaRPr lang="ko-KR" altLang="en-US" b="1" dirty="0"/>
+                      <a:endParaRPr lang="ko-KR" altLang="en-US" dirty="0"/>
                     </a:p>
                   </a:txBody>
                   <a:tcPr anchor="ctr"/>
@@ -51791,10 +51605,10 @@
                     <a:p>
                       <a:pPr algn="ctr" latinLnBrk="1"/>
                       <a:r>
-                        <a:rPr lang="en-US" altLang="ko-KR" b="1" dirty="0" smtClean="0"/>
-                        <a:t>78,966</a:t>
+                        <a:rPr lang="en-US" altLang="ko-KR" dirty="0" smtClean="0"/>
+                        <a:t>76,647</a:t>
                       </a:r>
-                      <a:endParaRPr lang="ko-KR" altLang="en-US" b="1" dirty="0"/>
+                      <a:endParaRPr lang="ko-KR" altLang="en-US" dirty="0"/>
                     </a:p>
                   </a:txBody>
                   <a:tcPr anchor="ctr"/>
@@ -51806,10 +51620,10 @@
                     <a:p>
                       <a:pPr algn="ctr" latinLnBrk="1"/>
                       <a:r>
-                        <a:rPr lang="en-US" altLang="ko-KR" b="1" dirty="0" smtClean="0"/>
-                        <a:t>88,674</a:t>
+                        <a:rPr lang="en-US" altLang="ko-KR" dirty="0" smtClean="0"/>
+                        <a:t>89,423</a:t>
                       </a:r>
-                      <a:endParaRPr lang="ko-KR" altLang="en-US" b="1" dirty="0"/>
+                      <a:endParaRPr lang="ko-KR" altLang="en-US" dirty="0"/>
                     </a:p>
                   </a:txBody>
                   <a:tcPr anchor="ctr"/>
@@ -51828,10 +51642,10 @@
                     <a:p>
                       <a:pPr algn="ctr" latinLnBrk="1"/>
                       <a:r>
-                        <a:rPr lang="ko-KR" altLang="en-US" b="1" dirty="0" smtClean="0"/>
+                        <a:rPr lang="ko-KR" altLang="en-US" dirty="0" smtClean="0"/>
                         <a:t>총 조회수</a:t>
                       </a:r>
-                      <a:endParaRPr lang="ko-KR" altLang="en-US" b="1" dirty="0"/>
+                      <a:endParaRPr lang="ko-KR" altLang="en-US" dirty="0"/>
                     </a:p>
                   </a:txBody>
                   <a:tcPr anchor="ctr">
@@ -51849,16 +51663,10 @@
                     <a:p>
                       <a:pPr algn="ctr" latinLnBrk="1"/>
                       <a:r>
-                        <a:rPr lang="en-US" altLang="ko-KR" b="1" dirty="0" smtClean="0"/>
-                        <a:t>750,258</a:t>
+                        <a:rPr lang="en-US" altLang="ko-KR" dirty="0" smtClean="0"/>
+                        <a:t>636,504</a:t>
                       </a:r>
-                    </a:p>
-                    <a:p>
-                      <a:pPr algn="ctr" latinLnBrk="1"/>
-                      <a:r>
-                        <a:rPr lang="en-US" altLang="ko-KR" sz="1600" b="1" dirty="0" smtClean="0"/>
-                        <a:t>(23.99%)</a:t>
-                      </a:r>
+                      <a:endParaRPr lang="ko-KR" altLang="en-US" dirty="0"/>
                     </a:p>
                   </a:txBody>
                   <a:tcPr anchor="ctr"/>
@@ -51870,32 +51678,10 @@
                     <a:p>
                       <a:pPr algn="ctr" latinLnBrk="1"/>
                       <a:r>
-                        <a:rPr lang="en-US" altLang="ko-KR" b="1" dirty="0" smtClean="0"/>
-                        <a:t>868,626</a:t>
+                        <a:rPr lang="en-US" altLang="ko-KR" dirty="0" smtClean="0"/>
+                        <a:t>766,470</a:t>
                       </a:r>
-                    </a:p>
-                    <a:p>
-                      <a:pPr marL="0" marR="0" indent="0" algn="ctr" defTabSz="914400" rtl="0" eaLnBrk="1" fontAlgn="auto" latinLnBrk="1" hangingPunct="1">
-                        <a:lnSpc>
-                          <a:spcPct val="100000"/>
-                        </a:lnSpc>
-                        <a:spcBef>
-                          <a:spcPts val="0"/>
-                        </a:spcBef>
-                        <a:spcAft>
-                          <a:spcPts val="0"/>
-                        </a:spcAft>
-                        <a:buClrTx/>
-                        <a:buSzTx/>
-                        <a:buFontTx/>
-                        <a:buNone/>
-                        <a:tabLst/>
-                        <a:defRPr/>
-                      </a:pPr>
-                      <a:r>
-                        <a:rPr lang="en-US" altLang="ko-KR" sz="1600" b="1" dirty="0" smtClean="0"/>
-                        <a:t>(27.78%)</a:t>
-                      </a:r>
+                      <a:endParaRPr lang="ko-KR" altLang="en-US" dirty="0"/>
                     </a:p>
                   </a:txBody>
                   <a:tcPr anchor="ctr"/>
@@ -51907,17 +51693,10 @@
                     <a:p>
                       <a:pPr algn="ctr" latinLnBrk="1"/>
                       <a:r>
-                        <a:rPr lang="en-US" altLang="ko-KR" b="1" dirty="0" smtClean="0"/>
-                        <a:t>1,507,458</a:t>
+                        <a:rPr lang="en-US" altLang="ko-KR" dirty="0" smtClean="0"/>
+                        <a:t>1,609,614</a:t>
                       </a:r>
-                      <a:br>
-                        <a:rPr lang="en-US" altLang="ko-KR" b="1" dirty="0" smtClean="0"/>
-                      </a:br>
-                      <a:r>
-                        <a:rPr lang="en-US" altLang="ko-KR" sz="1600" b="1" dirty="0" smtClean="0"/>
-                        <a:t>(48.21%)</a:t>
-                      </a:r>
-                      <a:endParaRPr lang="ko-KR" altLang="en-US" b="1" dirty="0"/>
+                      <a:endParaRPr lang="ko-KR" altLang="en-US" dirty="0"/>
                     </a:p>
                   </a:txBody>
                   <a:tcPr anchor="ctr"/>
@@ -51932,73 +51711,9 @@
           </a:graphicData>
         </a:graphic>
       </p:graphicFrame>
-      <p:pic>
-        <p:nvPicPr>
-          <p:cNvPr id="1026" name="Picture 2"/>
-          <p:cNvPicPr>
-            <a:picLocks noChangeAspect="1" noChangeArrowheads="1"/>
-          </p:cNvPicPr>
-          <p:nvPr/>
-        </p:nvPicPr>
-        <p:blipFill>
-          <a:blip r:embed="rId2">
-            <a:extLst>
-              <a:ext uri="{28A0092B-C50C-407E-A947-70E740481C1C}">
-                <a14:useLocalDpi xmlns:a14="http://schemas.microsoft.com/office/drawing/2010/main" val="0"/>
-              </a:ext>
-            </a:extLst>
-          </a:blip>
-          <a:srcRect/>
-          <a:stretch>
-            <a:fillRect/>
-          </a:stretch>
-        </p:blipFill>
-        <p:spPr bwMode="auto">
-          <a:xfrm>
-            <a:off x="647289" y="1342750"/>
-            <a:ext cx="2941006" cy="5094045"/>
-          </a:xfrm>
-          <a:prstGeom prst="rect">
-            <a:avLst/>
-          </a:prstGeom>
-          <a:noFill/>
-          <a:ln>
-            <a:noFill/>
-          </a:ln>
-          <a:effectLst/>
-          <a:extLst>
-            <a:ext uri="{909E8E84-426E-40DD-AFC4-6F175D3DCCD1}">
-              <a14:hiddenFill xmlns:a14="http://schemas.microsoft.com/office/drawing/2010/main">
-                <a:solidFill>
-                  <a:schemeClr val="accent1"/>
-                </a:solidFill>
-              </a14:hiddenFill>
-            </a:ext>
-            <a:ext uri="{91240B29-F687-4F45-9708-019B960494DF}">
-              <a14:hiddenLine xmlns:a14="http://schemas.microsoft.com/office/drawing/2010/main" w="9525">
-                <a:solidFill>
-                  <a:schemeClr val="tx1"/>
-                </a:solidFill>
-                <a:miter lim="800000"/>
-                <a:headEnd/>
-                <a:tailEnd/>
-              </a14:hiddenLine>
-            </a:ext>
-            <a:ext uri="{AF507438-7753-43E0-B8FC-AC1667EBCBE1}">
-              <a14:hiddenEffects xmlns:a14="http://schemas.microsoft.com/office/drawing/2010/main">
-                <a:effectLst>
-                  <a:outerShdw dist="35921" dir="2700000" algn="ctr" rotWithShape="0">
-                    <a:schemeClr val="bg2"/>
-                  </a:outerShdw>
-                </a:effectLst>
-              </a14:hiddenEffects>
-            </a:ext>
-          </a:extLst>
-        </p:spPr>
-      </p:pic>
       <p:sp>
         <p:nvSpPr>
-          <p:cNvPr id="18" name="액자 17"/>
+          <p:cNvPr id="20" name="액자 19"/>
           <p:cNvSpPr/>
           <p:nvPr/>
         </p:nvSpPr>
@@ -52009,7 +51724,7 @@
           </a:xfrm>
           <a:prstGeom prst="frame">
             <a:avLst>
-              <a:gd name="adj1" fmla="val 1151"/>
+              <a:gd name="adj1" fmla="val 3903"/>
             </a:avLst>
           </a:prstGeom>
           <a:solidFill>
@@ -52052,7 +51767,7 @@
       </p:sp>
       <p:sp>
         <p:nvSpPr>
-          <p:cNvPr id="10" name="액자 9"/>
+          <p:cNvPr id="21" name="액자 20"/>
           <p:cNvSpPr/>
           <p:nvPr/>
         </p:nvSpPr>
@@ -52106,7 +51821,7 @@
       </p:sp>
       <p:sp>
         <p:nvSpPr>
-          <p:cNvPr id="11" name="액자 10"/>
+          <p:cNvPr id="22" name="액자 21"/>
           <p:cNvSpPr/>
           <p:nvPr/>
         </p:nvSpPr>
@@ -53608,14 +53323,62 @@
       </p:sp>
       <p:pic>
         <p:nvPicPr>
-          <p:cNvPr id="21" name="Picture 2"/>
+          <p:cNvPr id="16" name="그림 15"/>
+          <p:cNvPicPr>
+            <a:picLocks noChangeAspect="1"/>
+          </p:cNvPicPr>
+          <p:nvPr/>
+        </p:nvPicPr>
+        <p:blipFill>
+          <a:blip r:embed="rId2"/>
+          <a:stretch>
+            <a:fillRect/>
+          </a:stretch>
+        </p:blipFill>
+        <p:spPr>
+          <a:xfrm>
+            <a:off x="495935" y="2886150"/>
+            <a:ext cx="5946391" cy="3200653"/>
+          </a:xfrm>
+          <a:prstGeom prst="rect">
+            <a:avLst/>
+          </a:prstGeom>
+        </p:spPr>
+      </p:pic>
+      <p:pic>
+        <p:nvPicPr>
+          <p:cNvPr id="17" name="그림 16"/>
+          <p:cNvPicPr>
+            <a:picLocks noChangeAspect="1"/>
+          </p:cNvPicPr>
+          <p:nvPr/>
+        </p:nvPicPr>
+        <p:blipFill>
+          <a:blip r:embed="rId3"/>
+          <a:stretch>
+            <a:fillRect/>
+          </a:stretch>
+        </p:blipFill>
+        <p:spPr>
+          <a:xfrm>
+            <a:off x="494465" y="1610432"/>
+            <a:ext cx="5968956" cy="1275718"/>
+          </a:xfrm>
+          <a:prstGeom prst="rect">
+            <a:avLst/>
+          </a:prstGeom>
+        </p:spPr>
+      </p:pic>
+      <p:pic>
+        <p:nvPicPr>
+          <p:cNvPr id="18" name="Picture 2"/>
           <p:cNvPicPr>
             <a:picLocks noChangeAspect="1" noChangeArrowheads="1"/>
           </p:cNvPicPr>
           <p:nvPr/>
         </p:nvPicPr>
         <p:blipFill>
-          <a:blip r:embed="rId2">
+          <a:blip r:embed="rId4">
             <a:extLst>
               <a:ext uri="{28A0092B-C50C-407E-A947-70E740481C1C}">
                 <a14:useLocalDpi xmlns:a14="http://schemas.microsoft.com/office/drawing/2010/main" val="0"/>
@@ -53670,73 +53433,9 @@
           </a:extLst>
         </p:spPr>
       </p:pic>
-      <p:pic>
-        <p:nvPicPr>
-          <p:cNvPr id="22" name="Picture 3"/>
-          <p:cNvPicPr>
-            <a:picLocks noChangeAspect="1" noChangeArrowheads="1"/>
-          </p:cNvPicPr>
-          <p:nvPr/>
-        </p:nvPicPr>
-        <p:blipFill>
-          <a:blip r:embed="rId3">
-            <a:extLst>
-              <a:ext uri="{28A0092B-C50C-407E-A947-70E740481C1C}">
-                <a14:useLocalDpi xmlns:a14="http://schemas.microsoft.com/office/drawing/2010/main" val="0"/>
-              </a:ext>
-            </a:extLst>
-          </a:blip>
-          <a:srcRect/>
-          <a:stretch>
-            <a:fillRect/>
-          </a:stretch>
-        </p:blipFill>
-        <p:spPr bwMode="auto">
-          <a:xfrm>
-            <a:off x="494465" y="1611299"/>
-            <a:ext cx="5949314" cy="1274853"/>
-          </a:xfrm>
-          <a:prstGeom prst="rect">
-            <a:avLst/>
-          </a:prstGeom>
-          <a:noFill/>
-          <a:ln>
-            <a:noFill/>
-          </a:ln>
-          <a:effectLst/>
-          <a:extLst>
-            <a:ext uri="{909E8E84-426E-40DD-AFC4-6F175D3DCCD1}">
-              <a14:hiddenFill xmlns:a14="http://schemas.microsoft.com/office/drawing/2010/main">
-                <a:solidFill>
-                  <a:schemeClr val="accent1"/>
-                </a:solidFill>
-              </a14:hiddenFill>
-            </a:ext>
-            <a:ext uri="{91240B29-F687-4F45-9708-019B960494DF}">
-              <a14:hiddenLine xmlns:a14="http://schemas.microsoft.com/office/drawing/2010/main" w="9525">
-                <a:solidFill>
-                  <a:schemeClr val="tx1"/>
-                </a:solidFill>
-                <a:miter lim="800000"/>
-                <a:headEnd/>
-                <a:tailEnd/>
-              </a14:hiddenLine>
-            </a:ext>
-            <a:ext uri="{AF507438-7753-43E0-B8FC-AC1667EBCBE1}">
-              <a14:hiddenEffects xmlns:a14="http://schemas.microsoft.com/office/drawing/2010/main">
-                <a:effectLst>
-                  <a:outerShdw dist="35921" dir="2700000" algn="ctr" rotWithShape="0">
-                    <a:schemeClr val="bg2"/>
-                  </a:outerShdw>
-                </a:effectLst>
-              </a14:hiddenEffects>
-            </a:ext>
-          </a:extLst>
-        </p:spPr>
-      </p:pic>
       <p:sp>
         <p:nvSpPr>
-          <p:cNvPr id="23" name="액자 22"/>
+          <p:cNvPr id="19" name="액자 18"/>
           <p:cNvSpPr/>
           <p:nvPr/>
         </p:nvSpPr>
@@ -53790,14 +53489,14 @@
       </p:sp>
       <p:graphicFrame>
         <p:nvGraphicFramePr>
-          <p:cNvPr id="25" name="표 24"/>
+          <p:cNvPr id="24" name="표 23"/>
           <p:cNvGraphicFramePr>
             <a:graphicFrameLocks noGrp="1"/>
           </p:cNvGraphicFramePr>
           <p:nvPr>
             <p:extLst>
               <p:ext uri="{D42A27DB-BD31-4B8C-83A1-F6EECF244321}">
-                <p14:modId xmlns:p14="http://schemas.microsoft.com/office/powerpoint/2010/main" val="3258286805"/>
+                <p14:modId xmlns:p14="http://schemas.microsoft.com/office/powerpoint/2010/main" val="1688834053"/>
               </p:ext>
             </p:extLst>
           </p:nvPr>
@@ -53945,10 +53644,10 @@
                     <a:p>
                       <a:pPr algn="ctr" latinLnBrk="1"/>
                       <a:r>
-                        <a:rPr lang="ko-KR" altLang="en-US" sz="1400" b="1" dirty="0" smtClean="0"/>
+                        <a:rPr lang="ko-KR" altLang="en-US" sz="1400" dirty="0" smtClean="0"/>
                         <a:t>총계</a:t>
                       </a:r>
-                      <a:endParaRPr lang="ko-KR" altLang="en-US" sz="1400" b="1" dirty="0"/>
+                      <a:endParaRPr lang="ko-KR" altLang="en-US" sz="1400" dirty="0"/>
                     </a:p>
                   </a:txBody>
                   <a:tcPr anchor="ctr">
@@ -53966,10 +53665,10 @@
                     <a:p>
                       <a:pPr algn="ctr" latinLnBrk="1"/>
                       <a:r>
-                        <a:rPr lang="en-US" altLang="ko-KR" sz="1400" b="1" dirty="0" smtClean="0"/>
+                        <a:rPr lang="en-US" altLang="ko-KR" sz="1400" dirty="0" smtClean="0"/>
                         <a:t>1</a:t>
                       </a:r>
-                      <a:endParaRPr lang="ko-KR" altLang="en-US" sz="1400" b="1" dirty="0"/>
+                      <a:endParaRPr lang="ko-KR" altLang="en-US" sz="1400" dirty="0"/>
                     </a:p>
                   </a:txBody>
                   <a:tcPr anchor="ctr"/>
@@ -53981,10 +53680,10 @@
                     <a:p>
                       <a:pPr algn="ctr" latinLnBrk="1"/>
                       <a:r>
-                        <a:rPr lang="en-US" altLang="ko-KR" sz="1400" b="1" dirty="0" smtClean="0"/>
+                        <a:rPr lang="en-US" altLang="ko-KR" sz="1400" dirty="0" smtClean="0"/>
                         <a:t>2</a:t>
                       </a:r>
-                      <a:endParaRPr lang="ko-KR" altLang="en-US" sz="1400" b="1" dirty="0"/>
+                      <a:endParaRPr lang="ko-KR" altLang="en-US" sz="1400" dirty="0"/>
                     </a:p>
                   </a:txBody>
                   <a:tcPr anchor="ctr"/>
@@ -53996,10 +53695,10 @@
                     <a:p>
                       <a:pPr algn="ctr" latinLnBrk="1"/>
                       <a:r>
-                        <a:rPr lang="en-US" altLang="ko-KR" sz="1400" b="1" dirty="0" smtClean="0"/>
+                        <a:rPr lang="en-US" altLang="ko-KR" sz="1400" dirty="0" smtClean="0"/>
                         <a:t>2</a:t>
                       </a:r>
-                      <a:endParaRPr lang="ko-KR" altLang="en-US" sz="1400" b="1" dirty="0"/>
+                      <a:endParaRPr lang="ko-KR" altLang="en-US" sz="1400" dirty="0"/>
                     </a:p>
                   </a:txBody>
                   <a:tcPr anchor="ctr"/>
@@ -54011,10 +53710,10 @@
                     <a:p>
                       <a:pPr algn="ctr" latinLnBrk="1"/>
                       <a:r>
-                        <a:rPr lang="en-US" altLang="ko-KR" sz="1400" b="1" dirty="0" smtClean="0"/>
+                        <a:rPr lang="en-US" altLang="ko-KR" sz="1400" dirty="0" smtClean="0"/>
                         <a:t>3</a:t>
                       </a:r>
-                      <a:endParaRPr lang="ko-KR" altLang="en-US" sz="1400" b="1" dirty="0"/>
+                      <a:endParaRPr lang="ko-KR" altLang="en-US" sz="1400" dirty="0"/>
                     </a:p>
                   </a:txBody>
                   <a:tcPr anchor="ctr"/>
@@ -54173,7 +53872,7 @@
                       <a:pPr algn="ctr" latinLnBrk="1"/>
                       <a:r>
                         <a:rPr lang="en-US" altLang="ko-KR" sz="1400" dirty="0" smtClean="0"/>
-                        <a:t>177,529</a:t>
+                        <a:t>216,883</a:t>
                       </a:r>
                       <a:endParaRPr lang="ko-KR" altLang="en-US" sz="1400" dirty="0"/>
                     </a:p>
@@ -54224,18 +53923,18 @@
                     <a:p>
                       <a:pPr algn="ctr" latinLnBrk="1"/>
                       <a:r>
-                        <a:rPr lang="ko-KR" altLang="en-US" sz="1400" b="1" dirty="0" smtClean="0"/>
+                        <a:rPr lang="ko-KR" altLang="en-US" sz="1400" dirty="0" smtClean="0"/>
                         <a:t>평균</a:t>
                       </a:r>
-                      <a:endParaRPr lang="en-US" altLang="ko-KR" sz="1400" b="1" dirty="0" smtClean="0"/>
+                      <a:endParaRPr lang="en-US" altLang="ko-KR" sz="1400" dirty="0" smtClean="0"/>
                     </a:p>
                     <a:p>
                       <a:pPr algn="ctr" latinLnBrk="1"/>
                       <a:r>
-                        <a:rPr lang="ko-KR" altLang="en-US" sz="1400" b="1" dirty="0" smtClean="0"/>
+                        <a:rPr lang="ko-KR" altLang="en-US" sz="1400" dirty="0" smtClean="0"/>
                         <a:t>조회수</a:t>
                       </a:r>
-                      <a:endParaRPr lang="ko-KR" altLang="en-US" sz="1400" b="1" dirty="0"/>
+                      <a:endParaRPr lang="ko-KR" altLang="en-US" sz="1400" dirty="0"/>
                     </a:p>
                   </a:txBody>
                   <a:tcPr anchor="ctr">
@@ -54253,10 +53952,10 @@
                     <a:p>
                       <a:pPr algn="ctr" latinLnBrk="1"/>
                       <a:r>
-                        <a:rPr lang="en-US" altLang="ko-KR" sz="1400" b="1" dirty="0" smtClean="0"/>
+                        <a:rPr lang="en-US" altLang="ko-KR" sz="1400" dirty="0" smtClean="0"/>
                         <a:t>139,724</a:t>
                       </a:r>
-                      <a:endParaRPr lang="ko-KR" altLang="en-US" sz="1400" b="1" dirty="0"/>
+                      <a:endParaRPr lang="ko-KR" altLang="en-US" sz="1400" dirty="0"/>
                     </a:p>
                   </a:txBody>
                   <a:tcPr anchor="ctr"/>
@@ -54268,10 +53967,10 @@
                     <a:p>
                       <a:pPr algn="ctr" latinLnBrk="1"/>
                       <a:r>
-                        <a:rPr lang="en-US" altLang="ko-KR" sz="1400" b="1" dirty="0" smtClean="0"/>
-                        <a:t>159,487</a:t>
+                        <a:rPr lang="en-US" altLang="ko-KR" sz="1400" dirty="0" smtClean="0"/>
+                        <a:t>197,206</a:t>
                       </a:r>
-                      <a:endParaRPr lang="ko-KR" altLang="en-US" sz="1400" b="1" dirty="0"/>
+                      <a:endParaRPr lang="ko-KR" altLang="en-US" sz="1400" dirty="0"/>
                     </a:p>
                   </a:txBody>
                   <a:tcPr anchor="ctr"/>
@@ -54283,10 +53982,10 @@
                     <a:p>
                       <a:pPr algn="ctr" latinLnBrk="1"/>
                       <a:r>
-                        <a:rPr lang="en-US" altLang="ko-KR" sz="1400" b="1" dirty="0" smtClean="0"/>
+                        <a:rPr lang="en-US" altLang="ko-KR" sz="1400" dirty="0" smtClean="0"/>
                         <a:t>159,487</a:t>
                       </a:r>
-                      <a:endParaRPr lang="ko-KR" altLang="en-US" sz="1400" b="1" dirty="0"/>
+                      <a:endParaRPr lang="ko-KR" altLang="en-US" sz="1400" dirty="0"/>
                     </a:p>
                   </a:txBody>
                   <a:tcPr anchor="ctr"/>
@@ -54298,10 +53997,10 @@
                     <a:p>
                       <a:pPr algn="ctr" latinLnBrk="1"/>
                       <a:r>
-                        <a:rPr lang="en-US" altLang="ko-KR" sz="1400" b="1" dirty="0" smtClean="0"/>
+                        <a:rPr lang="en-US" altLang="ko-KR" sz="1400" dirty="0" smtClean="0"/>
                         <a:t>222,323</a:t>
                       </a:r>
-                      <a:endParaRPr lang="ko-KR" altLang="en-US" sz="1400" b="1" dirty="0"/>
+                      <a:endParaRPr lang="ko-KR" altLang="en-US" sz="1400" dirty="0"/>
                     </a:p>
                   </a:txBody>
                   <a:tcPr anchor="ctr"/>
@@ -54320,18 +54019,18 @@
                     <a:p>
                       <a:pPr algn="ctr" latinLnBrk="1"/>
                       <a:r>
-                        <a:rPr lang="ko-KR" altLang="en-US" sz="1400" b="1" dirty="0" smtClean="0"/>
+                        <a:rPr lang="ko-KR" altLang="en-US" sz="1400" dirty="0" smtClean="0"/>
                         <a:t>총</a:t>
                       </a:r>
-                      <a:endParaRPr lang="en-US" altLang="ko-KR" sz="1400" b="1" dirty="0" smtClean="0"/>
+                      <a:endParaRPr lang="en-US" altLang="ko-KR" sz="1400" dirty="0" smtClean="0"/>
                     </a:p>
                     <a:p>
                       <a:pPr algn="ctr" latinLnBrk="1"/>
                       <a:r>
-                        <a:rPr lang="ko-KR" altLang="en-US" sz="1400" b="1" dirty="0" smtClean="0"/>
+                        <a:rPr lang="ko-KR" altLang="en-US" sz="1400" dirty="0" smtClean="0"/>
                         <a:t>조회수</a:t>
                       </a:r>
-                      <a:endParaRPr lang="ko-KR" altLang="en-US" sz="1400" b="1" dirty="0"/>
+                      <a:endParaRPr lang="ko-KR" altLang="en-US" sz="1400" dirty="0"/>
                     </a:p>
                   </a:txBody>
                   <a:tcPr anchor="ctr">
@@ -54349,17 +54048,10 @@
                     <a:p>
                       <a:pPr algn="ctr" latinLnBrk="1"/>
                       <a:r>
-                        <a:rPr lang="en-US" altLang="ko-KR" sz="1400" b="1" dirty="0" smtClean="0"/>
+                        <a:rPr lang="en-US" altLang="ko-KR" sz="1400" dirty="0" smtClean="0"/>
                         <a:t>139,724</a:t>
                       </a:r>
-                    </a:p>
-                    <a:p>
-                      <a:pPr algn="ctr" latinLnBrk="1"/>
-                      <a:r>
-                        <a:rPr lang="en-US" altLang="ko-KR" sz="1200" b="1" dirty="0" smtClean="0"/>
-                        <a:t>(9.67%)</a:t>
-                      </a:r>
-                      <a:endParaRPr lang="ko-KR" altLang="en-US" sz="1100" b="1" dirty="0"/>
+                      <a:endParaRPr lang="ko-KR" altLang="en-US" sz="1400" dirty="0"/>
                     </a:p>
                   </a:txBody>
                   <a:tcPr anchor="ctr"/>
@@ -54371,17 +54063,10 @@
                     <a:p>
                       <a:pPr algn="ctr" latinLnBrk="1"/>
                       <a:r>
-                        <a:rPr lang="en-US" altLang="ko-KR" sz="1400" b="1" dirty="0" smtClean="0"/>
-                        <a:t>318,974</a:t>
+                        <a:rPr lang="en-US" altLang="ko-KR" sz="1400" dirty="0" smtClean="0"/>
+                        <a:t>394,412</a:t>
                       </a:r>
-                    </a:p>
-                    <a:p>
-                      <a:pPr algn="ctr" latinLnBrk="1"/>
-                      <a:r>
-                        <a:rPr lang="en-US" altLang="ko-KR" sz="1200" b="1" dirty="0" smtClean="0"/>
-                        <a:t>(22.07%)</a:t>
-                      </a:r>
-                      <a:endParaRPr lang="ko-KR" altLang="en-US" sz="1200" b="1" dirty="0"/>
+                      <a:endParaRPr lang="ko-KR" altLang="en-US" sz="1400" dirty="0"/>
                     </a:p>
                   </a:txBody>
                   <a:tcPr anchor="ctr"/>
@@ -54393,17 +54078,10 @@
                     <a:p>
                       <a:pPr algn="ctr" latinLnBrk="1"/>
                       <a:r>
-                        <a:rPr lang="en-US" altLang="ko-KR" sz="1400" b="1" dirty="0" smtClean="0"/>
+                        <a:rPr lang="en-US" altLang="ko-KR" sz="1400" dirty="0" smtClean="0"/>
                         <a:t>318,974</a:t>
                       </a:r>
-                    </a:p>
-                    <a:p>
-                      <a:pPr algn="ctr" latinLnBrk="1"/>
-                      <a:r>
-                        <a:rPr lang="en-US" altLang="ko-KR" sz="1200" b="1" dirty="0" smtClean="0"/>
-                        <a:t>(22.07%)</a:t>
-                      </a:r>
-                      <a:endParaRPr lang="ko-KR" altLang="en-US" sz="1200" b="1" dirty="0"/>
+                      <a:endParaRPr lang="ko-KR" altLang="en-US" sz="1400" dirty="0"/>
                     </a:p>
                   </a:txBody>
                   <a:tcPr anchor="ctr"/>
@@ -54415,17 +54093,10 @@
                     <a:p>
                       <a:pPr algn="ctr" latinLnBrk="1"/>
                       <a:r>
-                        <a:rPr lang="en-US" altLang="ko-KR" sz="1400" b="1" dirty="0" smtClean="0"/>
+                        <a:rPr lang="en-US" altLang="ko-KR" sz="1400" dirty="0" smtClean="0"/>
                         <a:t>666,969</a:t>
                       </a:r>
-                    </a:p>
-                    <a:p>
-                      <a:pPr algn="ctr" latinLnBrk="1"/>
-                      <a:r>
-                        <a:rPr lang="en-US" altLang="ko-KR" sz="1200" b="1" dirty="0" smtClean="0"/>
-                        <a:t>(46.16%)</a:t>
-                      </a:r>
-                      <a:endParaRPr lang="ko-KR" altLang="en-US" sz="1100" b="1" dirty="0"/>
+                      <a:endParaRPr lang="ko-KR" altLang="en-US" sz="1400" dirty="0"/>
                     </a:p>
                   </a:txBody>
                   <a:tcPr anchor="ctr"/>
@@ -54440,73 +54111,9 @@
           </a:graphicData>
         </a:graphic>
       </p:graphicFrame>
-      <p:pic>
-        <p:nvPicPr>
-          <p:cNvPr id="3074" name="Picture 2"/>
-          <p:cNvPicPr>
-            <a:picLocks noChangeAspect="1" noChangeArrowheads="1"/>
-          </p:cNvPicPr>
-          <p:nvPr/>
-        </p:nvPicPr>
-        <p:blipFill>
-          <a:blip r:embed="rId4">
-            <a:extLst>
-              <a:ext uri="{28A0092B-C50C-407E-A947-70E740481C1C}">
-                <a14:useLocalDpi xmlns:a14="http://schemas.microsoft.com/office/drawing/2010/main" val="0"/>
-              </a:ext>
-            </a:extLst>
-          </a:blip>
-          <a:srcRect/>
-          <a:stretch>
-            <a:fillRect/>
-          </a:stretch>
-        </p:blipFill>
-        <p:spPr bwMode="auto">
-          <a:xfrm>
-            <a:off x="494465" y="2886151"/>
-            <a:ext cx="5962378" cy="3192967"/>
-          </a:xfrm>
-          <a:prstGeom prst="rect">
-            <a:avLst/>
-          </a:prstGeom>
-          <a:noFill/>
-          <a:ln>
-            <a:noFill/>
-          </a:ln>
-          <a:effectLst/>
-          <a:extLst>
-            <a:ext uri="{909E8E84-426E-40DD-AFC4-6F175D3DCCD1}">
-              <a14:hiddenFill xmlns:a14="http://schemas.microsoft.com/office/drawing/2010/main">
-                <a:solidFill>
-                  <a:schemeClr val="accent1"/>
-                </a:solidFill>
-              </a14:hiddenFill>
-            </a:ext>
-            <a:ext uri="{91240B29-F687-4F45-9708-019B960494DF}">
-              <a14:hiddenLine xmlns:a14="http://schemas.microsoft.com/office/drawing/2010/main" w="9525">
-                <a:solidFill>
-                  <a:schemeClr val="tx1"/>
-                </a:solidFill>
-                <a:miter lim="800000"/>
-                <a:headEnd/>
-                <a:tailEnd/>
-              </a14:hiddenLine>
-            </a:ext>
-            <a:ext uri="{AF507438-7753-43E0-B8FC-AC1667EBCBE1}">
-              <a14:hiddenEffects xmlns:a14="http://schemas.microsoft.com/office/drawing/2010/main">
-                <a:effectLst>
-                  <a:outerShdw dist="35921" dir="2700000" algn="ctr" rotWithShape="0">
-                    <a:schemeClr val="bg2"/>
-                  </a:outerShdw>
-                </a:effectLst>
-              </a14:hiddenEffects>
-            </a:ext>
-          </a:extLst>
-        </p:spPr>
-      </p:pic>
       <p:sp>
         <p:nvSpPr>
-          <p:cNvPr id="26" name="액자 25"/>
+          <p:cNvPr id="27" name="액자 26"/>
           <p:cNvSpPr/>
           <p:nvPr/>
         </p:nvSpPr>
@@ -54560,7 +54167,7 @@
       </p:sp>
       <p:sp>
         <p:nvSpPr>
-          <p:cNvPr id="13" name="액자 12"/>
+          <p:cNvPr id="28" name="액자 27"/>
           <p:cNvSpPr/>
           <p:nvPr/>
         </p:nvSpPr>
@@ -54614,14 +54221,14 @@
       </p:sp>
       <p:sp>
         <p:nvSpPr>
-          <p:cNvPr id="14" name="액자 13"/>
+          <p:cNvPr id="29" name="액자 28"/>
           <p:cNvSpPr/>
           <p:nvPr/>
         </p:nvSpPr>
         <p:spPr>
           <a:xfrm>
-            <a:off x="6482969" y="4804755"/>
-            <a:ext cx="5614442" cy="1396538"/>
+            <a:off x="6482969" y="4202797"/>
+            <a:ext cx="5614442" cy="1941130"/>
           </a:xfrm>
           <a:prstGeom prst="frame">
             <a:avLst>
